--- a/中間-太さ.pptx
+++ b/中間-太さ.pptx
@@ -13,8 +13,8 @@
     <p:sldId id="278" r:id="rId4"/>
     <p:sldId id="279" r:id="rId5"/>
     <p:sldId id="272" r:id="rId6"/>
-    <p:sldId id="265" r:id="rId7"/>
-    <p:sldId id="273" r:id="rId8"/>
+    <p:sldId id="273" r:id="rId7"/>
+    <p:sldId id="265" r:id="rId8"/>
     <p:sldId id="263" r:id="rId9"/>
     <p:sldId id="257" r:id="rId10"/>
     <p:sldId id="258" r:id="rId11"/>
@@ -2348,7 +2348,15 @@
             </a:r>
             <a:r>
               <a:rPr kumimoji="1" lang="ja-JP" altLang="en-US" dirty="0"/>
-              <a:t>ゲームでは汎用コントローラを使うことが一般的です。</a:t>
+              <a:t>ゲームでは図</a:t>
+            </a:r>
+            <a:r>
+              <a:rPr kumimoji="1" lang="en-US" altLang="ja-JP" dirty="0"/>
+              <a:t>2</a:t>
+            </a:r>
+            <a:r>
+              <a:rPr kumimoji="1" lang="ja-JP" altLang="en-US" dirty="0"/>
+              <a:t>のような、汎用コントローラを使うことが一般的です。</a:t>
             </a:r>
             <a:endParaRPr kumimoji="1" lang="en-US" altLang="ja-JP" dirty="0"/>
           </a:p>
@@ -2378,7 +2386,7 @@
           <a:p>
             <a:r>
               <a:rPr kumimoji="1" lang="ja-JP" altLang="en-US" dirty="0"/>
-              <a:t>そこで</a:t>
+              <a:t>これまでに、</a:t>
             </a:r>
             <a:r>
               <a:rPr kumimoji="1" lang="en-US" altLang="ja-JP" dirty="0"/>
@@ -2992,7 +3000,7 @@
           <a:p>
             <a:r>
               <a:rPr kumimoji="1" lang="ja-JP" altLang="en-US" dirty="0"/>
-              <a:t>それらを</a:t>
+              <a:t>それらを、</a:t>
             </a:r>
             <a:r>
               <a:rPr kumimoji="1" lang="en-US" altLang="ja-JP" dirty="0"/>
@@ -3000,7 +3008,7 @@
             </a:r>
             <a:r>
               <a:rPr kumimoji="1" lang="ja-JP" altLang="en-US" dirty="0"/>
-              <a:t>つの太さの変わらないコントローラで、表現するままでは没入感が上がらないのではないかと考えました。</a:t>
+              <a:t>つの太さの変わらないコントローラで表現するままでは、没入感が上がらないのではないかと考えました。</a:t>
             </a:r>
             <a:endParaRPr kumimoji="1" lang="en-US" altLang="ja-JP" dirty="0"/>
           </a:p>
@@ -3202,6 +3210,177 @@
 </file>
 
 <file path=ppt/notesSlides/notesSlide6.xml><?xml version="1.0" encoding="utf-8"?>
+<p:notes xmlns:a="http://schemas.openxmlformats.org/drawingml/2006/main" xmlns:r="http://schemas.openxmlformats.org/officeDocument/2006/relationships" xmlns:p="http://schemas.openxmlformats.org/presentationml/2006/main">
+  <p:cSld>
+    <p:spTree>
+      <p:nvGrpSpPr>
+        <p:cNvPr id="1" name="">
+          <a:extLst>
+            <a:ext uri="{FF2B5EF4-FFF2-40B4-BE49-F238E27FC236}">
+              <a16:creationId xmlns:a16="http://schemas.microsoft.com/office/drawing/2014/main" id="{6CE1C53A-8D64-A0F8-19F9-BA9D34E1F318}"/>
+            </a:ext>
+          </a:extLst>
+        </p:cNvPr>
+        <p:cNvGrpSpPr/>
+        <p:nvPr/>
+      </p:nvGrpSpPr>
+      <p:grpSpPr>
+        <a:xfrm>
+          <a:off x="0" y="0"/>
+          <a:ext cx="0" cy="0"/>
+          <a:chOff x="0" y="0"/>
+          <a:chExt cx="0" cy="0"/>
+        </a:xfrm>
+      </p:grpSpPr>
+      <p:sp>
+        <p:nvSpPr>
+          <p:cNvPr id="2" name="スライド イメージ プレースホルダー 1">
+            <a:extLst>
+              <a:ext uri="{FF2B5EF4-FFF2-40B4-BE49-F238E27FC236}">
+                <a16:creationId xmlns:a16="http://schemas.microsoft.com/office/drawing/2014/main" id="{F96668EA-DC03-06C4-4744-BAFB59E25801}"/>
+              </a:ext>
+            </a:extLst>
+          </p:cNvPr>
+          <p:cNvSpPr>
+            <a:spLocks noGrp="1" noRot="1" noChangeAspect="1"/>
+          </p:cNvSpPr>
+          <p:nvPr>
+            <p:ph type="sldImg"/>
+          </p:nvPr>
+        </p:nvSpPr>
+        <p:spPr/>
+      </p:sp>
+      <p:sp>
+        <p:nvSpPr>
+          <p:cNvPr id="3" name="ノート プレースホルダー 2">
+            <a:extLst>
+              <a:ext uri="{FF2B5EF4-FFF2-40B4-BE49-F238E27FC236}">
+                <a16:creationId xmlns:a16="http://schemas.microsoft.com/office/drawing/2014/main" id="{28FDCC43-B877-39BF-C44A-192952C3C67B}"/>
+              </a:ext>
+            </a:extLst>
+          </p:cNvPr>
+          <p:cNvSpPr>
+            <a:spLocks noGrp="1"/>
+          </p:cNvSpPr>
+          <p:nvPr>
+            <p:ph type="body" idx="1"/>
+          </p:nvPr>
+        </p:nvSpPr>
+        <p:spPr/>
+        <p:txBody>
+          <a:bodyPr/>
+          <a:lstStyle/>
+          <a:p>
+            <a:r>
+              <a:rPr kumimoji="1" lang="ja-JP" altLang="en-US" dirty="0"/>
+              <a:t>システム概要です。</a:t>
+            </a:r>
+            <a:endParaRPr kumimoji="1" lang="en-US" altLang="ja-JP" dirty="0"/>
+          </a:p>
+          <a:p>
+            <a:r>
+              <a:rPr kumimoji="1" lang="ja-JP" altLang="en-US" dirty="0"/>
+              <a:t>コントローラの現在の太さをコンピュータに無線接続で送信します。</a:t>
+            </a:r>
+            <a:endParaRPr kumimoji="1" lang="en-US" altLang="ja-JP" dirty="0"/>
+          </a:p>
+          <a:p>
+            <a:r>
+              <a:rPr kumimoji="1" lang="ja-JP" altLang="en-US" dirty="0"/>
+              <a:t>コンピュータはコントローラの現在の太さを推定し、</a:t>
+            </a:r>
+            <a:r>
+              <a:rPr kumimoji="1" lang="en-US" altLang="ja-JP" dirty="0"/>
+              <a:t>VR</a:t>
+            </a:r>
+            <a:r>
+              <a:rPr kumimoji="1" lang="ja-JP" altLang="en-US" dirty="0"/>
+              <a:t>空間のユーザに反映します。</a:t>
+            </a:r>
+            <a:endParaRPr kumimoji="1" lang="en-US" altLang="ja-JP" dirty="0"/>
+          </a:p>
+          <a:p>
+            <a:r>
+              <a:rPr kumimoji="1" lang="ja-JP" altLang="en-US" dirty="0"/>
+              <a:t>コントローラが①の一番太い状態だと、</a:t>
+            </a:r>
+            <a:r>
+              <a:rPr kumimoji="1" lang="en-US" altLang="ja-JP" dirty="0"/>
+              <a:t>VR</a:t>
+            </a:r>
+            <a:r>
+              <a:rPr kumimoji="1" lang="ja-JP" altLang="en-US" dirty="0"/>
+              <a:t>でプレイヤーが持つ武器が、自動的に一番太いモノに切り替わります。</a:t>
+            </a:r>
+            <a:endParaRPr kumimoji="1" lang="en-US" altLang="ja-JP" dirty="0"/>
+          </a:p>
+          <a:p>
+            <a:r>
+              <a:rPr kumimoji="1" lang="ja-JP" altLang="en-US" dirty="0"/>
+              <a:t>同様に、②の中間では中くらいの太さの武器、③の細い状態では杖のような細い武器に切り替わります。</a:t>
+            </a:r>
+            <a:endParaRPr kumimoji="1" lang="en-US" altLang="ja-JP" dirty="0"/>
+          </a:p>
+          <a:p>
+            <a:endParaRPr kumimoji="1" lang="en-US" altLang="ja-JP" dirty="0"/>
+          </a:p>
+          <a:p>
+            <a:endParaRPr kumimoji="1" lang="en-US" altLang="ja-JP" dirty="0"/>
+          </a:p>
+          <a:p>
+            <a:endParaRPr kumimoji="1" lang="en-US" altLang="ja-JP" dirty="0"/>
+          </a:p>
+          <a:p>
+            <a:r>
+              <a:rPr kumimoji="1" lang="ja-JP" altLang="en-US" dirty="0"/>
+              <a:t>①～③の話は太さ変更の話。タイトルがあってるのか</a:t>
+            </a:r>
+          </a:p>
+        </p:txBody>
+      </p:sp>
+      <p:sp>
+        <p:nvSpPr>
+          <p:cNvPr id="4" name="スライド番号プレースホルダー 3">
+            <a:extLst>
+              <a:ext uri="{FF2B5EF4-FFF2-40B4-BE49-F238E27FC236}">
+                <a16:creationId xmlns:a16="http://schemas.microsoft.com/office/drawing/2014/main" id="{2A3DD58C-1FF6-4757-06EA-B8327E19EF5F}"/>
+              </a:ext>
+            </a:extLst>
+          </p:cNvPr>
+          <p:cNvSpPr>
+            <a:spLocks noGrp="1"/>
+          </p:cNvSpPr>
+          <p:nvPr>
+            <p:ph type="sldNum" sz="quarter" idx="5"/>
+          </p:nvPr>
+        </p:nvSpPr>
+        <p:spPr/>
+        <p:txBody>
+          <a:bodyPr/>
+          <a:lstStyle/>
+          <a:p>
+            <a:fld id="{76B15EFA-608B-4C55-A06F-40388B126142}" type="slidenum">
+              <a:rPr kumimoji="1" lang="ja-JP" altLang="en-US" smtClean="0"/>
+              <a:t>6</a:t>
+            </a:fld>
+            <a:endParaRPr kumimoji="1" lang="ja-JP" altLang="en-US"/>
+          </a:p>
+        </p:txBody>
+      </p:sp>
+    </p:spTree>
+    <p:extLst>
+      <p:ext uri="{BB962C8B-B14F-4D97-AF65-F5344CB8AC3E}">
+        <p14:creationId xmlns:p14="http://schemas.microsoft.com/office/powerpoint/2010/main" val="3928119157"/>
+      </p:ext>
+    </p:extLst>
+  </p:cSld>
+  <p:clrMapOvr>
+    <a:masterClrMapping/>
+  </p:clrMapOvr>
+</p:notes>
+</file>
+
+<file path=ppt/notesSlides/notesSlide7.xml><?xml version="1.0" encoding="utf-8"?>
 <p:notes xmlns:a="http://schemas.openxmlformats.org/drawingml/2006/main" xmlns:r="http://schemas.openxmlformats.org/officeDocument/2006/relationships" xmlns:p="http://schemas.openxmlformats.org/presentationml/2006/main">
   <p:cSld>
     <p:spTree>
@@ -3247,7 +3426,7 @@
           <a:p>
             <a:r>
               <a:rPr kumimoji="1" lang="ja-JP" altLang="en-US" dirty="0"/>
-              <a:t>システム概要です。</a:t>
+              <a:t>太さ変形機構を説明します。</a:t>
             </a:r>
             <a:endParaRPr kumimoji="1" lang="en-US" altLang="ja-JP" dirty="0"/>
           </a:p>
@@ -3371,18 +3550,41 @@
           <a:p>
             <a:r>
               <a:rPr kumimoji="1" lang="ja-JP" altLang="en-US" dirty="0"/>
+              <a:t>回転量の取得のために、ロータリーエンコーダや、スイッチを使うことを検討しています。</a:t>
+            </a:r>
+            <a:endParaRPr kumimoji="1" lang="en-US" altLang="ja-JP" dirty="0"/>
+          </a:p>
+          <a:p>
+            <a:endParaRPr kumimoji="1" lang="en-US" altLang="ja-JP" dirty="0"/>
+          </a:p>
+          <a:p>
+            <a:endParaRPr kumimoji="1" lang="en-US" altLang="ja-JP" dirty="0"/>
+          </a:p>
+          <a:p>
+            <a:endParaRPr kumimoji="1" lang="en-US" altLang="ja-JP" dirty="0"/>
+          </a:p>
+          <a:p>
+            <a:pPr marL="0" marR="0" lvl="0" indent="0" algn="l" defTabSz="914400" rtl="0" eaLnBrk="1" fontAlgn="auto" latinLnBrk="0" hangingPunct="1">
+              <a:lnSpc>
+                <a:spcPct val="100000"/>
+              </a:lnSpc>
+              <a:spcBef>
+                <a:spcPts val="0"/>
+              </a:spcBef>
+              <a:spcAft>
+                <a:spcPts val="0"/>
+              </a:spcAft>
+              <a:buClrTx/>
+              <a:buSzTx/>
+              <a:buFontTx/>
+              <a:buNone/>
+              <a:tabLst/>
+              <a:defRPr/>
+            </a:pPr>
+            <a:r>
+              <a:rPr kumimoji="1" lang="ja-JP" altLang="en-US" dirty="0"/>
               <a:t>この機構の特徴は太さ変更自体に電子部品を使っていないことです。</a:t>
             </a:r>
-            <a:endParaRPr kumimoji="1" lang="en-US" altLang="ja-JP" dirty="0"/>
-          </a:p>
-          <a:p>
-            <a:r>
-              <a:rPr kumimoji="1" lang="ja-JP" altLang="en-US" dirty="0"/>
-              <a:t>回転量の取得のために、ロータリーエンコーダや、スイッチを使うことを考えています。</a:t>
-            </a:r>
-            <a:endParaRPr kumimoji="1" lang="en-US" altLang="ja-JP" dirty="0"/>
-          </a:p>
-          <a:p>
             <a:endParaRPr kumimoji="1" lang="en-US" altLang="ja-JP" dirty="0"/>
           </a:p>
           <a:p>
@@ -3468,7 +3670,7 @@
           <a:p>
             <a:fld id="{76B15EFA-608B-4C55-A06F-40388B126142}" type="slidenum">
               <a:rPr kumimoji="1" lang="ja-JP" altLang="en-US" smtClean="0"/>
-              <a:t>6</a:t>
+              <a:t>7</a:t>
             </a:fld>
             <a:endParaRPr kumimoji="1" lang="ja-JP" altLang="en-US"/>
           </a:p>
@@ -3478,168 +3680,6 @@
     <p:extLst>
       <p:ext uri="{BB962C8B-B14F-4D97-AF65-F5344CB8AC3E}">
         <p14:creationId xmlns:p14="http://schemas.microsoft.com/office/powerpoint/2010/main" val="1730339197"/>
-      </p:ext>
-    </p:extLst>
-  </p:cSld>
-  <p:clrMapOvr>
-    <a:masterClrMapping/>
-  </p:clrMapOvr>
-</p:notes>
-</file>
-
-<file path=ppt/notesSlides/notesSlide7.xml><?xml version="1.0" encoding="utf-8"?>
-<p:notes xmlns:a="http://schemas.openxmlformats.org/drawingml/2006/main" xmlns:r="http://schemas.openxmlformats.org/officeDocument/2006/relationships" xmlns:p="http://schemas.openxmlformats.org/presentationml/2006/main">
-  <p:cSld>
-    <p:spTree>
-      <p:nvGrpSpPr>
-        <p:cNvPr id="1" name="">
-          <a:extLst>
-            <a:ext uri="{FF2B5EF4-FFF2-40B4-BE49-F238E27FC236}">
-              <a16:creationId xmlns:a16="http://schemas.microsoft.com/office/drawing/2014/main" id="{6CE1C53A-8D64-A0F8-19F9-BA9D34E1F318}"/>
-            </a:ext>
-          </a:extLst>
-        </p:cNvPr>
-        <p:cNvGrpSpPr/>
-        <p:nvPr/>
-      </p:nvGrpSpPr>
-      <p:grpSpPr>
-        <a:xfrm>
-          <a:off x="0" y="0"/>
-          <a:ext cx="0" cy="0"/>
-          <a:chOff x="0" y="0"/>
-          <a:chExt cx="0" cy="0"/>
-        </a:xfrm>
-      </p:grpSpPr>
-      <p:sp>
-        <p:nvSpPr>
-          <p:cNvPr id="2" name="スライド イメージ プレースホルダー 1">
-            <a:extLst>
-              <a:ext uri="{FF2B5EF4-FFF2-40B4-BE49-F238E27FC236}">
-                <a16:creationId xmlns:a16="http://schemas.microsoft.com/office/drawing/2014/main" id="{F96668EA-DC03-06C4-4744-BAFB59E25801}"/>
-              </a:ext>
-            </a:extLst>
-          </p:cNvPr>
-          <p:cNvSpPr>
-            <a:spLocks noGrp="1" noRot="1" noChangeAspect="1"/>
-          </p:cNvSpPr>
-          <p:nvPr>
-            <p:ph type="sldImg"/>
-          </p:nvPr>
-        </p:nvSpPr>
-        <p:spPr/>
-      </p:sp>
-      <p:sp>
-        <p:nvSpPr>
-          <p:cNvPr id="3" name="ノート プレースホルダー 2">
-            <a:extLst>
-              <a:ext uri="{FF2B5EF4-FFF2-40B4-BE49-F238E27FC236}">
-                <a16:creationId xmlns:a16="http://schemas.microsoft.com/office/drawing/2014/main" id="{28FDCC43-B877-39BF-C44A-192952C3C67B}"/>
-              </a:ext>
-            </a:extLst>
-          </p:cNvPr>
-          <p:cNvSpPr>
-            <a:spLocks noGrp="1"/>
-          </p:cNvSpPr>
-          <p:nvPr>
-            <p:ph type="body" idx="1"/>
-          </p:nvPr>
-        </p:nvSpPr>
-        <p:spPr/>
-        <p:txBody>
-          <a:bodyPr/>
-          <a:lstStyle/>
-          <a:p>
-            <a:r>
-              <a:rPr kumimoji="1" lang="ja-JP" altLang="en-US" dirty="0"/>
-              <a:t>システム構成です。</a:t>
-            </a:r>
-            <a:endParaRPr kumimoji="1" lang="en-US" altLang="ja-JP" dirty="0"/>
-          </a:p>
-          <a:p>
-            <a:r>
-              <a:rPr kumimoji="1" lang="ja-JP" altLang="en-US" dirty="0"/>
-              <a:t>コントローラの現在の太さをコンピュータに無線接続で送信します。</a:t>
-            </a:r>
-            <a:endParaRPr kumimoji="1" lang="en-US" altLang="ja-JP" dirty="0"/>
-          </a:p>
-          <a:p>
-            <a:r>
-              <a:rPr kumimoji="1" lang="ja-JP" altLang="en-US" dirty="0"/>
-              <a:t>コンピュータはコントローラの現在の太さを推定し、</a:t>
-            </a:r>
-            <a:r>
-              <a:rPr kumimoji="1" lang="en-US" altLang="ja-JP" dirty="0"/>
-              <a:t>VR</a:t>
-            </a:r>
-            <a:r>
-              <a:rPr kumimoji="1" lang="ja-JP" altLang="en-US" dirty="0"/>
-              <a:t>空間のユーザに反映します。</a:t>
-            </a:r>
-            <a:endParaRPr kumimoji="1" lang="en-US" altLang="ja-JP" dirty="0"/>
-          </a:p>
-          <a:p>
-            <a:r>
-              <a:rPr kumimoji="1" lang="ja-JP" altLang="en-US" dirty="0"/>
-              <a:t>コントローラが①の一番太い状態だと、</a:t>
-            </a:r>
-            <a:r>
-              <a:rPr kumimoji="1" lang="en-US" altLang="ja-JP" dirty="0"/>
-              <a:t>VR</a:t>
-            </a:r>
-            <a:r>
-              <a:rPr kumimoji="1" lang="ja-JP" altLang="en-US" dirty="0"/>
-              <a:t>でプレイヤーが持つ武器が、自動的に一番太いモノに切り替わります。</a:t>
-            </a:r>
-            <a:endParaRPr kumimoji="1" lang="en-US" altLang="ja-JP" dirty="0"/>
-          </a:p>
-          <a:p>
-            <a:r>
-              <a:rPr kumimoji="1" lang="ja-JP" altLang="en-US" dirty="0"/>
-              <a:t>同様に、②の中間では中くらいの太さの武器、③の細い状態では杖のような細い武器に切り替わります。</a:t>
-            </a:r>
-            <a:endParaRPr kumimoji="1" lang="en-US" altLang="ja-JP" dirty="0"/>
-          </a:p>
-          <a:p>
-            <a:endParaRPr kumimoji="1" lang="en-US" altLang="ja-JP" dirty="0"/>
-          </a:p>
-          <a:p>
-            <a:endParaRPr kumimoji="1" lang="ja-JP" altLang="en-US" dirty="0"/>
-          </a:p>
-        </p:txBody>
-      </p:sp>
-      <p:sp>
-        <p:nvSpPr>
-          <p:cNvPr id="4" name="スライド番号プレースホルダー 3">
-            <a:extLst>
-              <a:ext uri="{FF2B5EF4-FFF2-40B4-BE49-F238E27FC236}">
-                <a16:creationId xmlns:a16="http://schemas.microsoft.com/office/drawing/2014/main" id="{2A3DD58C-1FF6-4757-06EA-B8327E19EF5F}"/>
-              </a:ext>
-            </a:extLst>
-          </p:cNvPr>
-          <p:cNvSpPr>
-            <a:spLocks noGrp="1"/>
-          </p:cNvSpPr>
-          <p:nvPr>
-            <p:ph type="sldNum" sz="quarter" idx="5"/>
-          </p:nvPr>
-        </p:nvSpPr>
-        <p:spPr/>
-        <p:txBody>
-          <a:bodyPr/>
-          <a:lstStyle/>
-          <a:p>
-            <a:fld id="{76B15EFA-608B-4C55-A06F-40388B126142}" type="slidenum">
-              <a:rPr kumimoji="1" lang="ja-JP" altLang="en-US" smtClean="0"/>
-              <a:t>7</a:t>
-            </a:fld>
-            <a:endParaRPr kumimoji="1" lang="ja-JP" altLang="en-US"/>
-          </a:p>
-        </p:txBody>
-      </p:sp>
-    </p:spTree>
-    <p:extLst>
-      <p:ext uri="{BB962C8B-B14F-4D97-AF65-F5344CB8AC3E}">
-        <p14:creationId xmlns:p14="http://schemas.microsoft.com/office/powerpoint/2010/main" val="3928119157"/>
       </p:ext>
     </p:extLst>
   </p:cSld>
@@ -31758,50 +31798,50 @@
         <p:spPr>
           <a:xfrm>
             <a:off x="838200" y="1690688"/>
-            <a:ext cx="4820477" cy="3981242"/>
+            <a:ext cx="4958162" cy="3981242"/>
           </a:xfrm>
         </p:spPr>
         <p:txBody>
           <a:bodyPr>
-            <a:normAutofit/>
+            <a:normAutofit lnSpcReduction="10000"/>
           </a:bodyPr>
           <a:lstStyle/>
           <a:p>
-            <a:endParaRPr lang="en-US" altLang="ja-JP" sz="3600" dirty="0"/>
-          </a:p>
-          <a:p>
-            <a:r>
-              <a:rPr lang="ja-JP" altLang="en-US" sz="3600" dirty="0"/>
+            <a:endParaRPr lang="en-US" altLang="ja-JP" dirty="0"/>
+          </a:p>
+          <a:p>
+            <a:r>
+              <a:rPr lang="ja-JP" altLang="en-US" dirty="0"/>
               <a:t>左右のコントローラを合体・分離できる</a:t>
             </a:r>
-            <a:endParaRPr lang="en-US" altLang="ja-JP" sz="3600" dirty="0"/>
-          </a:p>
-          <a:p>
-            <a:endParaRPr lang="en-US" altLang="ja-JP" sz="3600" dirty="0"/>
-          </a:p>
-          <a:p>
-            <a:r>
-              <a:rPr lang="ja-JP" altLang="en-US" sz="3600" dirty="0"/>
+            <a:endParaRPr lang="en-US" altLang="ja-JP" dirty="0"/>
+          </a:p>
+          <a:p>
+            <a:endParaRPr lang="en-US" altLang="ja-JP" dirty="0"/>
+          </a:p>
+          <a:p>
+            <a:r>
+              <a:rPr lang="ja-JP" altLang="en-US" dirty="0"/>
               <a:t>片手持ち武器と</a:t>
             </a:r>
             <a:br>
-              <a:rPr lang="en-US" altLang="ja-JP" sz="3600" dirty="0"/>
+              <a:rPr lang="en-US" altLang="ja-JP" dirty="0"/>
             </a:br>
             <a:r>
-              <a:rPr lang="ja-JP" altLang="en-US" sz="3600" dirty="0"/>
+              <a:rPr lang="ja-JP" altLang="en-US" dirty="0"/>
               <a:t>両手持ち武器を</a:t>
             </a:r>
             <a:br>
-              <a:rPr lang="en-US" altLang="ja-JP" sz="3600" dirty="0"/>
+              <a:rPr lang="en-US" altLang="ja-JP" dirty="0"/>
             </a:br>
             <a:r>
-              <a:rPr lang="ja-JP" altLang="en-US" sz="3600" dirty="0"/>
+              <a:rPr lang="ja-JP" altLang="en-US" dirty="0"/>
               <a:t>持つ姿勢を表現</a:t>
             </a:r>
-            <a:endParaRPr lang="en-US" altLang="ja-JP" sz="3600" dirty="0"/>
-          </a:p>
-          <a:p>
-            <a:endParaRPr lang="en-US" altLang="ja-JP" sz="3600" dirty="0"/>
+            <a:endParaRPr lang="en-US" altLang="ja-JP" dirty="0"/>
+          </a:p>
+          <a:p>
+            <a:endParaRPr lang="en-US" altLang="ja-JP" dirty="0"/>
           </a:p>
         </p:txBody>
       </p:sp>
@@ -31863,7 +31903,7 @@
         </p:blipFill>
         <p:spPr>
           <a:xfrm>
-            <a:off x="6945793" y="3118751"/>
+            <a:off x="6945789" y="2983077"/>
             <a:ext cx="4185097" cy="2987313"/>
           </a:xfrm>
           <a:prstGeom prst="rect">
@@ -31937,7 +31977,7 @@
         </p:nvSpPr>
         <p:spPr>
           <a:xfrm>
-            <a:off x="7143751" y="6106064"/>
+            <a:off x="7143750" y="5904874"/>
             <a:ext cx="3789179" cy="461665"/>
           </a:xfrm>
           <a:prstGeom prst="rect">
@@ -31985,8 +32025,8 @@
         </p:nvSpPr>
         <p:spPr>
           <a:xfrm>
-            <a:off x="92930" y="6492875"/>
-            <a:ext cx="11282082" cy="369332"/>
+            <a:off x="0" y="6336896"/>
+            <a:ext cx="11282082" cy="584775"/>
           </a:xfrm>
           <a:prstGeom prst="rect">
             <a:avLst/>
@@ -32000,49 +32040,78 @@
           <a:lstStyle/>
           <a:p>
             <a:r>
-              <a:rPr lang="en-US" altLang="ja-JP" dirty="0"/>
+              <a:rPr lang="en-US" altLang="ja-JP" sz="1600" dirty="0"/>
               <a:t>3</a:t>
             </a:r>
             <a:r>
-              <a:rPr kumimoji="1" lang="en-US" altLang="ja-JP" dirty="0"/>
-              <a:t>: </a:t>
-            </a:r>
-            <a:r>
-              <a:rPr kumimoji="1" lang="ja-JP" altLang="en-US" dirty="0"/>
-              <a:t>市川</a:t>
-            </a:r>
-            <a:r>
-              <a:rPr kumimoji="1" lang="en-US" altLang="ja-JP" dirty="0"/>
+              <a:rPr kumimoji="1" lang="en-US" altLang="ja-JP" sz="1600" dirty="0"/>
+              <a:t>:</a:t>
+            </a:r>
+            <a:r>
+              <a:rPr lang="ja-JP" altLang="en-US" sz="1600" dirty="0"/>
+              <a:t>市川晃大</a:t>
+            </a:r>
+            <a:r>
+              <a:rPr lang="en-US" altLang="ja-JP" sz="1600" dirty="0"/>
               <a:t>, </a:t>
             </a:r>
             <a:r>
-              <a:rPr kumimoji="1" lang="ja-JP" altLang="en-US" dirty="0"/>
-              <a:t>合体・分離機構を有する</a:t>
-            </a:r>
-            <a:r>
-              <a:rPr kumimoji="1" lang="en-US" altLang="ja-JP" dirty="0"/>
+              <a:rPr lang="ja-JP" altLang="en-US" sz="1600" dirty="0"/>
+              <a:t>井上亮文</a:t>
+            </a:r>
+            <a:r>
+              <a:rPr lang="en-US" altLang="ja-JP" sz="1600" dirty="0"/>
+              <a:t>, "</a:t>
+            </a:r>
+            <a:r>
+              <a:rPr lang="ja-JP" altLang="en-US" sz="1600" dirty="0"/>
+              <a:t>プレイヤーとキャラクターのアイテム把持状態を一致させる合体分離型</a:t>
+            </a:r>
+            <a:r>
+              <a:rPr lang="en-US" altLang="ja-JP" sz="1600" dirty="0"/>
               <a:t>VR</a:t>
             </a:r>
             <a:r>
-              <a:rPr kumimoji="1" lang="ja-JP" altLang="en-US" dirty="0"/>
-              <a:t>コントローラによるプレイヤー体験の向上</a:t>
-            </a:r>
-            <a:r>
-              <a:rPr kumimoji="1" lang="en-US" altLang="ja-JP" dirty="0"/>
-              <a:t>, </a:t>
-            </a:r>
-            <a:r>
-              <a:rPr kumimoji="1" lang="ja-JP" altLang="en-US" dirty="0"/>
-              <a:t>東京工科大学</a:t>
-            </a:r>
-            <a:r>
-              <a:rPr kumimoji="1" lang="en-US" altLang="ja-JP" dirty="0"/>
-              <a:t>2025</a:t>
-            </a:r>
-            <a:r>
-              <a:rPr kumimoji="1" lang="ja-JP" altLang="en-US" dirty="0"/>
-              <a:t>年度論文</a:t>
-            </a:r>
+              <a:rPr lang="ja-JP" altLang="en-US" sz="1600" dirty="0"/>
+              <a:t>コントローラーの開発</a:t>
+            </a:r>
+            <a:r>
+              <a:rPr lang="en-US" altLang="ja-JP" sz="1600" dirty="0"/>
+              <a:t>", </a:t>
+            </a:r>
+            <a:r>
+              <a:rPr lang="ja-JP" altLang="en-US" sz="1600" dirty="0"/>
+              <a:t>情報処理学会研究報告デジタルコンテンツクリエーション（</a:t>
+            </a:r>
+            <a:r>
+              <a:rPr lang="en-US" altLang="ja-JP" sz="1600" dirty="0"/>
+              <a:t>DCC</a:t>
+            </a:r>
+            <a:r>
+              <a:rPr lang="ja-JP" altLang="en-US" sz="1600" dirty="0"/>
+              <a:t>）</a:t>
+            </a:r>
+            <a:r>
+              <a:rPr lang="en-US" altLang="ja-JP" sz="1600" dirty="0"/>
+              <a:t>, 2024-DCC-38, 24, pp.1-5, 2024</a:t>
+            </a:r>
+            <a:r>
+              <a:rPr lang="ja-JP" altLang="en-US" sz="1600" dirty="0"/>
+              <a:t>年</a:t>
+            </a:r>
+            <a:r>
+              <a:rPr lang="en-US" altLang="ja-JP" sz="1600" dirty="0"/>
+              <a:t>11</a:t>
+            </a:r>
+            <a:r>
+              <a:rPr lang="ja-JP" altLang="en-US" sz="1600" dirty="0"/>
+              <a:t>月</a:t>
+            </a:r>
+            <a:r>
+              <a:rPr lang="en-US" altLang="ja-JP" sz="1600" dirty="0"/>
+              <a:t>.</a:t>
+            </a:r>
+            <a:endParaRPr kumimoji="1" lang="ja-JP" altLang="en-US" sz="1600" dirty="0"/>
           </a:p>
         </p:txBody>
       </p:sp>
@@ -32147,21 +32216,6 @@
             </a:r>
             <a:endParaRPr lang="en-US" altLang="ja-JP" dirty="0"/>
           </a:p>
-          <a:p>
-            <a:pPr marL="0" indent="0">
-              <a:buNone/>
-            </a:pPr>
-            <a:endParaRPr lang="en-US" altLang="ja-JP" dirty="0"/>
-          </a:p>
-          <a:p>
-            <a:pPr marL="0" indent="0">
-              <a:buNone/>
-            </a:pPr>
-            <a:endParaRPr lang="en-US" altLang="ja-JP" dirty="0"/>
-          </a:p>
-          <a:p>
-            <a:endParaRPr lang="ja-JP" altLang="en-US" dirty="0"/>
-          </a:p>
         </p:txBody>
       </p:sp>
       <p:sp>
@@ -32193,876 +32247,778 @@
           </a:p>
         </p:txBody>
       </p:sp>
-      <p:pic>
-        <p:nvPicPr>
-          <p:cNvPr id="3" name="図 2" descr="図形&#10;&#10;AI 生成コンテンツは誤りを含む可能性があります。">
-            <a:extLst>
-              <a:ext uri="{FF2B5EF4-FFF2-40B4-BE49-F238E27FC236}">
-                <a16:creationId xmlns:a16="http://schemas.microsoft.com/office/drawing/2014/main" id="{E9964953-D8B1-C36C-408C-AAA4A9021058}"/>
-              </a:ext>
-            </a:extLst>
-          </p:cNvPr>
-          <p:cNvPicPr>
-            <a:picLocks noChangeAspect="1"/>
-          </p:cNvPicPr>
+      <p:grpSp>
+        <p:nvGrpSpPr>
+          <p:cNvPr id="12" name="グループ化 11">
+            <a:extLst>
+              <a:ext uri="{FF2B5EF4-FFF2-40B4-BE49-F238E27FC236}">
+                <a16:creationId xmlns:a16="http://schemas.microsoft.com/office/drawing/2014/main" id="{709C5A08-7B4D-2D92-46F4-F0D036CF54D6}"/>
+              </a:ext>
+            </a:extLst>
+          </p:cNvPr>
+          <p:cNvGrpSpPr/>
           <p:nvPr/>
-        </p:nvPicPr>
-        <p:blipFill>
-          <a:blip r:embed="rId3">
-            <a:extLst>
-              <a:ext uri="{28A0092B-C50C-407E-A947-70E740481C1C}">
-                <a14:useLocalDpi xmlns:a14="http://schemas.microsoft.com/office/drawing/2010/main" val="0"/>
-              </a:ext>
-            </a:extLst>
-          </a:blip>
-          <a:stretch>
-            <a:fillRect/>
-          </a:stretch>
-        </p:blipFill>
-        <p:spPr>
-          <a:xfrm rot="-2700000">
-            <a:off x="5211230" y="4653049"/>
-            <a:ext cx="1262450" cy="1262450"/>
+        </p:nvGrpSpPr>
+        <p:grpSpPr>
+          <a:xfrm>
+            <a:off x="354599" y="2482294"/>
+            <a:ext cx="3382879" cy="4019919"/>
+            <a:chOff x="354599" y="2482294"/>
+            <a:chExt cx="3382879" cy="4019919"/>
           </a:xfrm>
-          <a:prstGeom prst="rect">
-            <a:avLst/>
-          </a:prstGeom>
-        </p:spPr>
-      </p:pic>
-      <p:pic>
-        <p:nvPicPr>
-          <p:cNvPr id="14" name="図 13" descr="図形&#10;&#10;AI 生成コンテンツは誤りを含む可能性があります。">
-            <a:extLst>
-              <a:ext uri="{FF2B5EF4-FFF2-40B4-BE49-F238E27FC236}">
-                <a16:creationId xmlns:a16="http://schemas.microsoft.com/office/drawing/2014/main" id="{81AE2E10-058F-D34C-1018-333975662A43}"/>
-              </a:ext>
-            </a:extLst>
-          </p:cNvPr>
-          <p:cNvPicPr>
-            <a:picLocks noChangeAspect="1"/>
-          </p:cNvPicPr>
+        </p:grpSpPr>
+        <p:pic>
+          <p:nvPicPr>
+            <p:cNvPr id="20" name="図 19" descr="アイコン&#10;&#10;AI 生成コンテンツは誤りを含む可能性があります。">
+              <a:extLst>
+                <a:ext uri="{FF2B5EF4-FFF2-40B4-BE49-F238E27FC236}">
+                  <a16:creationId xmlns:a16="http://schemas.microsoft.com/office/drawing/2014/main" id="{C2219851-F9E3-8EA2-6EAA-356AB4B42124}"/>
+                </a:ext>
+              </a:extLst>
+            </p:cNvPr>
+            <p:cNvPicPr>
+              <a:picLocks noChangeAspect="1"/>
+            </p:cNvPicPr>
+            <p:nvPr/>
+          </p:nvPicPr>
+          <p:blipFill>
+            <a:blip r:embed="rId3">
+              <a:extLst>
+                <a:ext uri="{28A0092B-C50C-407E-A947-70E740481C1C}">
+                  <a14:useLocalDpi xmlns:a14="http://schemas.microsoft.com/office/drawing/2010/main" val="0"/>
+                </a:ext>
+              </a:extLst>
+            </a:blip>
+            <a:stretch>
+              <a:fillRect/>
+            </a:stretch>
+          </p:blipFill>
+          <p:spPr>
+            <a:xfrm rot="-2040000">
+              <a:off x="354599" y="2482294"/>
+              <a:ext cx="3382879" cy="3382879"/>
+            </a:xfrm>
+            <a:prstGeom prst="rect">
+              <a:avLst/>
+            </a:prstGeom>
+          </p:spPr>
+        </p:pic>
+        <p:cxnSp>
+          <p:nvCxnSpPr>
+            <p:cNvPr id="22" name="直線コネクタ 21">
+              <a:extLst>
+                <a:ext uri="{FF2B5EF4-FFF2-40B4-BE49-F238E27FC236}">
+                  <a16:creationId xmlns:a16="http://schemas.microsoft.com/office/drawing/2014/main" id="{BEE62A1D-AAFF-4A32-5CF3-973AF0FA2CC2}"/>
+                </a:ext>
+              </a:extLst>
+            </p:cNvPr>
+            <p:cNvCxnSpPr/>
+            <p:nvPr/>
+          </p:nvCxnSpPr>
+          <p:spPr>
+            <a:xfrm>
+              <a:off x="1514902" y="5537866"/>
+              <a:ext cx="0" cy="964347"/>
+            </a:xfrm>
+            <a:prstGeom prst="line">
+              <a:avLst/>
+            </a:prstGeom>
+          </p:spPr>
+          <p:style>
+            <a:lnRef idx="3">
+              <a:schemeClr val="dk1"/>
+            </a:lnRef>
+            <a:fillRef idx="0">
+              <a:schemeClr val="dk1"/>
+            </a:fillRef>
+            <a:effectRef idx="2">
+              <a:schemeClr val="dk1"/>
+            </a:effectRef>
+            <a:fontRef idx="minor">
+              <a:schemeClr val="tx1"/>
+            </a:fontRef>
+          </p:style>
+        </p:cxnSp>
+        <p:cxnSp>
+          <p:nvCxnSpPr>
+            <p:cNvPr id="23" name="直線コネクタ 22">
+              <a:extLst>
+                <a:ext uri="{FF2B5EF4-FFF2-40B4-BE49-F238E27FC236}">
+                  <a16:creationId xmlns:a16="http://schemas.microsoft.com/office/drawing/2014/main" id="{1B5ECC4B-9BCE-5293-3A5B-D3DDC4C41D74}"/>
+                </a:ext>
+              </a:extLst>
+            </p:cNvPr>
+            <p:cNvCxnSpPr/>
+            <p:nvPr/>
+          </p:nvCxnSpPr>
+          <p:spPr>
+            <a:xfrm>
+              <a:off x="1899314" y="5537865"/>
+              <a:ext cx="0" cy="964347"/>
+            </a:xfrm>
+            <a:prstGeom prst="line">
+              <a:avLst/>
+            </a:prstGeom>
+          </p:spPr>
+          <p:style>
+            <a:lnRef idx="3">
+              <a:schemeClr val="dk1"/>
+            </a:lnRef>
+            <a:fillRef idx="0">
+              <a:schemeClr val="dk1"/>
+            </a:fillRef>
+            <a:effectRef idx="2">
+              <a:schemeClr val="dk1"/>
+            </a:effectRef>
+            <a:fontRef idx="minor">
+              <a:schemeClr val="tx1"/>
+            </a:fontRef>
+          </p:style>
+        </p:cxnSp>
+        <p:cxnSp>
+          <p:nvCxnSpPr>
+            <p:cNvPr id="33" name="直線矢印コネクタ 32">
+              <a:extLst>
+                <a:ext uri="{FF2B5EF4-FFF2-40B4-BE49-F238E27FC236}">
+                  <a16:creationId xmlns:a16="http://schemas.microsoft.com/office/drawing/2014/main" id="{76D4E2A9-3FF0-3B66-049D-82D106175509}"/>
+                </a:ext>
+              </a:extLst>
+            </p:cNvPr>
+            <p:cNvCxnSpPr/>
+            <p:nvPr/>
+          </p:nvCxnSpPr>
+          <p:spPr>
+            <a:xfrm>
+              <a:off x="1489881" y="6321757"/>
+              <a:ext cx="409433" cy="0"/>
+            </a:xfrm>
+            <a:prstGeom prst="straightConnector1">
+              <a:avLst/>
+            </a:prstGeom>
+            <a:ln w="19050" cap="flat" cmpd="sng" algn="ctr">
+              <a:solidFill>
+                <a:schemeClr val="dk1"/>
+              </a:solidFill>
+              <a:prstDash val="solid"/>
+              <a:round/>
+              <a:headEnd type="arrow" w="med" len="med"/>
+              <a:tailEnd type="arrow" w="med" len="med"/>
+            </a:ln>
+          </p:spPr>
+          <p:style>
+            <a:lnRef idx="0">
+              <a:scrgbClr r="0" g="0" b="0"/>
+            </a:lnRef>
+            <a:fillRef idx="0">
+              <a:scrgbClr r="0" g="0" b="0"/>
+            </a:fillRef>
+            <a:effectRef idx="0">
+              <a:scrgbClr r="0" g="0" b="0"/>
+            </a:effectRef>
+            <a:fontRef idx="minor">
+              <a:schemeClr val="tx1"/>
+            </a:fontRef>
+          </p:style>
+        </p:cxnSp>
+      </p:grpSp>
+      <p:grpSp>
+        <p:nvGrpSpPr>
+          <p:cNvPr id="11" name="グループ化 10">
+            <a:extLst>
+              <a:ext uri="{FF2B5EF4-FFF2-40B4-BE49-F238E27FC236}">
+                <a16:creationId xmlns:a16="http://schemas.microsoft.com/office/drawing/2014/main" id="{E3D3CF82-E182-0108-00F8-96A608997235}"/>
+              </a:ext>
+            </a:extLst>
+          </p:cNvPr>
+          <p:cNvGrpSpPr/>
           <p:nvPr/>
-        </p:nvPicPr>
-        <p:blipFill>
-          <a:blip r:embed="rId4">
-            <a:extLst>
-              <a:ext uri="{28A0092B-C50C-407E-A947-70E740481C1C}">
-                <a14:useLocalDpi xmlns:a14="http://schemas.microsoft.com/office/drawing/2010/main" val="0"/>
-              </a:ext>
-            </a:extLst>
-          </a:blip>
-          <a:srcRect l="50000" t="9931" r="37499" b="9931"/>
-          <a:stretch>
-            <a:fillRect/>
-          </a:stretch>
-        </p:blipFill>
-        <p:spPr>
+        </p:nvGrpSpPr>
+        <p:grpSpPr>
           <a:xfrm>
-            <a:off x="3863958" y="2737458"/>
-            <a:ext cx="536547" cy="3439503"/>
+            <a:off x="4404566" y="2708491"/>
+            <a:ext cx="536547" cy="3784384"/>
+            <a:chOff x="3863958" y="2737458"/>
+            <a:chExt cx="536547" cy="3784384"/>
           </a:xfrm>
-          <a:prstGeom prst="rect">
-            <a:avLst/>
-          </a:prstGeom>
-        </p:spPr>
-      </p:pic>
-      <p:pic>
-        <p:nvPicPr>
-          <p:cNvPr id="16" name="図 15" descr="図形&#10;&#10;AI 生成コンテンツは誤りを含む可能性があります。">
-            <a:extLst>
-              <a:ext uri="{FF2B5EF4-FFF2-40B4-BE49-F238E27FC236}">
-                <a16:creationId xmlns:a16="http://schemas.microsoft.com/office/drawing/2014/main" id="{D390B77E-E964-9171-1E36-B8CB1A0135D7}"/>
-              </a:ext>
-            </a:extLst>
-          </p:cNvPr>
-          <p:cNvPicPr>
-            <a:picLocks noChangeAspect="1"/>
-          </p:cNvPicPr>
+        </p:grpSpPr>
+        <p:pic>
+          <p:nvPicPr>
+            <p:cNvPr id="14" name="図 13" descr="図形&#10;&#10;AI 生成コンテンツは誤りを含む可能性があります。">
+              <a:extLst>
+                <a:ext uri="{FF2B5EF4-FFF2-40B4-BE49-F238E27FC236}">
+                  <a16:creationId xmlns:a16="http://schemas.microsoft.com/office/drawing/2014/main" id="{81AE2E10-058F-D34C-1018-333975662A43}"/>
+                </a:ext>
+              </a:extLst>
+            </p:cNvPr>
+            <p:cNvPicPr>
+              <a:picLocks noChangeAspect="1"/>
+            </p:cNvPicPr>
+            <p:nvPr/>
+          </p:nvPicPr>
+          <p:blipFill>
+            <a:blip r:embed="rId4">
+              <a:extLst>
+                <a:ext uri="{28A0092B-C50C-407E-A947-70E740481C1C}">
+                  <a14:useLocalDpi xmlns:a14="http://schemas.microsoft.com/office/drawing/2010/main" val="0"/>
+                </a:ext>
+              </a:extLst>
+            </a:blip>
+            <a:srcRect l="50000" t="9931" r="37499" b="9931"/>
+            <a:stretch>
+              <a:fillRect/>
+            </a:stretch>
+          </p:blipFill>
+          <p:spPr>
+            <a:xfrm>
+              <a:off x="3863958" y="2737458"/>
+              <a:ext cx="536547" cy="3439503"/>
+            </a:xfrm>
+            <a:prstGeom prst="rect">
+              <a:avLst/>
+            </a:prstGeom>
+          </p:spPr>
+        </p:pic>
+        <p:cxnSp>
+          <p:nvCxnSpPr>
+            <p:cNvPr id="24" name="直線コネクタ 23">
+              <a:extLst>
+                <a:ext uri="{FF2B5EF4-FFF2-40B4-BE49-F238E27FC236}">
+                  <a16:creationId xmlns:a16="http://schemas.microsoft.com/office/drawing/2014/main" id="{9D2768B0-9961-0AE8-3341-409731C40A3D}"/>
+                </a:ext>
+              </a:extLst>
+            </p:cNvPr>
+            <p:cNvCxnSpPr/>
+            <p:nvPr/>
+          </p:nvCxnSpPr>
+          <p:spPr>
+            <a:xfrm>
+              <a:off x="4001070" y="5557495"/>
+              <a:ext cx="0" cy="964347"/>
+            </a:xfrm>
+            <a:prstGeom prst="line">
+              <a:avLst/>
+            </a:prstGeom>
+          </p:spPr>
+          <p:style>
+            <a:lnRef idx="3">
+              <a:schemeClr val="dk1"/>
+            </a:lnRef>
+            <a:fillRef idx="0">
+              <a:schemeClr val="dk1"/>
+            </a:fillRef>
+            <a:effectRef idx="2">
+              <a:schemeClr val="dk1"/>
+            </a:effectRef>
+            <a:fontRef idx="minor">
+              <a:schemeClr val="tx1"/>
+            </a:fontRef>
+          </p:style>
+        </p:cxnSp>
+        <p:cxnSp>
+          <p:nvCxnSpPr>
+            <p:cNvPr id="25" name="直線コネクタ 24">
+              <a:extLst>
+                <a:ext uri="{FF2B5EF4-FFF2-40B4-BE49-F238E27FC236}">
+                  <a16:creationId xmlns:a16="http://schemas.microsoft.com/office/drawing/2014/main" id="{4D705187-5206-0553-604F-DDAA0D051EE7}"/>
+                </a:ext>
+              </a:extLst>
+            </p:cNvPr>
+            <p:cNvCxnSpPr/>
+            <p:nvPr/>
+          </p:nvCxnSpPr>
+          <p:spPr>
+            <a:xfrm>
+              <a:off x="4260377" y="5557495"/>
+              <a:ext cx="0" cy="964347"/>
+            </a:xfrm>
+            <a:prstGeom prst="line">
+              <a:avLst/>
+            </a:prstGeom>
+          </p:spPr>
+          <p:style>
+            <a:lnRef idx="3">
+              <a:schemeClr val="dk1"/>
+            </a:lnRef>
+            <a:fillRef idx="0">
+              <a:schemeClr val="dk1"/>
+            </a:fillRef>
+            <a:effectRef idx="2">
+              <a:schemeClr val="dk1"/>
+            </a:effectRef>
+            <a:fontRef idx="minor">
+              <a:schemeClr val="tx1"/>
+            </a:fontRef>
+          </p:style>
+        </p:cxnSp>
+        <p:cxnSp>
+          <p:nvCxnSpPr>
+            <p:cNvPr id="34" name="直線矢印コネクタ 33">
+              <a:extLst>
+                <a:ext uri="{FF2B5EF4-FFF2-40B4-BE49-F238E27FC236}">
+                  <a16:creationId xmlns:a16="http://schemas.microsoft.com/office/drawing/2014/main" id="{537B2A23-A123-1C8C-78A2-722114D7A357}"/>
+                </a:ext>
+              </a:extLst>
+            </p:cNvPr>
+            <p:cNvCxnSpPr>
+              <a:cxnSpLocks/>
+            </p:cNvCxnSpPr>
+            <p:nvPr/>
+          </p:nvCxnSpPr>
+          <p:spPr>
+            <a:xfrm>
+              <a:off x="3991072" y="6321757"/>
+              <a:ext cx="269305" cy="0"/>
+            </a:xfrm>
+            <a:prstGeom prst="straightConnector1">
+              <a:avLst/>
+            </a:prstGeom>
+            <a:ln w="19050" cap="flat" cmpd="sng" algn="ctr">
+              <a:solidFill>
+                <a:schemeClr val="dk1"/>
+              </a:solidFill>
+              <a:prstDash val="solid"/>
+              <a:round/>
+              <a:headEnd type="arrow" w="med" len="med"/>
+              <a:tailEnd type="arrow" w="med" len="med"/>
+            </a:ln>
+          </p:spPr>
+          <p:style>
+            <a:lnRef idx="0">
+              <a:scrgbClr r="0" g="0" b="0"/>
+            </a:lnRef>
+            <a:fillRef idx="0">
+              <a:scrgbClr r="0" g="0" b="0"/>
+            </a:fillRef>
+            <a:effectRef idx="0">
+              <a:scrgbClr r="0" g="0" b="0"/>
+            </a:effectRef>
+            <a:fontRef idx="minor">
+              <a:schemeClr val="tx1"/>
+            </a:fontRef>
+          </p:style>
+        </p:cxnSp>
+      </p:grpSp>
+      <p:grpSp>
+        <p:nvGrpSpPr>
+          <p:cNvPr id="10" name="グループ化 9">
+            <a:extLst>
+              <a:ext uri="{FF2B5EF4-FFF2-40B4-BE49-F238E27FC236}">
+                <a16:creationId xmlns:a16="http://schemas.microsoft.com/office/drawing/2014/main" id="{E360E6E3-A4F0-7A47-FCA7-CC75257D0D4F}"/>
+              </a:ext>
+            </a:extLst>
+          </p:cNvPr>
+          <p:cNvGrpSpPr/>
           <p:nvPr/>
-        </p:nvPicPr>
-        <p:blipFill>
-          <a:blip r:embed="rId5">
-            <a:extLst>
-              <a:ext uri="{28A0092B-C50C-407E-A947-70E740481C1C}">
-                <a14:useLocalDpi xmlns:a14="http://schemas.microsoft.com/office/drawing/2010/main" val="0"/>
-              </a:ext>
-            </a:extLst>
-          </a:blip>
-          <a:srcRect l="40926" t="5324" r="39658" b="5188"/>
-          <a:stretch>
-            <a:fillRect/>
-          </a:stretch>
-        </p:blipFill>
-        <p:spPr>
-          <a:xfrm flipH="1">
-            <a:off x="7431477" y="4767713"/>
-            <a:ext cx="305755" cy="1409248"/>
+        </p:nvGrpSpPr>
+        <p:grpSpPr>
+          <a:xfrm>
+            <a:off x="6685660" y="4646005"/>
+            <a:ext cx="1262450" cy="1886092"/>
+            <a:chOff x="5211230" y="4653049"/>
+            <a:chExt cx="1262450" cy="1886092"/>
           </a:xfrm>
-          <a:prstGeom prst="rect">
-            <a:avLst/>
-          </a:prstGeom>
-        </p:spPr>
-      </p:pic>
-      <p:pic>
-        <p:nvPicPr>
-          <p:cNvPr id="18" name="図 17" descr="図形&#10;&#10;AI 生成コンテンツは誤りを含む可能性があります。">
-            <a:extLst>
-              <a:ext uri="{FF2B5EF4-FFF2-40B4-BE49-F238E27FC236}">
-                <a16:creationId xmlns:a16="http://schemas.microsoft.com/office/drawing/2014/main" id="{9F074E1D-6D75-EA18-D477-C34536943304}"/>
-              </a:ext>
-            </a:extLst>
-          </p:cNvPr>
-          <p:cNvPicPr>
-            <a:picLocks noChangeAspect="1"/>
-          </p:cNvPicPr>
+        </p:grpSpPr>
+        <p:pic>
+          <p:nvPicPr>
+            <p:cNvPr id="3" name="図 2" descr="図形&#10;&#10;AI 生成コンテンツは誤りを含む可能性があります。">
+              <a:extLst>
+                <a:ext uri="{FF2B5EF4-FFF2-40B4-BE49-F238E27FC236}">
+                  <a16:creationId xmlns:a16="http://schemas.microsoft.com/office/drawing/2014/main" id="{E9964953-D8B1-C36C-408C-AAA4A9021058}"/>
+                </a:ext>
+              </a:extLst>
+            </p:cNvPr>
+            <p:cNvPicPr>
+              <a:picLocks noChangeAspect="1"/>
+            </p:cNvPicPr>
+            <p:nvPr/>
+          </p:nvPicPr>
+          <p:blipFill>
+            <a:blip r:embed="rId5">
+              <a:extLst>
+                <a:ext uri="{28A0092B-C50C-407E-A947-70E740481C1C}">
+                  <a14:useLocalDpi xmlns:a14="http://schemas.microsoft.com/office/drawing/2010/main" val="0"/>
+                </a:ext>
+              </a:extLst>
+            </a:blip>
+            <a:stretch>
+              <a:fillRect/>
+            </a:stretch>
+          </p:blipFill>
+          <p:spPr>
+            <a:xfrm rot="-2700000">
+              <a:off x="5211230" y="4653049"/>
+              <a:ext cx="1262450" cy="1262450"/>
+            </a:xfrm>
+            <a:prstGeom prst="rect">
+              <a:avLst/>
+            </a:prstGeom>
+          </p:spPr>
+        </p:pic>
+        <p:grpSp>
+          <p:nvGrpSpPr>
+            <p:cNvPr id="9" name="グループ化 8">
+              <a:extLst>
+                <a:ext uri="{FF2B5EF4-FFF2-40B4-BE49-F238E27FC236}">
+                  <a16:creationId xmlns:a16="http://schemas.microsoft.com/office/drawing/2014/main" id="{CE483FC0-F115-F9EF-81A1-E41BCD734C63}"/>
+                </a:ext>
+              </a:extLst>
+            </p:cNvPr>
+            <p:cNvGrpSpPr/>
+            <p:nvPr/>
+          </p:nvGrpSpPr>
+          <p:grpSpPr>
+            <a:xfrm>
+              <a:off x="5652448" y="5574793"/>
+              <a:ext cx="404884" cy="964348"/>
+              <a:chOff x="5652448" y="5574793"/>
+              <a:chExt cx="404884" cy="964348"/>
+            </a:xfrm>
+          </p:grpSpPr>
+          <p:cxnSp>
+            <p:nvCxnSpPr>
+              <p:cNvPr id="26" name="直線コネクタ 25">
+                <a:extLst>
+                  <a:ext uri="{FF2B5EF4-FFF2-40B4-BE49-F238E27FC236}">
+                    <a16:creationId xmlns:a16="http://schemas.microsoft.com/office/drawing/2014/main" id="{D4D5FD49-5B76-C44C-9783-6320B60BD2E0}"/>
+                  </a:ext>
+                </a:extLst>
+              </p:cNvPr>
+              <p:cNvCxnSpPr/>
+              <p:nvPr/>
+            </p:nvCxnSpPr>
+            <p:spPr>
+              <a:xfrm>
+                <a:off x="5652448" y="5574794"/>
+                <a:ext cx="0" cy="964347"/>
+              </a:xfrm>
+              <a:prstGeom prst="line">
+                <a:avLst/>
+              </a:prstGeom>
+            </p:spPr>
+            <p:style>
+              <a:lnRef idx="3">
+                <a:schemeClr val="dk1"/>
+              </a:lnRef>
+              <a:fillRef idx="0">
+                <a:schemeClr val="dk1"/>
+              </a:fillRef>
+              <a:effectRef idx="2">
+                <a:schemeClr val="dk1"/>
+              </a:effectRef>
+              <a:fontRef idx="minor">
+                <a:schemeClr val="tx1"/>
+              </a:fontRef>
+            </p:style>
+          </p:cxnSp>
+          <p:cxnSp>
+            <p:nvCxnSpPr>
+              <p:cNvPr id="27" name="直線コネクタ 26">
+                <a:extLst>
+                  <a:ext uri="{FF2B5EF4-FFF2-40B4-BE49-F238E27FC236}">
+                    <a16:creationId xmlns:a16="http://schemas.microsoft.com/office/drawing/2014/main" id="{814BC7A3-6F1D-295E-6D7E-BB433AC8030F}"/>
+                  </a:ext>
+                </a:extLst>
+              </p:cNvPr>
+              <p:cNvCxnSpPr/>
+              <p:nvPr/>
+            </p:nvCxnSpPr>
+            <p:spPr>
+              <a:xfrm>
+                <a:off x="6057332" y="5574793"/>
+                <a:ext cx="0" cy="964347"/>
+              </a:xfrm>
+              <a:prstGeom prst="line">
+                <a:avLst/>
+              </a:prstGeom>
+            </p:spPr>
+            <p:style>
+              <a:lnRef idx="3">
+                <a:schemeClr val="dk1"/>
+              </a:lnRef>
+              <a:fillRef idx="0">
+                <a:schemeClr val="dk1"/>
+              </a:fillRef>
+              <a:effectRef idx="2">
+                <a:schemeClr val="dk1"/>
+              </a:effectRef>
+              <a:fontRef idx="minor">
+                <a:schemeClr val="tx1"/>
+              </a:fontRef>
+            </p:style>
+          </p:cxnSp>
+          <p:cxnSp>
+            <p:nvCxnSpPr>
+              <p:cNvPr id="36" name="直線矢印コネクタ 35">
+                <a:extLst>
+                  <a:ext uri="{FF2B5EF4-FFF2-40B4-BE49-F238E27FC236}">
+                    <a16:creationId xmlns:a16="http://schemas.microsoft.com/office/drawing/2014/main" id="{DE845414-0A39-0C8D-B1B5-2AE09DB5FCAA}"/>
+                  </a:ext>
+                </a:extLst>
+              </p:cNvPr>
+              <p:cNvCxnSpPr>
+                <a:cxnSpLocks/>
+              </p:cNvCxnSpPr>
+              <p:nvPr/>
+            </p:nvCxnSpPr>
+            <p:spPr>
+              <a:xfrm>
+                <a:off x="5652448" y="6321757"/>
+                <a:ext cx="404884" cy="0"/>
+              </a:xfrm>
+              <a:prstGeom prst="straightConnector1">
+                <a:avLst/>
+              </a:prstGeom>
+              <a:ln w="19050" cap="flat" cmpd="sng" algn="ctr">
+                <a:solidFill>
+                  <a:schemeClr val="dk1"/>
+                </a:solidFill>
+                <a:prstDash val="solid"/>
+                <a:round/>
+                <a:headEnd type="arrow" w="med" len="med"/>
+                <a:tailEnd type="arrow" w="med" len="med"/>
+              </a:ln>
+            </p:spPr>
+            <p:style>
+              <a:lnRef idx="0">
+                <a:scrgbClr r="0" g="0" b="0"/>
+              </a:lnRef>
+              <a:fillRef idx="0">
+                <a:scrgbClr r="0" g="0" b="0"/>
+              </a:fillRef>
+              <a:effectRef idx="0">
+                <a:scrgbClr r="0" g="0" b="0"/>
+              </a:effectRef>
+              <a:fontRef idx="minor">
+                <a:schemeClr val="tx1"/>
+              </a:fontRef>
+            </p:style>
+          </p:cxnSp>
+        </p:grpSp>
+      </p:grpSp>
+      <p:grpSp>
+        <p:nvGrpSpPr>
+          <p:cNvPr id="8" name="グループ化 7">
+            <a:extLst>
+              <a:ext uri="{FF2B5EF4-FFF2-40B4-BE49-F238E27FC236}">
+                <a16:creationId xmlns:a16="http://schemas.microsoft.com/office/drawing/2014/main" id="{7DD319A7-DA89-2EC5-ADBB-32FDB76E4D2B}"/>
+              </a:ext>
+            </a:extLst>
+          </p:cNvPr>
+          <p:cNvGrpSpPr/>
           <p:nvPr/>
-        </p:nvPicPr>
-        <p:blipFill>
-          <a:blip r:embed="rId6">
-            <a:extLst>
-              <a:ext uri="{28A0092B-C50C-407E-A947-70E740481C1C}">
-                <a14:useLocalDpi xmlns:a14="http://schemas.microsoft.com/office/drawing/2010/main" val="0"/>
-              </a:ext>
-            </a:extLst>
-          </a:blip>
-          <a:srcRect l="41624" t="7691" r="34642" b="5189"/>
-          <a:stretch>
-            <a:fillRect/>
-          </a:stretch>
-        </p:blipFill>
-        <p:spPr>
+        </p:nvGrpSpPr>
+        <p:grpSpPr>
           <a:xfrm>
-            <a:off x="8566533" y="2737458"/>
-            <a:ext cx="937000" cy="3439503"/>
+            <a:off x="9519498" y="4730785"/>
+            <a:ext cx="668370" cy="1771427"/>
+            <a:chOff x="7258317" y="4767713"/>
+            <a:chExt cx="668370" cy="1771427"/>
           </a:xfrm>
-          <a:prstGeom prst="rect">
-            <a:avLst/>
-          </a:prstGeom>
-        </p:spPr>
-      </p:pic>
-      <p:pic>
-        <p:nvPicPr>
-          <p:cNvPr id="20" name="図 19" descr="アイコン&#10;&#10;AI 生成コンテンツは誤りを含む可能性があります。">
-            <a:extLst>
-              <a:ext uri="{FF2B5EF4-FFF2-40B4-BE49-F238E27FC236}">
-                <a16:creationId xmlns:a16="http://schemas.microsoft.com/office/drawing/2014/main" id="{C2219851-F9E3-8EA2-6EAA-356AB4B42124}"/>
-              </a:ext>
-            </a:extLst>
-          </p:cNvPr>
-          <p:cNvPicPr>
-            <a:picLocks noChangeAspect="1"/>
-          </p:cNvPicPr>
-          <p:nvPr/>
-        </p:nvPicPr>
-        <p:blipFill>
-          <a:blip r:embed="rId7">
-            <a:extLst>
-              <a:ext uri="{28A0092B-C50C-407E-A947-70E740481C1C}">
-                <a14:useLocalDpi xmlns:a14="http://schemas.microsoft.com/office/drawing/2010/main" val="0"/>
-              </a:ext>
-            </a:extLst>
-          </a:blip>
-          <a:stretch>
-            <a:fillRect/>
-          </a:stretch>
-        </p:blipFill>
-        <p:spPr>
-          <a:xfrm rot="-2040000">
-            <a:off x="354599" y="2482294"/>
-            <a:ext cx="3382879" cy="3382879"/>
-          </a:xfrm>
-          <a:prstGeom prst="rect">
-            <a:avLst/>
-          </a:prstGeom>
-        </p:spPr>
-      </p:pic>
-      <p:cxnSp>
-        <p:nvCxnSpPr>
-          <p:cNvPr id="22" name="直線コネクタ 21">
-            <a:extLst>
-              <a:ext uri="{FF2B5EF4-FFF2-40B4-BE49-F238E27FC236}">
-                <a16:creationId xmlns:a16="http://schemas.microsoft.com/office/drawing/2014/main" id="{BEE62A1D-AAFF-4A32-5CF3-973AF0FA2CC2}"/>
-              </a:ext>
-            </a:extLst>
-          </p:cNvPr>
-          <p:cNvCxnSpPr/>
-          <p:nvPr/>
-        </p:nvCxnSpPr>
-        <p:spPr>
-          <a:xfrm>
-            <a:off x="1514902" y="5537866"/>
-            <a:ext cx="0" cy="964347"/>
-          </a:xfrm>
-          <a:prstGeom prst="line">
-            <a:avLst/>
-          </a:prstGeom>
-        </p:spPr>
-        <p:style>
-          <a:lnRef idx="3">
-            <a:schemeClr val="dk1"/>
-          </a:lnRef>
-          <a:fillRef idx="0">
-            <a:schemeClr val="dk1"/>
-          </a:fillRef>
-          <a:effectRef idx="2">
-            <a:schemeClr val="dk1"/>
-          </a:effectRef>
-          <a:fontRef idx="minor">
-            <a:schemeClr val="tx1"/>
-          </a:fontRef>
-        </p:style>
-      </p:cxnSp>
-      <p:cxnSp>
-        <p:nvCxnSpPr>
-          <p:cNvPr id="23" name="直線コネクタ 22">
-            <a:extLst>
-              <a:ext uri="{FF2B5EF4-FFF2-40B4-BE49-F238E27FC236}">
-                <a16:creationId xmlns:a16="http://schemas.microsoft.com/office/drawing/2014/main" id="{1B5ECC4B-9BCE-5293-3A5B-D3DDC4C41D74}"/>
-              </a:ext>
-            </a:extLst>
-          </p:cNvPr>
-          <p:cNvCxnSpPr/>
-          <p:nvPr/>
-        </p:nvCxnSpPr>
-        <p:spPr>
-          <a:xfrm>
-            <a:off x="1899314" y="5537865"/>
-            <a:ext cx="0" cy="964347"/>
-          </a:xfrm>
-          <a:prstGeom prst="line">
-            <a:avLst/>
-          </a:prstGeom>
-        </p:spPr>
-        <p:style>
-          <a:lnRef idx="3">
-            <a:schemeClr val="dk1"/>
-          </a:lnRef>
-          <a:fillRef idx="0">
-            <a:schemeClr val="dk1"/>
-          </a:fillRef>
-          <a:effectRef idx="2">
-            <a:schemeClr val="dk1"/>
-          </a:effectRef>
-          <a:fontRef idx="minor">
-            <a:schemeClr val="tx1"/>
-          </a:fontRef>
-        </p:style>
-      </p:cxnSp>
-      <p:cxnSp>
-        <p:nvCxnSpPr>
-          <p:cNvPr id="24" name="直線コネクタ 23">
-            <a:extLst>
-              <a:ext uri="{FF2B5EF4-FFF2-40B4-BE49-F238E27FC236}">
-                <a16:creationId xmlns:a16="http://schemas.microsoft.com/office/drawing/2014/main" id="{9D2768B0-9961-0AE8-3341-409731C40A3D}"/>
-              </a:ext>
-            </a:extLst>
-          </p:cNvPr>
-          <p:cNvCxnSpPr/>
-          <p:nvPr/>
-        </p:nvCxnSpPr>
-        <p:spPr>
-          <a:xfrm>
-            <a:off x="4001070" y="5557495"/>
-            <a:ext cx="0" cy="964347"/>
-          </a:xfrm>
-          <a:prstGeom prst="line">
-            <a:avLst/>
-          </a:prstGeom>
-        </p:spPr>
-        <p:style>
-          <a:lnRef idx="3">
-            <a:schemeClr val="dk1"/>
-          </a:lnRef>
-          <a:fillRef idx="0">
-            <a:schemeClr val="dk1"/>
-          </a:fillRef>
-          <a:effectRef idx="2">
-            <a:schemeClr val="dk1"/>
-          </a:effectRef>
-          <a:fontRef idx="minor">
-            <a:schemeClr val="tx1"/>
-          </a:fontRef>
-        </p:style>
-      </p:cxnSp>
-      <p:cxnSp>
-        <p:nvCxnSpPr>
-          <p:cNvPr id="25" name="直線コネクタ 24">
-            <a:extLst>
-              <a:ext uri="{FF2B5EF4-FFF2-40B4-BE49-F238E27FC236}">
-                <a16:creationId xmlns:a16="http://schemas.microsoft.com/office/drawing/2014/main" id="{4D705187-5206-0553-604F-DDAA0D051EE7}"/>
-              </a:ext>
-            </a:extLst>
-          </p:cNvPr>
-          <p:cNvCxnSpPr/>
-          <p:nvPr/>
-        </p:nvCxnSpPr>
-        <p:spPr>
-          <a:xfrm>
-            <a:off x="4260377" y="5557495"/>
-            <a:ext cx="0" cy="964347"/>
-          </a:xfrm>
-          <a:prstGeom prst="line">
-            <a:avLst/>
-          </a:prstGeom>
-        </p:spPr>
-        <p:style>
-          <a:lnRef idx="3">
-            <a:schemeClr val="dk1"/>
-          </a:lnRef>
-          <a:fillRef idx="0">
-            <a:schemeClr val="dk1"/>
-          </a:fillRef>
-          <a:effectRef idx="2">
-            <a:schemeClr val="dk1"/>
-          </a:effectRef>
-          <a:fontRef idx="minor">
-            <a:schemeClr val="tx1"/>
-          </a:fontRef>
-        </p:style>
-      </p:cxnSp>
-      <p:cxnSp>
-        <p:nvCxnSpPr>
-          <p:cNvPr id="26" name="直線コネクタ 25">
-            <a:extLst>
-              <a:ext uri="{FF2B5EF4-FFF2-40B4-BE49-F238E27FC236}">
-                <a16:creationId xmlns:a16="http://schemas.microsoft.com/office/drawing/2014/main" id="{D4D5FD49-5B76-C44C-9783-6320B60BD2E0}"/>
-              </a:ext>
-            </a:extLst>
-          </p:cNvPr>
-          <p:cNvCxnSpPr/>
-          <p:nvPr/>
-        </p:nvCxnSpPr>
-        <p:spPr>
-          <a:xfrm>
-            <a:off x="5652448" y="5574794"/>
-            <a:ext cx="0" cy="964347"/>
-          </a:xfrm>
-          <a:prstGeom prst="line">
-            <a:avLst/>
-          </a:prstGeom>
-        </p:spPr>
-        <p:style>
-          <a:lnRef idx="3">
-            <a:schemeClr val="dk1"/>
-          </a:lnRef>
-          <a:fillRef idx="0">
-            <a:schemeClr val="dk1"/>
-          </a:fillRef>
-          <a:effectRef idx="2">
-            <a:schemeClr val="dk1"/>
-          </a:effectRef>
-          <a:fontRef idx="minor">
-            <a:schemeClr val="tx1"/>
-          </a:fontRef>
-        </p:style>
-      </p:cxnSp>
-      <p:cxnSp>
-        <p:nvCxnSpPr>
-          <p:cNvPr id="27" name="直線コネクタ 26">
-            <a:extLst>
-              <a:ext uri="{FF2B5EF4-FFF2-40B4-BE49-F238E27FC236}">
-                <a16:creationId xmlns:a16="http://schemas.microsoft.com/office/drawing/2014/main" id="{814BC7A3-6F1D-295E-6D7E-BB433AC8030F}"/>
-              </a:ext>
-            </a:extLst>
-          </p:cNvPr>
-          <p:cNvCxnSpPr/>
-          <p:nvPr/>
-        </p:nvCxnSpPr>
-        <p:spPr>
-          <a:xfrm>
-            <a:off x="6057332" y="5574793"/>
-            <a:ext cx="0" cy="964347"/>
-          </a:xfrm>
-          <a:prstGeom prst="line">
-            <a:avLst/>
-          </a:prstGeom>
-        </p:spPr>
-        <p:style>
-          <a:lnRef idx="3">
-            <a:schemeClr val="dk1"/>
-          </a:lnRef>
-          <a:fillRef idx="0">
-            <a:schemeClr val="dk1"/>
-          </a:fillRef>
-          <a:effectRef idx="2">
-            <a:schemeClr val="dk1"/>
-          </a:effectRef>
-          <a:fontRef idx="minor">
-            <a:schemeClr val="tx1"/>
-          </a:fontRef>
-        </p:style>
-      </p:cxnSp>
-      <p:cxnSp>
-        <p:nvCxnSpPr>
-          <p:cNvPr id="28" name="直線コネクタ 27">
-            <a:extLst>
-              <a:ext uri="{FF2B5EF4-FFF2-40B4-BE49-F238E27FC236}">
-                <a16:creationId xmlns:a16="http://schemas.microsoft.com/office/drawing/2014/main" id="{B1DC7ED8-8109-084D-2769-5C608E4F37B4}"/>
-              </a:ext>
-            </a:extLst>
-          </p:cNvPr>
-          <p:cNvCxnSpPr/>
-          <p:nvPr/>
-        </p:nvCxnSpPr>
-        <p:spPr>
-          <a:xfrm>
-            <a:off x="7503602" y="5574793"/>
-            <a:ext cx="0" cy="964347"/>
-          </a:xfrm>
-          <a:prstGeom prst="line">
-            <a:avLst/>
-          </a:prstGeom>
-        </p:spPr>
-        <p:style>
-          <a:lnRef idx="3">
-            <a:schemeClr val="dk1"/>
-          </a:lnRef>
-          <a:fillRef idx="0">
-            <a:schemeClr val="dk1"/>
-          </a:fillRef>
-          <a:effectRef idx="2">
-            <a:schemeClr val="dk1"/>
-          </a:effectRef>
-          <a:fontRef idx="minor">
-            <a:schemeClr val="tx1"/>
-          </a:fontRef>
-        </p:style>
-      </p:cxnSp>
-      <p:cxnSp>
-        <p:nvCxnSpPr>
-          <p:cNvPr id="29" name="直線コネクタ 28">
-            <a:extLst>
-              <a:ext uri="{FF2B5EF4-FFF2-40B4-BE49-F238E27FC236}">
-                <a16:creationId xmlns:a16="http://schemas.microsoft.com/office/drawing/2014/main" id="{3D7E0597-65FB-B2AC-60A9-27673658C014}"/>
-              </a:ext>
-            </a:extLst>
-          </p:cNvPr>
-          <p:cNvCxnSpPr/>
-          <p:nvPr/>
-        </p:nvCxnSpPr>
-        <p:spPr>
-          <a:xfrm>
-            <a:off x="7681402" y="5574793"/>
-            <a:ext cx="0" cy="964347"/>
-          </a:xfrm>
-          <a:prstGeom prst="line">
-            <a:avLst/>
-          </a:prstGeom>
-        </p:spPr>
-        <p:style>
-          <a:lnRef idx="3">
-            <a:schemeClr val="dk1"/>
-          </a:lnRef>
-          <a:fillRef idx="0">
-            <a:schemeClr val="dk1"/>
-          </a:fillRef>
-          <a:effectRef idx="2">
-            <a:schemeClr val="dk1"/>
-          </a:effectRef>
-          <a:fontRef idx="minor">
-            <a:schemeClr val="tx1"/>
-          </a:fontRef>
-        </p:style>
-      </p:cxnSp>
-      <p:cxnSp>
-        <p:nvCxnSpPr>
-          <p:cNvPr id="30" name="直線コネクタ 29">
-            <a:extLst>
-              <a:ext uri="{FF2B5EF4-FFF2-40B4-BE49-F238E27FC236}">
-                <a16:creationId xmlns:a16="http://schemas.microsoft.com/office/drawing/2014/main" id="{DDCC7F5F-EEC4-5DFC-5FDA-209FDBEACB4D}"/>
-              </a:ext>
-            </a:extLst>
-          </p:cNvPr>
-          <p:cNvCxnSpPr/>
-          <p:nvPr/>
-        </p:nvCxnSpPr>
-        <p:spPr>
-          <a:xfrm>
-            <a:off x="8945052" y="5569261"/>
-            <a:ext cx="0" cy="964347"/>
-          </a:xfrm>
-          <a:prstGeom prst="line">
-            <a:avLst/>
-          </a:prstGeom>
-        </p:spPr>
-        <p:style>
-          <a:lnRef idx="3">
-            <a:schemeClr val="dk1"/>
-          </a:lnRef>
-          <a:fillRef idx="0">
-            <a:schemeClr val="dk1"/>
-          </a:fillRef>
-          <a:effectRef idx="2">
-            <a:schemeClr val="dk1"/>
-          </a:effectRef>
-          <a:fontRef idx="minor">
-            <a:schemeClr val="tx1"/>
-          </a:fontRef>
-        </p:style>
-      </p:cxnSp>
-      <p:cxnSp>
-        <p:nvCxnSpPr>
-          <p:cNvPr id="31" name="直線コネクタ 30">
-            <a:extLst>
-              <a:ext uri="{FF2B5EF4-FFF2-40B4-BE49-F238E27FC236}">
-                <a16:creationId xmlns:a16="http://schemas.microsoft.com/office/drawing/2014/main" id="{F4B20F1B-3CC3-B578-D3FE-57015B757915}"/>
-              </a:ext>
-            </a:extLst>
-          </p:cNvPr>
-          <p:cNvCxnSpPr/>
-          <p:nvPr/>
-        </p:nvCxnSpPr>
-        <p:spPr>
-          <a:xfrm>
-            <a:off x="9084752" y="5569260"/>
-            <a:ext cx="0" cy="964347"/>
-          </a:xfrm>
-          <a:prstGeom prst="line">
-            <a:avLst/>
-          </a:prstGeom>
-        </p:spPr>
-        <p:style>
-          <a:lnRef idx="3">
-            <a:schemeClr val="dk1"/>
-          </a:lnRef>
-          <a:fillRef idx="0">
-            <a:schemeClr val="dk1"/>
-          </a:fillRef>
-          <a:effectRef idx="2">
-            <a:schemeClr val="dk1"/>
-          </a:effectRef>
-          <a:fontRef idx="minor">
-            <a:schemeClr val="tx1"/>
-          </a:fontRef>
-        </p:style>
-      </p:cxnSp>
-      <p:cxnSp>
-        <p:nvCxnSpPr>
-          <p:cNvPr id="33" name="直線矢印コネクタ 32">
-            <a:extLst>
-              <a:ext uri="{FF2B5EF4-FFF2-40B4-BE49-F238E27FC236}">
-                <a16:creationId xmlns:a16="http://schemas.microsoft.com/office/drawing/2014/main" id="{76D4E2A9-3FF0-3B66-049D-82D106175509}"/>
-              </a:ext>
-            </a:extLst>
-          </p:cNvPr>
-          <p:cNvCxnSpPr/>
-          <p:nvPr/>
-        </p:nvCxnSpPr>
-        <p:spPr>
-          <a:xfrm>
-            <a:off x="1489881" y="6321757"/>
-            <a:ext cx="409433" cy="0"/>
-          </a:xfrm>
-          <a:prstGeom prst="straightConnector1">
-            <a:avLst/>
-          </a:prstGeom>
-          <a:ln w="19050" cap="flat" cmpd="sng" algn="ctr">
-            <a:solidFill>
+        </p:grpSpPr>
+        <p:pic>
+          <p:nvPicPr>
+            <p:cNvPr id="16" name="図 15" descr="図形&#10;&#10;AI 生成コンテンツは誤りを含む可能性があります。">
+              <a:extLst>
+                <a:ext uri="{FF2B5EF4-FFF2-40B4-BE49-F238E27FC236}">
+                  <a16:creationId xmlns:a16="http://schemas.microsoft.com/office/drawing/2014/main" id="{D390B77E-E964-9171-1E36-B8CB1A0135D7}"/>
+                </a:ext>
+              </a:extLst>
+            </p:cNvPr>
+            <p:cNvPicPr>
+              <a:picLocks noChangeAspect="1"/>
+            </p:cNvPicPr>
+            <p:nvPr/>
+          </p:nvPicPr>
+          <p:blipFill>
+            <a:blip r:embed="rId6">
+              <a:extLst>
+                <a:ext uri="{28A0092B-C50C-407E-A947-70E740481C1C}">
+                  <a14:useLocalDpi xmlns:a14="http://schemas.microsoft.com/office/drawing/2010/main" val="0"/>
+                </a:ext>
+              </a:extLst>
+            </a:blip>
+            <a:srcRect l="40926" t="5324" r="39658" b="5188"/>
+            <a:stretch>
+              <a:fillRect/>
+            </a:stretch>
+          </p:blipFill>
+          <p:spPr>
+            <a:xfrm flipH="1">
+              <a:off x="7431477" y="4767713"/>
+              <a:ext cx="305755" cy="1409248"/>
+            </a:xfrm>
+            <a:prstGeom prst="rect">
+              <a:avLst/>
+            </a:prstGeom>
+          </p:spPr>
+        </p:pic>
+        <p:cxnSp>
+          <p:nvCxnSpPr>
+            <p:cNvPr id="28" name="直線コネクタ 27">
+              <a:extLst>
+                <a:ext uri="{FF2B5EF4-FFF2-40B4-BE49-F238E27FC236}">
+                  <a16:creationId xmlns:a16="http://schemas.microsoft.com/office/drawing/2014/main" id="{B1DC7ED8-8109-084D-2769-5C608E4F37B4}"/>
+                </a:ext>
+              </a:extLst>
+            </p:cNvPr>
+            <p:cNvCxnSpPr/>
+            <p:nvPr/>
+          </p:nvCxnSpPr>
+          <p:spPr>
+            <a:xfrm>
+              <a:off x="7503602" y="5574793"/>
+              <a:ext cx="0" cy="964347"/>
+            </a:xfrm>
+            <a:prstGeom prst="line">
+              <a:avLst/>
+            </a:prstGeom>
+          </p:spPr>
+          <p:style>
+            <a:lnRef idx="3">
               <a:schemeClr val="dk1"/>
-            </a:solidFill>
-            <a:prstDash val="solid"/>
-            <a:round/>
-            <a:headEnd type="arrow" w="med" len="med"/>
-            <a:tailEnd type="arrow" w="med" len="med"/>
-          </a:ln>
-        </p:spPr>
-        <p:style>
-          <a:lnRef idx="0">
-            <a:scrgbClr r="0" g="0" b="0"/>
-          </a:lnRef>
-          <a:fillRef idx="0">
-            <a:scrgbClr r="0" g="0" b="0"/>
-          </a:fillRef>
-          <a:effectRef idx="0">
-            <a:scrgbClr r="0" g="0" b="0"/>
-          </a:effectRef>
-          <a:fontRef idx="minor">
-            <a:schemeClr val="tx1"/>
-          </a:fontRef>
-        </p:style>
-      </p:cxnSp>
-      <p:cxnSp>
-        <p:nvCxnSpPr>
-          <p:cNvPr id="34" name="直線矢印コネクタ 33">
-            <a:extLst>
-              <a:ext uri="{FF2B5EF4-FFF2-40B4-BE49-F238E27FC236}">
-                <a16:creationId xmlns:a16="http://schemas.microsoft.com/office/drawing/2014/main" id="{537B2A23-A123-1C8C-78A2-722114D7A357}"/>
-              </a:ext>
-            </a:extLst>
-          </p:cNvPr>
-          <p:cNvCxnSpPr>
-            <a:cxnSpLocks/>
-          </p:cNvCxnSpPr>
-          <p:nvPr/>
-        </p:nvCxnSpPr>
-        <p:spPr>
-          <a:xfrm>
-            <a:off x="3991072" y="6321757"/>
-            <a:ext cx="269305" cy="0"/>
-          </a:xfrm>
-          <a:prstGeom prst="straightConnector1">
-            <a:avLst/>
-          </a:prstGeom>
-          <a:ln w="19050" cap="flat" cmpd="sng" algn="ctr">
-            <a:solidFill>
+            </a:lnRef>
+            <a:fillRef idx="0">
               <a:schemeClr val="dk1"/>
-            </a:solidFill>
-            <a:prstDash val="solid"/>
-            <a:round/>
-            <a:headEnd type="arrow" w="med" len="med"/>
-            <a:tailEnd type="arrow" w="med" len="med"/>
-          </a:ln>
-        </p:spPr>
-        <p:style>
-          <a:lnRef idx="0">
-            <a:scrgbClr r="0" g="0" b="0"/>
-          </a:lnRef>
-          <a:fillRef idx="0">
-            <a:scrgbClr r="0" g="0" b="0"/>
-          </a:fillRef>
-          <a:effectRef idx="0">
-            <a:scrgbClr r="0" g="0" b="0"/>
-          </a:effectRef>
-          <a:fontRef idx="minor">
-            <a:schemeClr val="tx1"/>
-          </a:fontRef>
-        </p:style>
-      </p:cxnSp>
-      <p:cxnSp>
-        <p:nvCxnSpPr>
-          <p:cNvPr id="36" name="直線矢印コネクタ 35">
-            <a:extLst>
-              <a:ext uri="{FF2B5EF4-FFF2-40B4-BE49-F238E27FC236}">
-                <a16:creationId xmlns:a16="http://schemas.microsoft.com/office/drawing/2014/main" id="{DE845414-0A39-0C8D-B1B5-2AE09DB5FCAA}"/>
-              </a:ext>
-            </a:extLst>
-          </p:cNvPr>
-          <p:cNvCxnSpPr>
-            <a:cxnSpLocks/>
-          </p:cNvCxnSpPr>
-          <p:nvPr/>
-        </p:nvCxnSpPr>
-        <p:spPr>
-          <a:xfrm>
-            <a:off x="5652448" y="6321757"/>
-            <a:ext cx="404884" cy="0"/>
-          </a:xfrm>
-          <a:prstGeom prst="straightConnector1">
-            <a:avLst/>
-          </a:prstGeom>
-          <a:ln w="19050" cap="flat" cmpd="sng" algn="ctr">
-            <a:solidFill>
+            </a:fillRef>
+            <a:effectRef idx="2">
               <a:schemeClr val="dk1"/>
-            </a:solidFill>
-            <a:prstDash val="solid"/>
-            <a:round/>
-            <a:headEnd type="arrow" w="med" len="med"/>
-            <a:tailEnd type="arrow" w="med" len="med"/>
-          </a:ln>
-        </p:spPr>
-        <p:style>
-          <a:lnRef idx="0">
-            <a:scrgbClr r="0" g="0" b="0"/>
-          </a:lnRef>
-          <a:fillRef idx="0">
-            <a:scrgbClr r="0" g="0" b="0"/>
-          </a:fillRef>
-          <a:effectRef idx="0">
-            <a:scrgbClr r="0" g="0" b="0"/>
-          </a:effectRef>
-          <a:fontRef idx="minor">
-            <a:schemeClr val="tx1"/>
-          </a:fontRef>
-        </p:style>
-      </p:cxnSp>
-      <p:cxnSp>
-        <p:nvCxnSpPr>
-          <p:cNvPr id="38" name="直線矢印コネクタ 37">
-            <a:extLst>
-              <a:ext uri="{FF2B5EF4-FFF2-40B4-BE49-F238E27FC236}">
-                <a16:creationId xmlns:a16="http://schemas.microsoft.com/office/drawing/2014/main" id="{7662EB1A-521F-7D94-C19D-99891E68E836}"/>
-              </a:ext>
-            </a:extLst>
-          </p:cNvPr>
-          <p:cNvCxnSpPr>
-            <a:cxnSpLocks/>
-          </p:cNvCxnSpPr>
-          <p:nvPr/>
-        </p:nvCxnSpPr>
-        <p:spPr>
-          <a:xfrm>
-            <a:off x="7258317" y="6321757"/>
-            <a:ext cx="245285" cy="0"/>
-          </a:xfrm>
-          <a:prstGeom prst="straightConnector1">
-            <a:avLst/>
-          </a:prstGeom>
-          <a:ln w="19050" cap="flat" cmpd="sng" algn="ctr">
-            <a:solidFill>
+            </a:effectRef>
+            <a:fontRef idx="minor">
+              <a:schemeClr val="tx1"/>
+            </a:fontRef>
+          </p:style>
+        </p:cxnSp>
+        <p:cxnSp>
+          <p:nvCxnSpPr>
+            <p:cNvPr id="29" name="直線コネクタ 28">
+              <a:extLst>
+                <a:ext uri="{FF2B5EF4-FFF2-40B4-BE49-F238E27FC236}">
+                  <a16:creationId xmlns:a16="http://schemas.microsoft.com/office/drawing/2014/main" id="{3D7E0597-65FB-B2AC-60A9-27673658C014}"/>
+                </a:ext>
+              </a:extLst>
+            </p:cNvPr>
+            <p:cNvCxnSpPr/>
+            <p:nvPr/>
+          </p:nvCxnSpPr>
+          <p:spPr>
+            <a:xfrm>
+              <a:off x="7681402" y="5574793"/>
+              <a:ext cx="0" cy="964347"/>
+            </a:xfrm>
+            <a:prstGeom prst="line">
+              <a:avLst/>
+            </a:prstGeom>
+          </p:spPr>
+          <p:style>
+            <a:lnRef idx="3">
               <a:schemeClr val="dk1"/>
-            </a:solidFill>
-            <a:prstDash val="solid"/>
-            <a:round/>
-            <a:headEnd type="none" w="med" len="med"/>
-            <a:tailEnd type="arrow" w="med" len="med"/>
-          </a:ln>
-        </p:spPr>
-        <p:style>
-          <a:lnRef idx="0">
-            <a:scrgbClr r="0" g="0" b="0"/>
-          </a:lnRef>
-          <a:fillRef idx="0">
-            <a:scrgbClr r="0" g="0" b="0"/>
-          </a:fillRef>
-          <a:effectRef idx="0">
-            <a:scrgbClr r="0" g="0" b="0"/>
-          </a:effectRef>
-          <a:fontRef idx="minor">
-            <a:schemeClr val="tx1"/>
-          </a:fontRef>
-        </p:style>
-      </p:cxnSp>
-      <p:cxnSp>
-        <p:nvCxnSpPr>
-          <p:cNvPr id="42" name="直線矢印コネクタ 41">
-            <a:extLst>
-              <a:ext uri="{FF2B5EF4-FFF2-40B4-BE49-F238E27FC236}">
-                <a16:creationId xmlns:a16="http://schemas.microsoft.com/office/drawing/2014/main" id="{DA69421A-8A7D-D866-B3D6-51A413FE1A44}"/>
-              </a:ext>
-            </a:extLst>
-          </p:cNvPr>
-          <p:cNvCxnSpPr>
-            <a:cxnSpLocks/>
-          </p:cNvCxnSpPr>
-          <p:nvPr/>
-        </p:nvCxnSpPr>
-        <p:spPr>
-          <a:xfrm>
-            <a:off x="7681402" y="6321757"/>
-            <a:ext cx="245285" cy="0"/>
-          </a:xfrm>
-          <a:prstGeom prst="straightConnector1">
-            <a:avLst/>
-          </a:prstGeom>
-          <a:ln w="19050" cap="flat" cmpd="sng" algn="ctr">
-            <a:solidFill>
+            </a:lnRef>
+            <a:fillRef idx="0">
               <a:schemeClr val="dk1"/>
-            </a:solidFill>
-            <a:prstDash val="solid"/>
-            <a:round/>
-            <a:headEnd type="arrow" w="med" len="med"/>
-            <a:tailEnd type="none" w="med" len="med"/>
-          </a:ln>
-        </p:spPr>
-        <p:style>
-          <a:lnRef idx="0">
-            <a:scrgbClr r="0" g="0" b="0"/>
-          </a:lnRef>
-          <a:fillRef idx="0">
-            <a:scrgbClr r="0" g="0" b="0"/>
-          </a:fillRef>
-          <a:effectRef idx="0">
-            <a:scrgbClr r="0" g="0" b="0"/>
-          </a:effectRef>
-          <a:fontRef idx="minor">
-            <a:schemeClr val="tx1"/>
-          </a:fontRef>
-        </p:style>
-      </p:cxnSp>
-      <p:cxnSp>
-        <p:nvCxnSpPr>
-          <p:cNvPr id="43" name="直線矢印コネクタ 42">
-            <a:extLst>
-              <a:ext uri="{FF2B5EF4-FFF2-40B4-BE49-F238E27FC236}">
-                <a16:creationId xmlns:a16="http://schemas.microsoft.com/office/drawing/2014/main" id="{D01BB7F4-4B4F-89F2-E2EA-43B483595437}"/>
-              </a:ext>
-            </a:extLst>
-          </p:cNvPr>
-          <p:cNvCxnSpPr>
-            <a:cxnSpLocks/>
-          </p:cNvCxnSpPr>
-          <p:nvPr/>
-        </p:nvCxnSpPr>
-        <p:spPr>
-          <a:xfrm>
-            <a:off x="9084752" y="6321757"/>
-            <a:ext cx="245285" cy="0"/>
-          </a:xfrm>
-          <a:prstGeom prst="straightConnector1">
-            <a:avLst/>
-          </a:prstGeom>
-          <a:ln w="19050" cap="flat" cmpd="sng" algn="ctr">
-            <a:solidFill>
+            </a:fillRef>
+            <a:effectRef idx="2">
               <a:schemeClr val="dk1"/>
-            </a:solidFill>
-            <a:prstDash val="solid"/>
-            <a:round/>
-            <a:headEnd type="arrow" w="med" len="med"/>
-            <a:tailEnd type="none" w="med" len="med"/>
-          </a:ln>
-        </p:spPr>
-        <p:style>
-          <a:lnRef idx="0">
-            <a:scrgbClr r="0" g="0" b="0"/>
-          </a:lnRef>
-          <a:fillRef idx="0">
-            <a:scrgbClr r="0" g="0" b="0"/>
-          </a:fillRef>
-          <a:effectRef idx="0">
-            <a:scrgbClr r="0" g="0" b="0"/>
-          </a:effectRef>
-          <a:fontRef idx="minor">
-            <a:schemeClr val="tx1"/>
-          </a:fontRef>
-        </p:style>
-      </p:cxnSp>
-      <p:cxnSp>
-        <p:nvCxnSpPr>
-          <p:cNvPr id="44" name="直線矢印コネクタ 43">
-            <a:extLst>
-              <a:ext uri="{FF2B5EF4-FFF2-40B4-BE49-F238E27FC236}">
-                <a16:creationId xmlns:a16="http://schemas.microsoft.com/office/drawing/2014/main" id="{BE46F1AF-09AE-8EAC-C296-2F518B58028E}"/>
-              </a:ext>
-            </a:extLst>
-          </p:cNvPr>
-          <p:cNvCxnSpPr>
-            <a:cxnSpLocks/>
-          </p:cNvCxnSpPr>
-          <p:nvPr/>
-        </p:nvCxnSpPr>
-        <p:spPr>
-          <a:xfrm>
-            <a:off x="8699767" y="6321757"/>
-            <a:ext cx="245285" cy="0"/>
-          </a:xfrm>
-          <a:prstGeom prst="straightConnector1">
-            <a:avLst/>
-          </a:prstGeom>
-          <a:ln w="19050" cap="flat" cmpd="sng" algn="ctr">
-            <a:solidFill>
-              <a:schemeClr val="dk1"/>
-            </a:solidFill>
-            <a:prstDash val="solid"/>
-            <a:round/>
-            <a:headEnd type="none" w="med" len="med"/>
-            <a:tailEnd type="arrow" w="med" len="med"/>
-          </a:ln>
-        </p:spPr>
-        <p:style>
-          <a:lnRef idx="0">
-            <a:scrgbClr r="0" g="0" b="0"/>
-          </a:lnRef>
-          <a:fillRef idx="0">
-            <a:scrgbClr r="0" g="0" b="0"/>
-          </a:fillRef>
-          <a:effectRef idx="0">
-            <a:scrgbClr r="0" g="0" b="0"/>
-          </a:effectRef>
-          <a:fontRef idx="minor">
-            <a:schemeClr val="tx1"/>
-          </a:fontRef>
-        </p:style>
-      </p:cxnSp>
+            </a:effectRef>
+            <a:fontRef idx="minor">
+              <a:schemeClr val="tx1"/>
+            </a:fontRef>
+          </p:style>
+        </p:cxnSp>
+        <p:cxnSp>
+          <p:nvCxnSpPr>
+            <p:cNvPr id="38" name="直線矢印コネクタ 37">
+              <a:extLst>
+                <a:ext uri="{FF2B5EF4-FFF2-40B4-BE49-F238E27FC236}">
+                  <a16:creationId xmlns:a16="http://schemas.microsoft.com/office/drawing/2014/main" id="{7662EB1A-521F-7D94-C19D-99891E68E836}"/>
+                </a:ext>
+              </a:extLst>
+            </p:cNvPr>
+            <p:cNvCxnSpPr>
+              <a:cxnSpLocks/>
+            </p:cNvCxnSpPr>
+            <p:nvPr/>
+          </p:nvCxnSpPr>
+          <p:spPr>
+            <a:xfrm>
+              <a:off x="7258317" y="6321757"/>
+              <a:ext cx="245285" cy="0"/>
+            </a:xfrm>
+            <a:prstGeom prst="straightConnector1">
+              <a:avLst/>
+            </a:prstGeom>
+            <a:ln w="19050" cap="flat" cmpd="sng" algn="ctr">
+              <a:solidFill>
+                <a:schemeClr val="dk1"/>
+              </a:solidFill>
+              <a:prstDash val="solid"/>
+              <a:round/>
+              <a:headEnd type="none" w="med" len="med"/>
+              <a:tailEnd type="arrow" w="med" len="med"/>
+            </a:ln>
+          </p:spPr>
+          <p:style>
+            <a:lnRef idx="0">
+              <a:scrgbClr r="0" g="0" b="0"/>
+            </a:lnRef>
+            <a:fillRef idx="0">
+              <a:scrgbClr r="0" g="0" b="0"/>
+            </a:fillRef>
+            <a:effectRef idx="0">
+              <a:scrgbClr r="0" g="0" b="0"/>
+            </a:effectRef>
+            <a:fontRef idx="minor">
+              <a:schemeClr val="tx1"/>
+            </a:fontRef>
+          </p:style>
+        </p:cxnSp>
+        <p:cxnSp>
+          <p:nvCxnSpPr>
+            <p:cNvPr id="42" name="直線矢印コネクタ 41">
+              <a:extLst>
+                <a:ext uri="{FF2B5EF4-FFF2-40B4-BE49-F238E27FC236}">
+                  <a16:creationId xmlns:a16="http://schemas.microsoft.com/office/drawing/2014/main" id="{DA69421A-8A7D-D866-B3D6-51A413FE1A44}"/>
+                </a:ext>
+              </a:extLst>
+            </p:cNvPr>
+            <p:cNvCxnSpPr>
+              <a:cxnSpLocks/>
+            </p:cNvCxnSpPr>
+            <p:nvPr/>
+          </p:nvCxnSpPr>
+          <p:spPr>
+            <a:xfrm>
+              <a:off x="7681402" y="6321757"/>
+              <a:ext cx="245285" cy="0"/>
+            </a:xfrm>
+            <a:prstGeom prst="straightConnector1">
+              <a:avLst/>
+            </a:prstGeom>
+            <a:ln w="19050" cap="flat" cmpd="sng" algn="ctr">
+              <a:solidFill>
+                <a:schemeClr val="dk1"/>
+              </a:solidFill>
+              <a:prstDash val="solid"/>
+              <a:round/>
+              <a:headEnd type="arrow" w="med" len="med"/>
+              <a:tailEnd type="none" w="med" len="med"/>
+            </a:ln>
+          </p:spPr>
+          <p:style>
+            <a:lnRef idx="0">
+              <a:scrgbClr r="0" g="0" b="0"/>
+            </a:lnRef>
+            <a:fillRef idx="0">
+              <a:scrgbClr r="0" g="0" b="0"/>
+            </a:fillRef>
+            <a:effectRef idx="0">
+              <a:scrgbClr r="0" g="0" b="0"/>
+            </a:effectRef>
+            <a:fontRef idx="minor">
+              <a:schemeClr val="tx1"/>
+            </a:fontRef>
+          </p:style>
+        </p:cxnSp>
+      </p:grpSp>
     </p:spTree>
     <p:extLst>
       <p:ext uri="{BB962C8B-B14F-4D97-AF65-F5344CB8AC3E}">
@@ -33673,6 +33629,2444 @@
   <p:cSld>
     <p:spTree>
       <p:nvGrpSpPr>
+        <p:cNvPr id="1" name="">
+          <a:extLst>
+            <a:ext uri="{FF2B5EF4-FFF2-40B4-BE49-F238E27FC236}">
+              <a16:creationId xmlns:a16="http://schemas.microsoft.com/office/drawing/2014/main" id="{EE1D7F75-84B0-0573-CAC9-B16F1AA5DD14}"/>
+            </a:ext>
+          </a:extLst>
+        </p:cNvPr>
+        <p:cNvGrpSpPr/>
+        <p:nvPr/>
+      </p:nvGrpSpPr>
+      <p:grpSpPr>
+        <a:xfrm>
+          <a:off x="0" y="0"/>
+          <a:ext cx="0" cy="0"/>
+          <a:chOff x="0" y="0"/>
+          <a:chExt cx="0" cy="0"/>
+        </a:xfrm>
+      </p:grpSpPr>
+      <p:sp>
+        <p:nvSpPr>
+          <p:cNvPr id="23" name="テキスト ボックス 22">
+            <a:extLst>
+              <a:ext uri="{FF2B5EF4-FFF2-40B4-BE49-F238E27FC236}">
+                <a16:creationId xmlns:a16="http://schemas.microsoft.com/office/drawing/2014/main" id="{FE1FCE8D-90E8-FE86-B602-44BA9B0A64CF}"/>
+              </a:ext>
+            </a:extLst>
+          </p:cNvPr>
+          <p:cNvSpPr txBox="1"/>
+          <p:nvPr/>
+        </p:nvSpPr>
+        <p:spPr>
+          <a:xfrm>
+            <a:off x="4112918" y="3243100"/>
+            <a:ext cx="902811" cy="1095749"/>
+          </a:xfrm>
+          <a:prstGeom prst="rect">
+            <a:avLst/>
+          </a:prstGeom>
+          <a:noFill/>
+        </p:spPr>
+        <p:txBody>
+          <a:bodyPr wrap="none" rtlCol="0">
+            <a:spAutoFit/>
+          </a:bodyPr>
+          <a:lstStyle/>
+          <a:p>
+            <a:r>
+              <a:rPr kumimoji="1" lang="ja-JP" altLang="en-US" sz="2800" dirty="0"/>
+              <a:t>入力</a:t>
+            </a:r>
+            <a:endParaRPr kumimoji="1" lang="en-US" altLang="ja-JP" sz="2800" dirty="0"/>
+          </a:p>
+          <a:p>
+            <a:pPr>
+              <a:lnSpc>
+                <a:spcPct val="150000"/>
+              </a:lnSpc>
+            </a:pPr>
+            <a:r>
+              <a:rPr lang="ja-JP" altLang="en-US" sz="2800" dirty="0"/>
+              <a:t>太さ</a:t>
+            </a:r>
+            <a:endParaRPr kumimoji="1" lang="ja-JP" altLang="en-US" sz="2800" dirty="0"/>
+          </a:p>
+        </p:txBody>
+      </p:sp>
+      <p:sp>
+        <p:nvSpPr>
+          <p:cNvPr id="2" name="タイトル 1">
+            <a:extLst>
+              <a:ext uri="{FF2B5EF4-FFF2-40B4-BE49-F238E27FC236}">
+                <a16:creationId xmlns:a16="http://schemas.microsoft.com/office/drawing/2014/main" id="{4248044E-1C7F-E953-5A1D-FEF1124CAC67}"/>
+              </a:ext>
+            </a:extLst>
+          </p:cNvPr>
+          <p:cNvSpPr>
+            <a:spLocks noGrp="1"/>
+          </p:cNvSpPr>
+          <p:nvPr>
+            <p:ph type="title"/>
+          </p:nvPr>
+        </p:nvSpPr>
+        <p:spPr/>
+        <p:txBody>
+          <a:bodyPr>
+            <a:normAutofit/>
+          </a:bodyPr>
+          <a:lstStyle/>
+          <a:p>
+            <a:r>
+              <a:rPr kumimoji="1" lang="ja-JP" altLang="en-US" dirty="0"/>
+              <a:t>システム</a:t>
+            </a:r>
+            <a:r>
+              <a:rPr lang="ja-JP" altLang="en-US" dirty="0"/>
+              <a:t>概要</a:t>
+            </a:r>
+            <a:endParaRPr kumimoji="1" lang="ja-JP" altLang="en-US" dirty="0"/>
+          </a:p>
+        </p:txBody>
+      </p:sp>
+      <p:sp>
+        <p:nvSpPr>
+          <p:cNvPr id="4" name="スライド番号プレースホルダー 3">
+            <a:extLst>
+              <a:ext uri="{FF2B5EF4-FFF2-40B4-BE49-F238E27FC236}">
+                <a16:creationId xmlns:a16="http://schemas.microsoft.com/office/drawing/2014/main" id="{E0E27B75-7967-1B74-BB89-87D8C186261B}"/>
+              </a:ext>
+            </a:extLst>
+          </p:cNvPr>
+          <p:cNvSpPr>
+            <a:spLocks noGrp="1"/>
+          </p:cNvSpPr>
+          <p:nvPr>
+            <p:ph type="sldNum" sz="quarter" idx="12"/>
+          </p:nvPr>
+        </p:nvSpPr>
+        <p:spPr/>
+        <p:txBody>
+          <a:bodyPr/>
+          <a:lstStyle/>
+          <a:p>
+            <a:fld id="{5CCA2C14-EFCE-4A9A-BA37-949DC8255A36}" type="slidenum">
+              <a:rPr kumimoji="1" lang="ja-JP" altLang="en-US" smtClean="0"/>
+              <a:t>6</a:t>
+            </a:fld>
+            <a:endParaRPr kumimoji="1" lang="ja-JP" altLang="en-US"/>
+          </a:p>
+        </p:txBody>
+      </p:sp>
+      <p:sp>
+        <p:nvSpPr>
+          <p:cNvPr id="5" name="正方形/長方形 4">
+            <a:extLst>
+              <a:ext uri="{FF2B5EF4-FFF2-40B4-BE49-F238E27FC236}">
+                <a16:creationId xmlns:a16="http://schemas.microsoft.com/office/drawing/2014/main" id="{C82E724A-0179-87E7-5434-21ABA2895AFC}"/>
+              </a:ext>
+            </a:extLst>
+          </p:cNvPr>
+          <p:cNvSpPr/>
+          <p:nvPr/>
+        </p:nvSpPr>
+        <p:spPr>
+          <a:xfrm>
+            <a:off x="2858957" y="3924888"/>
+            <a:ext cx="653913" cy="1406917"/>
+          </a:xfrm>
+          <a:prstGeom prst="rect">
+            <a:avLst/>
+          </a:prstGeom>
+        </p:spPr>
+        <p:style>
+          <a:lnRef idx="2">
+            <a:schemeClr val="accent5">
+              <a:shade val="15000"/>
+            </a:schemeClr>
+          </a:lnRef>
+          <a:fillRef idx="1">
+            <a:schemeClr val="accent5"/>
+          </a:fillRef>
+          <a:effectRef idx="0">
+            <a:schemeClr val="accent5"/>
+          </a:effectRef>
+          <a:fontRef idx="minor">
+            <a:schemeClr val="lt1"/>
+          </a:fontRef>
+        </p:style>
+        <p:txBody>
+          <a:bodyPr rtlCol="0" anchor="ctr"/>
+          <a:lstStyle/>
+          <a:p>
+            <a:pPr algn="ctr"/>
+            <a:endParaRPr kumimoji="1" lang="ja-JP" altLang="en-US"/>
+          </a:p>
+        </p:txBody>
+      </p:sp>
+      <p:sp>
+        <p:nvSpPr>
+          <p:cNvPr id="6" name="正方形/長方形 5">
+            <a:extLst>
+              <a:ext uri="{FF2B5EF4-FFF2-40B4-BE49-F238E27FC236}">
+                <a16:creationId xmlns:a16="http://schemas.microsoft.com/office/drawing/2014/main" id="{97468E11-8F64-67BA-6F7F-BF4588DB6DB2}"/>
+              </a:ext>
+            </a:extLst>
+          </p:cNvPr>
+          <p:cNvSpPr/>
+          <p:nvPr/>
+        </p:nvSpPr>
+        <p:spPr>
+          <a:xfrm>
+            <a:off x="2689653" y="5331803"/>
+            <a:ext cx="989127" cy="138368"/>
+          </a:xfrm>
+          <a:prstGeom prst="rect">
+            <a:avLst/>
+          </a:prstGeom>
+        </p:spPr>
+        <p:style>
+          <a:lnRef idx="2">
+            <a:schemeClr val="accent1">
+              <a:shade val="15000"/>
+            </a:schemeClr>
+          </a:lnRef>
+          <a:fillRef idx="1">
+            <a:schemeClr val="accent1"/>
+          </a:fillRef>
+          <a:effectRef idx="0">
+            <a:schemeClr val="accent1"/>
+          </a:effectRef>
+          <a:fontRef idx="minor">
+            <a:schemeClr val="lt1"/>
+          </a:fontRef>
+        </p:style>
+        <p:txBody>
+          <a:bodyPr rtlCol="0" anchor="ctr"/>
+          <a:lstStyle/>
+          <a:p>
+            <a:pPr algn="ctr"/>
+            <a:endParaRPr kumimoji="1" lang="ja-JP" altLang="en-US"/>
+          </a:p>
+        </p:txBody>
+      </p:sp>
+      <p:sp>
+        <p:nvSpPr>
+          <p:cNvPr id="7" name="正方形/長方形 6">
+            <a:extLst>
+              <a:ext uri="{FF2B5EF4-FFF2-40B4-BE49-F238E27FC236}">
+                <a16:creationId xmlns:a16="http://schemas.microsoft.com/office/drawing/2014/main" id="{42FBE921-CFDC-FA0E-3A92-7B9B40386B3C}"/>
+              </a:ext>
+            </a:extLst>
+          </p:cNvPr>
+          <p:cNvSpPr/>
+          <p:nvPr/>
+        </p:nvSpPr>
+        <p:spPr>
+          <a:xfrm>
+            <a:off x="2689653" y="3786808"/>
+            <a:ext cx="989127" cy="138368"/>
+          </a:xfrm>
+          <a:prstGeom prst="rect">
+            <a:avLst/>
+          </a:prstGeom>
+        </p:spPr>
+        <p:style>
+          <a:lnRef idx="2">
+            <a:schemeClr val="accent1">
+              <a:shade val="15000"/>
+            </a:schemeClr>
+          </a:lnRef>
+          <a:fillRef idx="1">
+            <a:schemeClr val="accent1"/>
+          </a:fillRef>
+          <a:effectRef idx="0">
+            <a:schemeClr val="accent1"/>
+          </a:effectRef>
+          <a:fontRef idx="minor">
+            <a:schemeClr val="lt1"/>
+          </a:fontRef>
+        </p:style>
+        <p:txBody>
+          <a:bodyPr rtlCol="0" anchor="ctr"/>
+          <a:lstStyle/>
+          <a:p>
+            <a:pPr algn="ctr"/>
+            <a:endParaRPr kumimoji="1" lang="ja-JP" altLang="en-US"/>
+          </a:p>
+        </p:txBody>
+      </p:sp>
+      <p:sp>
+        <p:nvSpPr>
+          <p:cNvPr id="8" name="テキスト ボックス 7">
+            <a:extLst>
+              <a:ext uri="{FF2B5EF4-FFF2-40B4-BE49-F238E27FC236}">
+                <a16:creationId xmlns:a16="http://schemas.microsoft.com/office/drawing/2014/main" id="{E5E2E54F-CDB8-E178-975C-38CA30407DBE}"/>
+              </a:ext>
+            </a:extLst>
+          </p:cNvPr>
+          <p:cNvSpPr txBox="1"/>
+          <p:nvPr/>
+        </p:nvSpPr>
+        <p:spPr>
+          <a:xfrm>
+            <a:off x="1904080" y="5541498"/>
+            <a:ext cx="2212465" cy="584775"/>
+          </a:xfrm>
+          <a:prstGeom prst="rect">
+            <a:avLst/>
+          </a:prstGeom>
+          <a:noFill/>
+        </p:spPr>
+        <p:txBody>
+          <a:bodyPr wrap="none" rtlCol="0">
+            <a:spAutoFit/>
+          </a:bodyPr>
+          <a:lstStyle/>
+          <a:p>
+            <a:r>
+              <a:rPr kumimoji="1" lang="ja-JP" altLang="en-US" sz="3200" dirty="0"/>
+              <a:t>コントローラ</a:t>
+            </a:r>
+          </a:p>
+        </p:txBody>
+      </p:sp>
+      <p:pic>
+        <p:nvPicPr>
+          <p:cNvPr id="12" name="図 11" descr="図形&#10;&#10;AI 生成コンテンツは誤りを含む可能性があります。">
+            <a:extLst>
+              <a:ext uri="{FF2B5EF4-FFF2-40B4-BE49-F238E27FC236}">
+                <a16:creationId xmlns:a16="http://schemas.microsoft.com/office/drawing/2014/main" id="{DB304FA8-E1A7-9B34-8028-7067B24A6D7A}"/>
+              </a:ext>
+            </a:extLst>
+          </p:cNvPr>
+          <p:cNvPicPr>
+            <a:picLocks noChangeAspect="1"/>
+          </p:cNvPicPr>
+          <p:nvPr/>
+        </p:nvPicPr>
+        <p:blipFill>
+          <a:blip r:embed="rId3">
+            <a:duotone>
+              <a:schemeClr val="accent4">
+                <a:shade val="45000"/>
+                <a:satMod val="135000"/>
+              </a:schemeClr>
+              <a:prstClr val="white"/>
+            </a:duotone>
+            <a:extLst>
+              <a:ext uri="{28A0092B-C50C-407E-A947-70E740481C1C}">
+                <a14:useLocalDpi xmlns:a14="http://schemas.microsoft.com/office/drawing/2010/main" val="0"/>
+              </a:ext>
+            </a:extLst>
+          </a:blip>
+          <a:srcRect l="25521" r="25521" b="35390"/>
+          <a:stretch>
+            <a:fillRect/>
+          </a:stretch>
+        </p:blipFill>
+        <p:spPr>
+          <a:xfrm>
+            <a:off x="973243" y="2528888"/>
+            <a:ext cx="1517290" cy="2002373"/>
+          </a:xfrm>
+          <a:prstGeom prst="rect">
+            <a:avLst/>
+          </a:prstGeom>
+        </p:spPr>
+      </p:pic>
+      <p:sp>
+        <p:nvSpPr>
+          <p:cNvPr id="13" name="四角形: 角を丸くする 12">
+            <a:extLst>
+              <a:ext uri="{FF2B5EF4-FFF2-40B4-BE49-F238E27FC236}">
+                <a16:creationId xmlns:a16="http://schemas.microsoft.com/office/drawing/2014/main" id="{FE3A14F2-9DBD-E0DA-1613-90D9FB64EC15}"/>
+              </a:ext>
+            </a:extLst>
+          </p:cNvPr>
+          <p:cNvSpPr/>
+          <p:nvPr/>
+        </p:nvSpPr>
+        <p:spPr>
+          <a:xfrm>
+            <a:off x="647700" y="1358901"/>
+            <a:ext cx="3429000" cy="4838699"/>
+          </a:xfrm>
+          <a:prstGeom prst="roundRect">
+            <a:avLst>
+              <a:gd name="adj" fmla="val 8211"/>
+            </a:avLst>
+          </a:prstGeom>
+          <a:noFill/>
+          <a:ln w="38100" cap="flat" cmpd="sng" algn="ctr">
+            <a:solidFill>
+              <a:schemeClr val="accent6"/>
+            </a:solidFill>
+            <a:prstDash val="solid"/>
+            <a:round/>
+            <a:headEnd type="none" w="med" len="med"/>
+            <a:tailEnd type="none" w="med" len="med"/>
+          </a:ln>
+        </p:spPr>
+        <p:style>
+          <a:lnRef idx="0">
+            <a:scrgbClr r="0" g="0" b="0"/>
+          </a:lnRef>
+          <a:fillRef idx="0">
+            <a:scrgbClr r="0" g="0" b="0"/>
+          </a:fillRef>
+          <a:effectRef idx="0">
+            <a:scrgbClr r="0" g="0" b="0"/>
+          </a:effectRef>
+          <a:fontRef idx="minor">
+            <a:schemeClr val="accent6"/>
+          </a:fontRef>
+        </p:style>
+        <p:txBody>
+          <a:bodyPr rtlCol="0" anchor="t"/>
+          <a:lstStyle/>
+          <a:p>
+            <a:r>
+              <a:rPr kumimoji="1" lang="ja-JP" altLang="en-US" sz="3600" dirty="0">
+                <a:solidFill>
+                  <a:schemeClr val="tx1"/>
+                </a:solidFill>
+              </a:rPr>
+              <a:t>現実</a:t>
+            </a:r>
+          </a:p>
+        </p:txBody>
+      </p:sp>
+      <p:pic>
+        <p:nvPicPr>
+          <p:cNvPr id="15" name="図 14" descr="図形&#10;&#10;AI 生成コンテンツは誤りを含む可能性があります。">
+            <a:extLst>
+              <a:ext uri="{FF2B5EF4-FFF2-40B4-BE49-F238E27FC236}">
+                <a16:creationId xmlns:a16="http://schemas.microsoft.com/office/drawing/2014/main" id="{26749471-BD64-DA9A-19EC-371630B88B21}"/>
+              </a:ext>
+            </a:extLst>
+          </p:cNvPr>
+          <p:cNvPicPr>
+            <a:picLocks noChangeAspect="1"/>
+          </p:cNvPicPr>
+          <p:nvPr/>
+        </p:nvPicPr>
+        <p:blipFill>
+          <a:blip r:embed="rId4">
+            <a:extLst>
+              <a:ext uri="{28A0092B-C50C-407E-A947-70E740481C1C}">
+                <a14:useLocalDpi xmlns:a14="http://schemas.microsoft.com/office/drawing/2010/main" val="0"/>
+              </a:ext>
+            </a:extLst>
+          </a:blip>
+          <a:stretch>
+            <a:fillRect/>
+          </a:stretch>
+        </p:blipFill>
+        <p:spPr>
+          <a:xfrm>
+            <a:off x="5153226" y="3077782"/>
+            <a:ext cx="1411776" cy="1411776"/>
+          </a:xfrm>
+          <a:prstGeom prst="rect">
+            <a:avLst/>
+          </a:prstGeom>
+        </p:spPr>
+      </p:pic>
+      <p:cxnSp>
+        <p:nvCxnSpPr>
+          <p:cNvPr id="19" name="直線矢印コネクタ 18">
+            <a:extLst>
+              <a:ext uri="{FF2B5EF4-FFF2-40B4-BE49-F238E27FC236}">
+                <a16:creationId xmlns:a16="http://schemas.microsoft.com/office/drawing/2014/main" id="{92F0214F-00B8-C6C6-6436-130858A2AD8D}"/>
+              </a:ext>
+            </a:extLst>
+          </p:cNvPr>
+          <p:cNvCxnSpPr>
+            <a:cxnSpLocks/>
+            <a:stCxn id="13" idx="3"/>
+            <a:endCxn id="15" idx="1"/>
+          </p:cNvCxnSpPr>
+          <p:nvPr/>
+        </p:nvCxnSpPr>
+        <p:spPr>
+          <a:xfrm>
+            <a:off x="4076700" y="3778251"/>
+            <a:ext cx="1076526" cy="5419"/>
+          </a:xfrm>
+          <a:prstGeom prst="straightConnector1">
+            <a:avLst/>
+          </a:prstGeom>
+          <a:ln w="57150" cap="flat" cmpd="sng" algn="ctr">
+            <a:solidFill>
+              <a:schemeClr val="dk1"/>
+            </a:solidFill>
+            <a:prstDash val="solid"/>
+            <a:round/>
+            <a:headEnd type="none" w="med" len="med"/>
+            <a:tailEnd type="arrow" w="med" len="med"/>
+          </a:ln>
+        </p:spPr>
+        <p:style>
+          <a:lnRef idx="0">
+            <a:scrgbClr r="0" g="0" b="0"/>
+          </a:lnRef>
+          <a:fillRef idx="0">
+            <a:scrgbClr r="0" g="0" b="0"/>
+          </a:fillRef>
+          <a:effectRef idx="0">
+            <a:scrgbClr r="0" g="0" b="0"/>
+          </a:effectRef>
+          <a:fontRef idx="minor">
+            <a:schemeClr val="tx1"/>
+          </a:fontRef>
+        </p:style>
+      </p:cxnSp>
+      <p:pic>
+        <p:nvPicPr>
+          <p:cNvPr id="27" name="図 26" descr="図形&#10;&#10;AI 生成コンテンツは誤りを含む可能性があります。">
+            <a:extLst>
+              <a:ext uri="{FF2B5EF4-FFF2-40B4-BE49-F238E27FC236}">
+                <a16:creationId xmlns:a16="http://schemas.microsoft.com/office/drawing/2014/main" id="{65D2AD12-7350-27FF-37E4-2A3380AACF22}"/>
+              </a:ext>
+            </a:extLst>
+          </p:cNvPr>
+          <p:cNvPicPr>
+            <a:picLocks noChangeAspect="1"/>
+          </p:cNvPicPr>
+          <p:nvPr/>
+        </p:nvPicPr>
+        <p:blipFill>
+          <a:blip r:embed="rId3">
+            <a:duotone>
+              <a:schemeClr val="accent4">
+                <a:shade val="45000"/>
+                <a:satMod val="135000"/>
+              </a:schemeClr>
+              <a:prstClr val="white"/>
+            </a:duotone>
+            <a:extLst>
+              <a:ext uri="{28A0092B-C50C-407E-A947-70E740481C1C}">
+                <a14:useLocalDpi xmlns:a14="http://schemas.microsoft.com/office/drawing/2010/main" val="0"/>
+              </a:ext>
+            </a:extLst>
+          </a:blip>
+          <a:srcRect l="25521" r="25521" b="35390"/>
+          <a:stretch>
+            <a:fillRect/>
+          </a:stretch>
+        </p:blipFill>
+        <p:spPr>
+          <a:xfrm>
+            <a:off x="7815247" y="2671238"/>
+            <a:ext cx="1517290" cy="2002373"/>
+          </a:xfrm>
+          <a:prstGeom prst="rect">
+            <a:avLst/>
+          </a:prstGeom>
+        </p:spPr>
+      </p:pic>
+      <p:pic>
+        <p:nvPicPr>
+          <p:cNvPr id="29" name="図 28">
+            <a:extLst>
+              <a:ext uri="{FF2B5EF4-FFF2-40B4-BE49-F238E27FC236}">
+                <a16:creationId xmlns:a16="http://schemas.microsoft.com/office/drawing/2014/main" id="{DE5D9349-6932-5A63-0367-D199FC909FD9}"/>
+              </a:ext>
+            </a:extLst>
+          </p:cNvPr>
+          <p:cNvPicPr>
+            <a:picLocks noChangeAspect="1"/>
+          </p:cNvPicPr>
+          <p:nvPr/>
+        </p:nvPicPr>
+        <p:blipFill>
+          <a:blip r:embed="rId5">
+            <a:extLst>
+              <a:ext uri="{28A0092B-C50C-407E-A947-70E740481C1C}">
+                <a14:useLocalDpi xmlns:a14="http://schemas.microsoft.com/office/drawing/2010/main" val="0"/>
+              </a:ext>
+            </a:extLst>
+          </a:blip>
+          <a:srcRect/>
+          <a:stretch/>
+        </p:blipFill>
+        <p:spPr>
+          <a:xfrm flipH="1">
+            <a:off x="10325025" y="1516338"/>
+            <a:ext cx="1539137" cy="1539137"/>
+          </a:xfrm>
+          <a:prstGeom prst="rect">
+            <a:avLst/>
+          </a:prstGeom>
+        </p:spPr>
+      </p:pic>
+      <p:pic>
+        <p:nvPicPr>
+          <p:cNvPr id="31" name="図 30" descr="図形&#10;&#10;AI 生成コンテンツは誤りを含む可能性があります。">
+            <a:extLst>
+              <a:ext uri="{FF2B5EF4-FFF2-40B4-BE49-F238E27FC236}">
+                <a16:creationId xmlns:a16="http://schemas.microsoft.com/office/drawing/2014/main" id="{5BA9495E-CC11-A0C2-6341-93CFBC615E05}"/>
+              </a:ext>
+            </a:extLst>
+          </p:cNvPr>
+          <p:cNvPicPr>
+            <a:picLocks noChangeAspect="1"/>
+          </p:cNvPicPr>
+          <p:nvPr/>
+        </p:nvPicPr>
+        <p:blipFill>
+          <a:blip r:embed="rId6">
+            <a:extLst>
+              <a:ext uri="{28A0092B-C50C-407E-A947-70E740481C1C}">
+                <a14:useLocalDpi xmlns:a14="http://schemas.microsoft.com/office/drawing/2010/main" val="0"/>
+              </a:ext>
+            </a:extLst>
+          </a:blip>
+          <a:stretch>
+            <a:fillRect/>
+          </a:stretch>
+        </p:blipFill>
+        <p:spPr>
+          <a:xfrm>
+            <a:off x="10263567" y="2938660"/>
+            <a:ext cx="1460657" cy="1460657"/>
+          </a:xfrm>
+          <a:prstGeom prst="rect">
+            <a:avLst/>
+          </a:prstGeom>
+        </p:spPr>
+      </p:pic>
+      <p:pic>
+        <p:nvPicPr>
+          <p:cNvPr id="33" name="図 32" descr="図形&#10;&#10;AI 生成コンテンツは誤りを含む可能性があります。">
+            <a:extLst>
+              <a:ext uri="{FF2B5EF4-FFF2-40B4-BE49-F238E27FC236}">
+                <a16:creationId xmlns:a16="http://schemas.microsoft.com/office/drawing/2014/main" id="{D9B97EDE-ADAD-A0BB-653C-B2D2642CAC0E}"/>
+              </a:ext>
+            </a:extLst>
+          </p:cNvPr>
+          <p:cNvPicPr>
+            <a:picLocks noChangeAspect="1"/>
+          </p:cNvPicPr>
+          <p:nvPr/>
+        </p:nvPicPr>
+        <p:blipFill>
+          <a:blip r:embed="rId7">
+            <a:extLst>
+              <a:ext uri="{28A0092B-C50C-407E-A947-70E740481C1C}">
+                <a14:useLocalDpi xmlns:a14="http://schemas.microsoft.com/office/drawing/2010/main" val="0"/>
+              </a:ext>
+            </a:extLst>
+          </a:blip>
+          <a:stretch>
+            <a:fillRect/>
+          </a:stretch>
+        </p:blipFill>
+        <p:spPr>
+          <a:xfrm flipH="1">
+            <a:off x="10325025" y="4580517"/>
+            <a:ext cx="1318825" cy="1434812"/>
+          </a:xfrm>
+          <a:prstGeom prst="rect">
+            <a:avLst/>
+          </a:prstGeom>
+        </p:spPr>
+      </p:pic>
+      <p:sp>
+        <p:nvSpPr>
+          <p:cNvPr id="34" name="四角形: 角を丸くする 33">
+            <a:extLst>
+              <a:ext uri="{FF2B5EF4-FFF2-40B4-BE49-F238E27FC236}">
+                <a16:creationId xmlns:a16="http://schemas.microsoft.com/office/drawing/2014/main" id="{19D9DC92-02C2-B648-2682-70F66FDA42FB}"/>
+              </a:ext>
+            </a:extLst>
+          </p:cNvPr>
+          <p:cNvSpPr/>
+          <p:nvPr/>
+        </p:nvSpPr>
+        <p:spPr>
+          <a:xfrm>
+            <a:off x="7747000" y="1358901"/>
+            <a:ext cx="4178300" cy="4838700"/>
+          </a:xfrm>
+          <a:prstGeom prst="roundRect">
+            <a:avLst>
+              <a:gd name="adj" fmla="val 6333"/>
+            </a:avLst>
+          </a:prstGeom>
+          <a:noFill/>
+          <a:ln w="38100" cap="flat" cmpd="sng" algn="ctr">
+            <a:solidFill>
+              <a:schemeClr val="accent4"/>
+            </a:solidFill>
+            <a:prstDash val="solid"/>
+            <a:round/>
+            <a:headEnd type="none" w="med" len="med"/>
+            <a:tailEnd type="none" w="med" len="med"/>
+          </a:ln>
+        </p:spPr>
+        <p:style>
+          <a:lnRef idx="0">
+            <a:scrgbClr r="0" g="0" b="0"/>
+          </a:lnRef>
+          <a:fillRef idx="0">
+            <a:scrgbClr r="0" g="0" b="0"/>
+          </a:fillRef>
+          <a:effectRef idx="0">
+            <a:scrgbClr r="0" g="0" b="0"/>
+          </a:effectRef>
+          <a:fontRef idx="minor">
+            <a:schemeClr val="accent4"/>
+          </a:fontRef>
+        </p:style>
+        <p:txBody>
+          <a:bodyPr rtlCol="0" anchor="t"/>
+          <a:lstStyle/>
+          <a:p>
+            <a:r>
+              <a:rPr kumimoji="1" lang="en-US" altLang="ja-JP" sz="3600" dirty="0">
+                <a:solidFill>
+                  <a:schemeClr val="tx1"/>
+                </a:solidFill>
+              </a:rPr>
+              <a:t>VR</a:t>
+            </a:r>
+            <a:endParaRPr kumimoji="1" lang="ja-JP" altLang="en-US" sz="3600" dirty="0">
+              <a:solidFill>
+                <a:schemeClr val="tx1"/>
+              </a:solidFill>
+            </a:endParaRPr>
+          </a:p>
+        </p:txBody>
+      </p:sp>
+      <p:sp>
+        <p:nvSpPr>
+          <p:cNvPr id="42" name="テキスト ボックス 41">
+            <a:extLst>
+              <a:ext uri="{FF2B5EF4-FFF2-40B4-BE49-F238E27FC236}">
+                <a16:creationId xmlns:a16="http://schemas.microsoft.com/office/drawing/2014/main" id="{0BF80B4A-8F6C-8B62-5E53-956E0F6B264D}"/>
+              </a:ext>
+            </a:extLst>
+          </p:cNvPr>
+          <p:cNvSpPr txBox="1"/>
+          <p:nvPr/>
+        </p:nvSpPr>
+        <p:spPr>
+          <a:xfrm>
+            <a:off x="6603595" y="3846715"/>
+            <a:ext cx="902811" cy="954107"/>
+          </a:xfrm>
+          <a:prstGeom prst="rect">
+            <a:avLst/>
+          </a:prstGeom>
+          <a:noFill/>
+        </p:spPr>
+        <p:txBody>
+          <a:bodyPr wrap="none" rtlCol="0">
+            <a:spAutoFit/>
+          </a:bodyPr>
+          <a:lstStyle/>
+          <a:p>
+            <a:r>
+              <a:rPr lang="ja-JP" altLang="en-US" sz="2800" dirty="0"/>
+              <a:t>武器</a:t>
+            </a:r>
+            <a:br>
+              <a:rPr lang="en-US" altLang="ja-JP" sz="2800" dirty="0"/>
+            </a:br>
+            <a:r>
+              <a:rPr lang="ja-JP" altLang="en-US" sz="2800" dirty="0"/>
+              <a:t>選択</a:t>
+            </a:r>
+            <a:endParaRPr kumimoji="1" lang="ja-JP" altLang="en-US" sz="2800" dirty="0"/>
+          </a:p>
+        </p:txBody>
+      </p:sp>
+      <p:cxnSp>
+        <p:nvCxnSpPr>
+          <p:cNvPr id="44" name="コネクタ: カギ線 43">
+            <a:extLst>
+              <a:ext uri="{FF2B5EF4-FFF2-40B4-BE49-F238E27FC236}">
+                <a16:creationId xmlns:a16="http://schemas.microsoft.com/office/drawing/2014/main" id="{2109F307-0189-61AF-322E-6BBFACC227E7}"/>
+              </a:ext>
+            </a:extLst>
+          </p:cNvPr>
+          <p:cNvCxnSpPr>
+            <a:cxnSpLocks/>
+            <a:stCxn id="27" idx="3"/>
+            <a:endCxn id="33" idx="3"/>
+          </p:cNvCxnSpPr>
+          <p:nvPr/>
+        </p:nvCxnSpPr>
+        <p:spPr>
+          <a:xfrm>
+            <a:off x="9332537" y="3672425"/>
+            <a:ext cx="992488" cy="1625498"/>
+          </a:xfrm>
+          <a:prstGeom prst="bentConnector3">
+            <a:avLst>
+              <a:gd name="adj1" fmla="val 50000"/>
+            </a:avLst>
+          </a:prstGeom>
+          <a:ln w="76200"/>
+        </p:spPr>
+        <p:style>
+          <a:lnRef idx="2">
+            <a:schemeClr val="dk1"/>
+          </a:lnRef>
+          <a:fillRef idx="0">
+            <a:schemeClr val="dk1"/>
+          </a:fillRef>
+          <a:effectRef idx="1">
+            <a:schemeClr val="dk1"/>
+          </a:effectRef>
+          <a:fontRef idx="minor">
+            <a:schemeClr val="tx1"/>
+          </a:fontRef>
+        </p:style>
+      </p:cxnSp>
+      <p:cxnSp>
+        <p:nvCxnSpPr>
+          <p:cNvPr id="47" name="直線コネクタ 46">
+            <a:extLst>
+              <a:ext uri="{FF2B5EF4-FFF2-40B4-BE49-F238E27FC236}">
+                <a16:creationId xmlns:a16="http://schemas.microsoft.com/office/drawing/2014/main" id="{6A40479A-49CF-81AB-296C-72FA47E33E99}"/>
+              </a:ext>
+            </a:extLst>
+          </p:cNvPr>
+          <p:cNvCxnSpPr>
+            <a:stCxn id="27" idx="3"/>
+            <a:endCxn id="31" idx="1"/>
+          </p:cNvCxnSpPr>
+          <p:nvPr/>
+        </p:nvCxnSpPr>
+        <p:spPr>
+          <a:xfrm flipV="1">
+            <a:off x="9332537" y="3668989"/>
+            <a:ext cx="931030" cy="3436"/>
+          </a:xfrm>
+          <a:prstGeom prst="line">
+            <a:avLst/>
+          </a:prstGeom>
+          <a:ln w="76200"/>
+        </p:spPr>
+        <p:style>
+          <a:lnRef idx="2">
+            <a:schemeClr val="dk1"/>
+          </a:lnRef>
+          <a:fillRef idx="0">
+            <a:schemeClr val="dk1"/>
+          </a:fillRef>
+          <a:effectRef idx="1">
+            <a:schemeClr val="dk1"/>
+          </a:effectRef>
+          <a:fontRef idx="minor">
+            <a:schemeClr val="tx1"/>
+          </a:fontRef>
+        </p:style>
+      </p:cxnSp>
+      <p:cxnSp>
+        <p:nvCxnSpPr>
+          <p:cNvPr id="51" name="コネクタ: カギ線 50">
+            <a:extLst>
+              <a:ext uri="{FF2B5EF4-FFF2-40B4-BE49-F238E27FC236}">
+                <a16:creationId xmlns:a16="http://schemas.microsoft.com/office/drawing/2014/main" id="{B2606ACD-EBA4-96C1-952D-E138617C59DE}"/>
+              </a:ext>
+            </a:extLst>
+          </p:cNvPr>
+          <p:cNvCxnSpPr>
+            <a:cxnSpLocks/>
+            <a:stCxn id="27" idx="3"/>
+            <a:endCxn id="29" idx="3"/>
+          </p:cNvCxnSpPr>
+          <p:nvPr/>
+        </p:nvCxnSpPr>
+        <p:spPr>
+          <a:xfrm flipV="1">
+            <a:off x="9332537" y="2285907"/>
+            <a:ext cx="992488" cy="1386518"/>
+          </a:xfrm>
+          <a:prstGeom prst="bentConnector3">
+            <a:avLst>
+              <a:gd name="adj1" fmla="val 50000"/>
+            </a:avLst>
+          </a:prstGeom>
+          <a:ln w="76200"/>
+        </p:spPr>
+        <p:style>
+          <a:lnRef idx="2">
+            <a:schemeClr val="dk1"/>
+          </a:lnRef>
+          <a:fillRef idx="0">
+            <a:schemeClr val="dk1"/>
+          </a:fillRef>
+          <a:effectRef idx="1">
+            <a:schemeClr val="dk1"/>
+          </a:effectRef>
+          <a:fontRef idx="minor">
+            <a:schemeClr val="tx1"/>
+          </a:fontRef>
+        </p:style>
+      </p:cxnSp>
+      <p:sp>
+        <p:nvSpPr>
+          <p:cNvPr id="62" name="正方形/長方形 61">
+            <a:extLst>
+              <a:ext uri="{FF2B5EF4-FFF2-40B4-BE49-F238E27FC236}">
+                <a16:creationId xmlns:a16="http://schemas.microsoft.com/office/drawing/2014/main" id="{09BC1F05-4EC8-65ED-3F59-EF0D04B6A246}"/>
+              </a:ext>
+            </a:extLst>
+          </p:cNvPr>
+          <p:cNvSpPr/>
+          <p:nvPr/>
+        </p:nvSpPr>
+        <p:spPr>
+          <a:xfrm>
+            <a:off x="2946002" y="3935991"/>
+            <a:ext cx="451755" cy="1384996"/>
+          </a:xfrm>
+          <a:prstGeom prst="rect">
+            <a:avLst/>
+          </a:prstGeom>
+        </p:spPr>
+        <p:style>
+          <a:lnRef idx="2">
+            <a:schemeClr val="accent5">
+              <a:shade val="15000"/>
+            </a:schemeClr>
+          </a:lnRef>
+          <a:fillRef idx="1">
+            <a:schemeClr val="accent5"/>
+          </a:fillRef>
+          <a:effectRef idx="0">
+            <a:schemeClr val="accent5"/>
+          </a:effectRef>
+          <a:fontRef idx="minor">
+            <a:schemeClr val="lt1"/>
+          </a:fontRef>
+        </p:style>
+        <p:txBody>
+          <a:bodyPr rtlCol="0" anchor="ctr"/>
+          <a:lstStyle/>
+          <a:p>
+            <a:pPr algn="ctr"/>
+            <a:endParaRPr kumimoji="1" lang="ja-JP" altLang="en-US"/>
+          </a:p>
+        </p:txBody>
+      </p:sp>
+      <p:sp>
+        <p:nvSpPr>
+          <p:cNvPr id="63" name="正方形/長方形 62">
+            <a:extLst>
+              <a:ext uri="{FF2B5EF4-FFF2-40B4-BE49-F238E27FC236}">
+                <a16:creationId xmlns:a16="http://schemas.microsoft.com/office/drawing/2014/main" id="{D8D6957B-2035-9BE1-56E7-FCD0CBDF9F85}"/>
+              </a:ext>
+            </a:extLst>
+          </p:cNvPr>
+          <p:cNvSpPr/>
+          <p:nvPr/>
+        </p:nvSpPr>
+        <p:spPr>
+          <a:xfrm>
+            <a:off x="3010313" y="3924888"/>
+            <a:ext cx="324392" cy="1384996"/>
+          </a:xfrm>
+          <a:prstGeom prst="rect">
+            <a:avLst/>
+          </a:prstGeom>
+        </p:spPr>
+        <p:style>
+          <a:lnRef idx="2">
+            <a:schemeClr val="accent5">
+              <a:shade val="15000"/>
+            </a:schemeClr>
+          </a:lnRef>
+          <a:fillRef idx="1">
+            <a:schemeClr val="accent5"/>
+          </a:fillRef>
+          <a:effectRef idx="0">
+            <a:schemeClr val="accent5"/>
+          </a:effectRef>
+          <a:fontRef idx="minor">
+            <a:schemeClr val="lt1"/>
+          </a:fontRef>
+        </p:style>
+        <p:txBody>
+          <a:bodyPr rtlCol="0" anchor="ctr"/>
+          <a:lstStyle/>
+          <a:p>
+            <a:pPr algn="ctr"/>
+            <a:endParaRPr kumimoji="1" lang="ja-JP" altLang="en-US"/>
+          </a:p>
+        </p:txBody>
+      </p:sp>
+      <p:sp>
+        <p:nvSpPr>
+          <p:cNvPr id="64" name="テキスト ボックス 63">
+            <a:extLst>
+              <a:ext uri="{FF2B5EF4-FFF2-40B4-BE49-F238E27FC236}">
+                <a16:creationId xmlns:a16="http://schemas.microsoft.com/office/drawing/2014/main" id="{3F61255E-8271-45DC-1450-A6DFB81E5042}"/>
+              </a:ext>
+            </a:extLst>
+          </p:cNvPr>
+          <p:cNvSpPr txBox="1"/>
+          <p:nvPr/>
+        </p:nvSpPr>
+        <p:spPr>
+          <a:xfrm>
+            <a:off x="6603595" y="3260450"/>
+            <a:ext cx="902811" cy="523220"/>
+          </a:xfrm>
+          <a:prstGeom prst="rect">
+            <a:avLst/>
+          </a:prstGeom>
+          <a:noFill/>
+        </p:spPr>
+        <p:txBody>
+          <a:bodyPr wrap="none" rtlCol="0">
+            <a:spAutoFit/>
+          </a:bodyPr>
+          <a:lstStyle/>
+          <a:p>
+            <a:r>
+              <a:rPr kumimoji="1" lang="ja-JP" altLang="en-US" sz="2800" dirty="0"/>
+              <a:t>出力</a:t>
+            </a:r>
+          </a:p>
+        </p:txBody>
+      </p:sp>
+      <p:sp>
+        <p:nvSpPr>
+          <p:cNvPr id="65" name="テキスト ボックス 64">
+            <a:extLst>
+              <a:ext uri="{FF2B5EF4-FFF2-40B4-BE49-F238E27FC236}">
+                <a16:creationId xmlns:a16="http://schemas.microsoft.com/office/drawing/2014/main" id="{E5326563-0228-E64F-FF49-2B7BE3F7B852}"/>
+              </a:ext>
+            </a:extLst>
+          </p:cNvPr>
+          <p:cNvSpPr txBox="1"/>
+          <p:nvPr/>
+        </p:nvSpPr>
+        <p:spPr>
+          <a:xfrm>
+            <a:off x="5572575" y="4277602"/>
+            <a:ext cx="561372" cy="523220"/>
+          </a:xfrm>
+          <a:prstGeom prst="rect">
+            <a:avLst/>
+          </a:prstGeom>
+          <a:noFill/>
+        </p:spPr>
+        <p:txBody>
+          <a:bodyPr wrap="none" rtlCol="0">
+            <a:spAutoFit/>
+          </a:bodyPr>
+          <a:lstStyle/>
+          <a:p>
+            <a:r>
+              <a:rPr lang="en-US" altLang="ja-JP" sz="2800" dirty="0"/>
+              <a:t>PC</a:t>
+            </a:r>
+            <a:endParaRPr kumimoji="1" lang="ja-JP" altLang="en-US" sz="2800" dirty="0"/>
+          </a:p>
+        </p:txBody>
+      </p:sp>
+      <p:pic>
+        <p:nvPicPr>
+          <p:cNvPr id="67" name="図 66" descr="図形&#10;&#10;AI 生成コンテンツは誤りを含む可能性があります。">
+            <a:extLst>
+              <a:ext uri="{FF2B5EF4-FFF2-40B4-BE49-F238E27FC236}">
+                <a16:creationId xmlns:a16="http://schemas.microsoft.com/office/drawing/2014/main" id="{5C19FC4E-431D-300D-C38E-507405FFDB26}"/>
+              </a:ext>
+            </a:extLst>
+          </p:cNvPr>
+          <p:cNvPicPr>
+            <a:picLocks noChangeAspect="1"/>
+          </p:cNvPicPr>
+          <p:nvPr/>
+        </p:nvPicPr>
+        <p:blipFill>
+          <a:blip r:embed="rId8">
+            <a:extLst>
+              <a:ext uri="{28A0092B-C50C-407E-A947-70E740481C1C}">
+                <a14:useLocalDpi xmlns:a14="http://schemas.microsoft.com/office/drawing/2010/main" val="0"/>
+              </a:ext>
+            </a:extLst>
+          </a:blip>
+          <a:stretch>
+            <a:fillRect/>
+          </a:stretch>
+        </p:blipFill>
+        <p:spPr>
+          <a:xfrm>
+            <a:off x="1341079" y="2406858"/>
+            <a:ext cx="781618" cy="520985"/>
+          </a:xfrm>
+          <a:prstGeom prst="rect">
+            <a:avLst/>
+          </a:prstGeom>
+        </p:spPr>
+      </p:pic>
+      <p:sp>
+        <p:nvSpPr>
+          <p:cNvPr id="68" name="正方形/長方形 67">
+            <a:extLst>
+              <a:ext uri="{FF2B5EF4-FFF2-40B4-BE49-F238E27FC236}">
+                <a16:creationId xmlns:a16="http://schemas.microsoft.com/office/drawing/2014/main" id="{DA69413A-99D3-717D-BAD7-CAD35E2D01ED}"/>
+              </a:ext>
+            </a:extLst>
+          </p:cNvPr>
+          <p:cNvSpPr/>
+          <p:nvPr/>
+        </p:nvSpPr>
+        <p:spPr>
+          <a:xfrm>
+            <a:off x="2330206" y="1988162"/>
+            <a:ext cx="1149454" cy="442436"/>
+          </a:xfrm>
+          <a:prstGeom prst="rect">
+            <a:avLst/>
+          </a:prstGeom>
+          <a:ln w="38100"/>
+        </p:spPr>
+        <p:style>
+          <a:lnRef idx="2">
+            <a:schemeClr val="dk1"/>
+          </a:lnRef>
+          <a:fillRef idx="1">
+            <a:schemeClr val="lt1"/>
+          </a:fillRef>
+          <a:effectRef idx="0">
+            <a:schemeClr val="dk1"/>
+          </a:effectRef>
+          <a:fontRef idx="minor">
+            <a:schemeClr val="dk1"/>
+          </a:fontRef>
+        </p:style>
+        <p:txBody>
+          <a:bodyPr rtlCol="0" anchor="ctr"/>
+          <a:lstStyle/>
+          <a:p>
+            <a:pPr algn="ctr"/>
+            <a:r>
+              <a:rPr kumimoji="1" lang="en-US" altLang="ja-JP" sz="3200" dirty="0"/>
+              <a:t>HMD</a:t>
+            </a:r>
+            <a:endParaRPr kumimoji="1" lang="ja-JP" altLang="en-US" sz="3200" dirty="0"/>
+          </a:p>
+        </p:txBody>
+      </p:sp>
+      <p:cxnSp>
+        <p:nvCxnSpPr>
+          <p:cNvPr id="70" name="直線コネクタ 69">
+            <a:extLst>
+              <a:ext uri="{FF2B5EF4-FFF2-40B4-BE49-F238E27FC236}">
+                <a16:creationId xmlns:a16="http://schemas.microsoft.com/office/drawing/2014/main" id="{F486AC18-80A9-8DEF-A3AF-4D269887636E}"/>
+              </a:ext>
+            </a:extLst>
+          </p:cNvPr>
+          <p:cNvCxnSpPr>
+            <a:stCxn id="68" idx="1"/>
+            <a:endCxn id="67" idx="0"/>
+          </p:cNvCxnSpPr>
+          <p:nvPr/>
+        </p:nvCxnSpPr>
+        <p:spPr>
+          <a:xfrm flipH="1">
+            <a:off x="1731888" y="2209380"/>
+            <a:ext cx="598318" cy="197478"/>
+          </a:xfrm>
+          <a:prstGeom prst="line">
+            <a:avLst/>
+          </a:prstGeom>
+          <a:ln w="28575"/>
+        </p:spPr>
+        <p:style>
+          <a:lnRef idx="2">
+            <a:schemeClr val="dk1"/>
+          </a:lnRef>
+          <a:fillRef idx="0">
+            <a:schemeClr val="dk1"/>
+          </a:fillRef>
+          <a:effectRef idx="1">
+            <a:schemeClr val="dk1"/>
+          </a:effectRef>
+          <a:fontRef idx="minor">
+            <a:schemeClr val="tx1"/>
+          </a:fontRef>
+        </p:style>
+      </p:cxnSp>
+      <p:sp>
+        <p:nvSpPr>
+          <p:cNvPr id="3" name="テキスト ボックス 2">
+            <a:extLst>
+              <a:ext uri="{FF2B5EF4-FFF2-40B4-BE49-F238E27FC236}">
+                <a16:creationId xmlns:a16="http://schemas.microsoft.com/office/drawing/2014/main" id="{CFC64977-F696-5833-B047-C78BCE225FA9}"/>
+              </a:ext>
+            </a:extLst>
+          </p:cNvPr>
+          <p:cNvSpPr txBox="1"/>
+          <p:nvPr/>
+        </p:nvSpPr>
+        <p:spPr>
+          <a:xfrm>
+            <a:off x="9291243" y="1939734"/>
+            <a:ext cx="437321" cy="523220"/>
+          </a:xfrm>
+          <a:prstGeom prst="rect">
+            <a:avLst/>
+          </a:prstGeom>
+          <a:noFill/>
+        </p:spPr>
+        <p:txBody>
+          <a:bodyPr wrap="square" rtlCol="0">
+            <a:spAutoFit/>
+          </a:bodyPr>
+          <a:lstStyle/>
+          <a:p>
+            <a:r>
+              <a:rPr kumimoji="1" lang="ja-JP" altLang="en-US" sz="2800" dirty="0"/>
+              <a:t>①</a:t>
+            </a:r>
+          </a:p>
+        </p:txBody>
+      </p:sp>
+      <p:sp>
+        <p:nvSpPr>
+          <p:cNvPr id="17" name="テキスト ボックス 16">
+            <a:extLst>
+              <a:ext uri="{FF2B5EF4-FFF2-40B4-BE49-F238E27FC236}">
+                <a16:creationId xmlns:a16="http://schemas.microsoft.com/office/drawing/2014/main" id="{D9E932E0-1052-3C21-843A-491F3FA5AB7C}"/>
+              </a:ext>
+            </a:extLst>
+          </p:cNvPr>
+          <p:cNvSpPr txBox="1"/>
+          <p:nvPr/>
+        </p:nvSpPr>
+        <p:spPr>
+          <a:xfrm>
+            <a:off x="9304210" y="3179332"/>
+            <a:ext cx="437321" cy="523220"/>
+          </a:xfrm>
+          <a:prstGeom prst="rect">
+            <a:avLst/>
+          </a:prstGeom>
+          <a:noFill/>
+        </p:spPr>
+        <p:txBody>
+          <a:bodyPr wrap="square" rtlCol="0">
+            <a:spAutoFit/>
+          </a:bodyPr>
+          <a:lstStyle/>
+          <a:p>
+            <a:r>
+              <a:rPr lang="ja-JP" altLang="en-US" sz="2800" dirty="0"/>
+              <a:t>②</a:t>
+            </a:r>
+            <a:endParaRPr kumimoji="1" lang="ja-JP" altLang="en-US" sz="2800" dirty="0"/>
+          </a:p>
+        </p:txBody>
+      </p:sp>
+      <p:sp>
+        <p:nvSpPr>
+          <p:cNvPr id="18" name="テキスト ボックス 17">
+            <a:extLst>
+              <a:ext uri="{FF2B5EF4-FFF2-40B4-BE49-F238E27FC236}">
+                <a16:creationId xmlns:a16="http://schemas.microsoft.com/office/drawing/2014/main" id="{D0EAD1F6-079B-C670-110B-1A125DFF850C}"/>
+              </a:ext>
+            </a:extLst>
+          </p:cNvPr>
+          <p:cNvSpPr txBox="1"/>
+          <p:nvPr/>
+        </p:nvSpPr>
+        <p:spPr>
+          <a:xfrm>
+            <a:off x="9291243" y="4868209"/>
+            <a:ext cx="437321" cy="523220"/>
+          </a:xfrm>
+          <a:prstGeom prst="rect">
+            <a:avLst/>
+          </a:prstGeom>
+          <a:noFill/>
+        </p:spPr>
+        <p:txBody>
+          <a:bodyPr wrap="square" rtlCol="0">
+            <a:spAutoFit/>
+          </a:bodyPr>
+          <a:lstStyle/>
+          <a:p>
+            <a:r>
+              <a:rPr kumimoji="1" lang="ja-JP" altLang="en-US" sz="2800" dirty="0"/>
+              <a:t>③</a:t>
+            </a:r>
+          </a:p>
+        </p:txBody>
+      </p:sp>
+      <p:sp>
+        <p:nvSpPr>
+          <p:cNvPr id="21" name="テキスト ボックス 20">
+            <a:extLst>
+              <a:ext uri="{FF2B5EF4-FFF2-40B4-BE49-F238E27FC236}">
+                <a16:creationId xmlns:a16="http://schemas.microsoft.com/office/drawing/2014/main" id="{8FF585E0-8ECF-601B-9518-4307CE1FEC2D}"/>
+              </a:ext>
+            </a:extLst>
+          </p:cNvPr>
+          <p:cNvSpPr txBox="1"/>
+          <p:nvPr/>
+        </p:nvSpPr>
+        <p:spPr>
+          <a:xfrm>
+            <a:off x="2933444" y="3263302"/>
+            <a:ext cx="437321" cy="523220"/>
+          </a:xfrm>
+          <a:prstGeom prst="rect">
+            <a:avLst/>
+          </a:prstGeom>
+          <a:noFill/>
+        </p:spPr>
+        <p:txBody>
+          <a:bodyPr wrap="square" rtlCol="0">
+            <a:spAutoFit/>
+          </a:bodyPr>
+          <a:lstStyle/>
+          <a:p>
+            <a:r>
+              <a:rPr kumimoji="1" lang="ja-JP" altLang="en-US" sz="2800" dirty="0"/>
+              <a:t>①</a:t>
+            </a:r>
+          </a:p>
+        </p:txBody>
+      </p:sp>
+      <p:sp>
+        <p:nvSpPr>
+          <p:cNvPr id="25" name="テキスト ボックス 24">
+            <a:extLst>
+              <a:ext uri="{FF2B5EF4-FFF2-40B4-BE49-F238E27FC236}">
+                <a16:creationId xmlns:a16="http://schemas.microsoft.com/office/drawing/2014/main" id="{87297CF9-6265-56E6-B593-71392375155A}"/>
+              </a:ext>
+            </a:extLst>
+          </p:cNvPr>
+          <p:cNvSpPr txBox="1"/>
+          <p:nvPr/>
+        </p:nvSpPr>
+        <p:spPr>
+          <a:xfrm>
+            <a:off x="2936191" y="3249635"/>
+            <a:ext cx="437321" cy="523220"/>
+          </a:xfrm>
+          <a:prstGeom prst="rect">
+            <a:avLst/>
+          </a:prstGeom>
+          <a:noFill/>
+        </p:spPr>
+        <p:txBody>
+          <a:bodyPr wrap="square" rtlCol="0">
+            <a:spAutoFit/>
+          </a:bodyPr>
+          <a:lstStyle/>
+          <a:p>
+            <a:r>
+              <a:rPr lang="ja-JP" altLang="en-US" sz="2800" dirty="0"/>
+              <a:t>②</a:t>
+            </a:r>
+            <a:endParaRPr kumimoji="1" lang="ja-JP" altLang="en-US" sz="2800" dirty="0"/>
+          </a:p>
+        </p:txBody>
+      </p:sp>
+      <p:sp>
+        <p:nvSpPr>
+          <p:cNvPr id="26" name="テキスト ボックス 25">
+            <a:extLst>
+              <a:ext uri="{FF2B5EF4-FFF2-40B4-BE49-F238E27FC236}">
+                <a16:creationId xmlns:a16="http://schemas.microsoft.com/office/drawing/2014/main" id="{0C21B538-FFCB-7A01-D309-E07629524B25}"/>
+              </a:ext>
+            </a:extLst>
+          </p:cNvPr>
+          <p:cNvSpPr txBox="1"/>
+          <p:nvPr/>
+        </p:nvSpPr>
+        <p:spPr>
+          <a:xfrm>
+            <a:off x="2924459" y="3260450"/>
+            <a:ext cx="437321" cy="523220"/>
+          </a:xfrm>
+          <a:prstGeom prst="rect">
+            <a:avLst/>
+          </a:prstGeom>
+          <a:noFill/>
+        </p:spPr>
+        <p:txBody>
+          <a:bodyPr wrap="square" rtlCol="0">
+            <a:spAutoFit/>
+          </a:bodyPr>
+          <a:lstStyle/>
+          <a:p>
+            <a:r>
+              <a:rPr kumimoji="1" lang="ja-JP" altLang="en-US" sz="2800" dirty="0"/>
+              <a:t>③</a:t>
+            </a:r>
+          </a:p>
+        </p:txBody>
+      </p:sp>
+      <p:cxnSp>
+        <p:nvCxnSpPr>
+          <p:cNvPr id="32" name="直線矢印コネクタ 31">
+            <a:extLst>
+              <a:ext uri="{FF2B5EF4-FFF2-40B4-BE49-F238E27FC236}">
+                <a16:creationId xmlns:a16="http://schemas.microsoft.com/office/drawing/2014/main" id="{C2CCE458-236E-D20B-02D6-5EC8CB460EAE}"/>
+              </a:ext>
+            </a:extLst>
+          </p:cNvPr>
+          <p:cNvCxnSpPr>
+            <a:endCxn id="34" idx="1"/>
+          </p:cNvCxnSpPr>
+          <p:nvPr/>
+        </p:nvCxnSpPr>
+        <p:spPr>
+          <a:xfrm flipV="1">
+            <a:off x="6280030" y="3778251"/>
+            <a:ext cx="1466970" cy="12723"/>
+          </a:xfrm>
+          <a:prstGeom prst="straightConnector1">
+            <a:avLst/>
+          </a:prstGeom>
+          <a:ln w="57150" cap="flat" cmpd="sng" algn="ctr">
+            <a:solidFill>
+              <a:schemeClr val="dk1"/>
+            </a:solidFill>
+            <a:prstDash val="solid"/>
+            <a:round/>
+            <a:headEnd type="none" w="med" len="med"/>
+            <a:tailEnd type="arrow" w="med" len="med"/>
+          </a:ln>
+        </p:spPr>
+        <p:style>
+          <a:lnRef idx="0">
+            <a:scrgbClr r="0" g="0" b="0"/>
+          </a:lnRef>
+          <a:fillRef idx="0">
+            <a:scrgbClr r="0" g="0" b="0"/>
+          </a:fillRef>
+          <a:effectRef idx="0">
+            <a:scrgbClr r="0" g="0" b="0"/>
+          </a:effectRef>
+          <a:fontRef idx="minor">
+            <a:schemeClr val="tx1"/>
+          </a:fontRef>
+        </p:style>
+      </p:cxnSp>
+    </p:spTree>
+    <p:extLst>
+      <p:ext uri="{BB962C8B-B14F-4D97-AF65-F5344CB8AC3E}">
+        <p14:creationId xmlns:p14="http://schemas.microsoft.com/office/powerpoint/2010/main" val="441778733"/>
+      </p:ext>
+    </p:extLst>
+  </p:cSld>
+  <p:clrMapOvr>
+    <a:masterClrMapping/>
+  </p:clrMapOvr>
+  <p:timing>
+    <p:tnLst>
+      <p:par>
+        <p:cTn id="1" dur="indefinite" restart="never" nodeType="tmRoot">
+          <p:childTnLst>
+            <p:seq concurrent="1" nextAc="seek">
+              <p:cTn id="2" dur="indefinite" nodeType="mainSeq">
+                <p:childTnLst>
+                  <p:par>
+                    <p:cTn id="3" fill="hold">
+                      <p:stCondLst>
+                        <p:cond delay="indefinite"/>
+                      </p:stCondLst>
+                      <p:childTnLst>
+                        <p:par>
+                          <p:cTn id="4" fill="hold">
+                            <p:stCondLst>
+                              <p:cond delay="0"/>
+                            </p:stCondLst>
+                            <p:childTnLst>
+                              <p:par>
+                                <p:cTn id="5" presetID="10" presetClass="entr" presetSubtype="0" fill="hold" nodeType="clickEffect">
+                                  <p:stCondLst>
+                                    <p:cond delay="0"/>
+                                  </p:stCondLst>
+                                  <p:childTnLst>
+                                    <p:set>
+                                      <p:cBhvr>
+                                        <p:cTn id="6" dur="1" fill="hold">
+                                          <p:stCondLst>
+                                            <p:cond delay="0"/>
+                                          </p:stCondLst>
+                                        </p:cTn>
+                                        <p:tgtEl>
+                                          <p:spTgt spid="51"/>
+                                        </p:tgtEl>
+                                        <p:attrNameLst>
+                                          <p:attrName>style.visibility</p:attrName>
+                                        </p:attrNameLst>
+                                      </p:cBhvr>
+                                      <p:to>
+                                        <p:strVal val="visible"/>
+                                      </p:to>
+                                    </p:set>
+                                    <p:animEffect transition="in" filter="fade">
+                                      <p:cBhvr>
+                                        <p:cTn id="7" dur="500"/>
+                                        <p:tgtEl>
+                                          <p:spTgt spid="51"/>
+                                        </p:tgtEl>
+                                      </p:cBhvr>
+                                    </p:animEffect>
+                                  </p:childTnLst>
+                                </p:cTn>
+                              </p:par>
+                              <p:par>
+                                <p:cTn id="8" presetID="10" presetClass="entr" presetSubtype="0" fill="hold" grpId="0" nodeType="withEffect">
+                                  <p:stCondLst>
+                                    <p:cond delay="0"/>
+                                  </p:stCondLst>
+                                  <p:childTnLst>
+                                    <p:set>
+                                      <p:cBhvr>
+                                        <p:cTn id="9" dur="1" fill="hold">
+                                          <p:stCondLst>
+                                            <p:cond delay="0"/>
+                                          </p:stCondLst>
+                                        </p:cTn>
+                                        <p:tgtEl>
+                                          <p:spTgt spid="3"/>
+                                        </p:tgtEl>
+                                        <p:attrNameLst>
+                                          <p:attrName>style.visibility</p:attrName>
+                                        </p:attrNameLst>
+                                      </p:cBhvr>
+                                      <p:to>
+                                        <p:strVal val="visible"/>
+                                      </p:to>
+                                    </p:set>
+                                    <p:animEffect transition="in" filter="fade">
+                                      <p:cBhvr>
+                                        <p:cTn id="10" dur="500"/>
+                                        <p:tgtEl>
+                                          <p:spTgt spid="3"/>
+                                        </p:tgtEl>
+                                      </p:cBhvr>
+                                    </p:animEffect>
+                                  </p:childTnLst>
+                                </p:cTn>
+                              </p:par>
+                              <p:par>
+                                <p:cTn id="11" presetID="10" presetClass="entr" presetSubtype="0" fill="hold" grpId="2" nodeType="withEffect">
+                                  <p:stCondLst>
+                                    <p:cond delay="0"/>
+                                  </p:stCondLst>
+                                  <p:childTnLst>
+                                    <p:set>
+                                      <p:cBhvr>
+                                        <p:cTn id="12" dur="1" fill="hold">
+                                          <p:stCondLst>
+                                            <p:cond delay="0"/>
+                                          </p:stCondLst>
+                                        </p:cTn>
+                                        <p:tgtEl>
+                                          <p:spTgt spid="21"/>
+                                        </p:tgtEl>
+                                        <p:attrNameLst>
+                                          <p:attrName>style.visibility</p:attrName>
+                                        </p:attrNameLst>
+                                      </p:cBhvr>
+                                      <p:to>
+                                        <p:strVal val="visible"/>
+                                      </p:to>
+                                    </p:set>
+                                    <p:animEffect transition="in" filter="fade">
+                                      <p:cBhvr>
+                                        <p:cTn id="13" dur="500"/>
+                                        <p:tgtEl>
+                                          <p:spTgt spid="21"/>
+                                        </p:tgtEl>
+                                      </p:cBhvr>
+                                    </p:animEffect>
+                                  </p:childTnLst>
+                                </p:cTn>
+                              </p:par>
+                            </p:childTnLst>
+                          </p:cTn>
+                        </p:par>
+                      </p:childTnLst>
+                    </p:cTn>
+                  </p:par>
+                  <p:par>
+                    <p:cTn id="14" fill="hold">
+                      <p:stCondLst>
+                        <p:cond delay="indefinite"/>
+                      </p:stCondLst>
+                      <p:childTnLst>
+                        <p:par>
+                          <p:cTn id="15" fill="hold">
+                            <p:stCondLst>
+                              <p:cond delay="0"/>
+                            </p:stCondLst>
+                            <p:childTnLst>
+                              <p:par>
+                                <p:cTn id="16" presetID="10" presetClass="exit" presetSubtype="0" fill="hold" grpId="0" nodeType="clickEffect">
+                                  <p:stCondLst>
+                                    <p:cond delay="0"/>
+                                  </p:stCondLst>
+                                  <p:childTnLst>
+                                    <p:animEffect transition="out" filter="fade">
+                                      <p:cBhvr>
+                                        <p:cTn id="17" dur="500"/>
+                                        <p:tgtEl>
+                                          <p:spTgt spid="5"/>
+                                        </p:tgtEl>
+                                      </p:cBhvr>
+                                    </p:animEffect>
+                                    <p:set>
+                                      <p:cBhvr>
+                                        <p:cTn id="18" dur="1" fill="hold">
+                                          <p:stCondLst>
+                                            <p:cond delay="499"/>
+                                          </p:stCondLst>
+                                        </p:cTn>
+                                        <p:tgtEl>
+                                          <p:spTgt spid="5"/>
+                                        </p:tgtEl>
+                                        <p:attrNameLst>
+                                          <p:attrName>style.visibility</p:attrName>
+                                        </p:attrNameLst>
+                                      </p:cBhvr>
+                                      <p:to>
+                                        <p:strVal val="hidden"/>
+                                      </p:to>
+                                    </p:set>
+                                  </p:childTnLst>
+                                </p:cTn>
+                              </p:par>
+                              <p:par>
+                                <p:cTn id="19" presetID="10" presetClass="exit" presetSubtype="0" fill="hold" nodeType="withEffect">
+                                  <p:stCondLst>
+                                    <p:cond delay="0"/>
+                                  </p:stCondLst>
+                                  <p:childTnLst>
+                                    <p:animEffect transition="out" filter="fade">
+                                      <p:cBhvr>
+                                        <p:cTn id="20" dur="500"/>
+                                        <p:tgtEl>
+                                          <p:spTgt spid="51"/>
+                                        </p:tgtEl>
+                                      </p:cBhvr>
+                                    </p:animEffect>
+                                    <p:set>
+                                      <p:cBhvr>
+                                        <p:cTn id="21" dur="1" fill="hold">
+                                          <p:stCondLst>
+                                            <p:cond delay="499"/>
+                                          </p:stCondLst>
+                                        </p:cTn>
+                                        <p:tgtEl>
+                                          <p:spTgt spid="51"/>
+                                        </p:tgtEl>
+                                        <p:attrNameLst>
+                                          <p:attrName>style.visibility</p:attrName>
+                                        </p:attrNameLst>
+                                      </p:cBhvr>
+                                      <p:to>
+                                        <p:strVal val="hidden"/>
+                                      </p:to>
+                                    </p:set>
+                                  </p:childTnLst>
+                                </p:cTn>
+                              </p:par>
+                              <p:par>
+                                <p:cTn id="22" presetID="10" presetClass="exit" presetSubtype="0" fill="hold" grpId="1" nodeType="withEffect">
+                                  <p:stCondLst>
+                                    <p:cond delay="0"/>
+                                  </p:stCondLst>
+                                  <p:childTnLst>
+                                    <p:animEffect transition="out" filter="fade">
+                                      <p:cBhvr>
+                                        <p:cTn id="23" dur="500"/>
+                                        <p:tgtEl>
+                                          <p:spTgt spid="21"/>
+                                        </p:tgtEl>
+                                      </p:cBhvr>
+                                    </p:animEffect>
+                                    <p:set>
+                                      <p:cBhvr>
+                                        <p:cTn id="24" dur="1" fill="hold">
+                                          <p:stCondLst>
+                                            <p:cond delay="499"/>
+                                          </p:stCondLst>
+                                        </p:cTn>
+                                        <p:tgtEl>
+                                          <p:spTgt spid="21"/>
+                                        </p:tgtEl>
+                                        <p:attrNameLst>
+                                          <p:attrName>style.visibility</p:attrName>
+                                        </p:attrNameLst>
+                                      </p:cBhvr>
+                                      <p:to>
+                                        <p:strVal val="hidden"/>
+                                      </p:to>
+                                    </p:set>
+                                  </p:childTnLst>
+                                </p:cTn>
+                              </p:par>
+                              <p:par>
+                                <p:cTn id="25" presetID="10" presetClass="exit" presetSubtype="0" fill="hold" grpId="1" nodeType="withEffect">
+                                  <p:stCondLst>
+                                    <p:cond delay="0"/>
+                                  </p:stCondLst>
+                                  <p:childTnLst>
+                                    <p:animEffect transition="out" filter="fade">
+                                      <p:cBhvr>
+                                        <p:cTn id="26" dur="500"/>
+                                        <p:tgtEl>
+                                          <p:spTgt spid="3"/>
+                                        </p:tgtEl>
+                                      </p:cBhvr>
+                                    </p:animEffect>
+                                    <p:set>
+                                      <p:cBhvr>
+                                        <p:cTn id="27" dur="1" fill="hold">
+                                          <p:stCondLst>
+                                            <p:cond delay="499"/>
+                                          </p:stCondLst>
+                                        </p:cTn>
+                                        <p:tgtEl>
+                                          <p:spTgt spid="3"/>
+                                        </p:tgtEl>
+                                        <p:attrNameLst>
+                                          <p:attrName>style.visibility</p:attrName>
+                                        </p:attrNameLst>
+                                      </p:cBhvr>
+                                      <p:to>
+                                        <p:strVal val="hidden"/>
+                                      </p:to>
+                                    </p:set>
+                                  </p:childTnLst>
+                                </p:cTn>
+                              </p:par>
+                              <p:par>
+                                <p:cTn id="28" presetID="10" presetClass="entr" presetSubtype="0" fill="hold" grpId="0" nodeType="withEffect">
+                                  <p:stCondLst>
+                                    <p:cond delay="0"/>
+                                  </p:stCondLst>
+                                  <p:childTnLst>
+                                    <p:set>
+                                      <p:cBhvr>
+                                        <p:cTn id="29" dur="1" fill="hold">
+                                          <p:stCondLst>
+                                            <p:cond delay="0"/>
+                                          </p:stCondLst>
+                                        </p:cTn>
+                                        <p:tgtEl>
+                                          <p:spTgt spid="62"/>
+                                        </p:tgtEl>
+                                        <p:attrNameLst>
+                                          <p:attrName>style.visibility</p:attrName>
+                                        </p:attrNameLst>
+                                      </p:cBhvr>
+                                      <p:to>
+                                        <p:strVal val="visible"/>
+                                      </p:to>
+                                    </p:set>
+                                    <p:animEffect transition="in" filter="fade">
+                                      <p:cBhvr>
+                                        <p:cTn id="30" dur="500"/>
+                                        <p:tgtEl>
+                                          <p:spTgt spid="62"/>
+                                        </p:tgtEl>
+                                      </p:cBhvr>
+                                    </p:animEffect>
+                                  </p:childTnLst>
+                                </p:cTn>
+                              </p:par>
+                              <p:par>
+                                <p:cTn id="31" presetID="10" presetClass="entr" presetSubtype="0" fill="hold" nodeType="withEffect">
+                                  <p:stCondLst>
+                                    <p:cond delay="0"/>
+                                  </p:stCondLst>
+                                  <p:childTnLst>
+                                    <p:set>
+                                      <p:cBhvr>
+                                        <p:cTn id="32" dur="1" fill="hold">
+                                          <p:stCondLst>
+                                            <p:cond delay="0"/>
+                                          </p:stCondLst>
+                                        </p:cTn>
+                                        <p:tgtEl>
+                                          <p:spTgt spid="47"/>
+                                        </p:tgtEl>
+                                        <p:attrNameLst>
+                                          <p:attrName>style.visibility</p:attrName>
+                                        </p:attrNameLst>
+                                      </p:cBhvr>
+                                      <p:to>
+                                        <p:strVal val="visible"/>
+                                      </p:to>
+                                    </p:set>
+                                    <p:animEffect transition="in" filter="fade">
+                                      <p:cBhvr>
+                                        <p:cTn id="33" dur="500"/>
+                                        <p:tgtEl>
+                                          <p:spTgt spid="47"/>
+                                        </p:tgtEl>
+                                      </p:cBhvr>
+                                    </p:animEffect>
+                                  </p:childTnLst>
+                                </p:cTn>
+                              </p:par>
+                              <p:par>
+                                <p:cTn id="34" presetID="10" presetClass="entr" presetSubtype="0" fill="hold" grpId="0" nodeType="withEffect">
+                                  <p:stCondLst>
+                                    <p:cond delay="0"/>
+                                  </p:stCondLst>
+                                  <p:childTnLst>
+                                    <p:set>
+                                      <p:cBhvr>
+                                        <p:cTn id="35" dur="1" fill="hold">
+                                          <p:stCondLst>
+                                            <p:cond delay="0"/>
+                                          </p:stCondLst>
+                                        </p:cTn>
+                                        <p:tgtEl>
+                                          <p:spTgt spid="17"/>
+                                        </p:tgtEl>
+                                        <p:attrNameLst>
+                                          <p:attrName>style.visibility</p:attrName>
+                                        </p:attrNameLst>
+                                      </p:cBhvr>
+                                      <p:to>
+                                        <p:strVal val="visible"/>
+                                      </p:to>
+                                    </p:set>
+                                    <p:animEffect transition="in" filter="fade">
+                                      <p:cBhvr>
+                                        <p:cTn id="36" dur="500"/>
+                                        <p:tgtEl>
+                                          <p:spTgt spid="17"/>
+                                        </p:tgtEl>
+                                      </p:cBhvr>
+                                    </p:animEffect>
+                                  </p:childTnLst>
+                                </p:cTn>
+                              </p:par>
+                              <p:par>
+                                <p:cTn id="37" presetID="10" presetClass="entr" presetSubtype="0" fill="hold" grpId="0" nodeType="withEffect">
+                                  <p:stCondLst>
+                                    <p:cond delay="0"/>
+                                  </p:stCondLst>
+                                  <p:childTnLst>
+                                    <p:set>
+                                      <p:cBhvr>
+                                        <p:cTn id="38" dur="1" fill="hold">
+                                          <p:stCondLst>
+                                            <p:cond delay="0"/>
+                                          </p:stCondLst>
+                                        </p:cTn>
+                                        <p:tgtEl>
+                                          <p:spTgt spid="25"/>
+                                        </p:tgtEl>
+                                        <p:attrNameLst>
+                                          <p:attrName>style.visibility</p:attrName>
+                                        </p:attrNameLst>
+                                      </p:cBhvr>
+                                      <p:to>
+                                        <p:strVal val="visible"/>
+                                      </p:to>
+                                    </p:set>
+                                    <p:animEffect transition="in" filter="fade">
+                                      <p:cBhvr>
+                                        <p:cTn id="39" dur="500"/>
+                                        <p:tgtEl>
+                                          <p:spTgt spid="25"/>
+                                        </p:tgtEl>
+                                      </p:cBhvr>
+                                    </p:animEffect>
+                                  </p:childTnLst>
+                                </p:cTn>
+                              </p:par>
+                            </p:childTnLst>
+                          </p:cTn>
+                        </p:par>
+                      </p:childTnLst>
+                    </p:cTn>
+                  </p:par>
+                  <p:par>
+                    <p:cTn id="40" fill="hold">
+                      <p:stCondLst>
+                        <p:cond delay="indefinite"/>
+                      </p:stCondLst>
+                      <p:childTnLst>
+                        <p:par>
+                          <p:cTn id="41" fill="hold">
+                            <p:stCondLst>
+                              <p:cond delay="0"/>
+                            </p:stCondLst>
+                            <p:childTnLst>
+                              <p:par>
+                                <p:cTn id="42" presetID="10" presetClass="exit" presetSubtype="0" fill="hold" grpId="1" nodeType="clickEffect">
+                                  <p:stCondLst>
+                                    <p:cond delay="0"/>
+                                  </p:stCondLst>
+                                  <p:childTnLst>
+                                    <p:animEffect transition="out" filter="fade">
+                                      <p:cBhvr>
+                                        <p:cTn id="43" dur="500"/>
+                                        <p:tgtEl>
+                                          <p:spTgt spid="62"/>
+                                        </p:tgtEl>
+                                      </p:cBhvr>
+                                    </p:animEffect>
+                                    <p:set>
+                                      <p:cBhvr>
+                                        <p:cTn id="44" dur="1" fill="hold">
+                                          <p:stCondLst>
+                                            <p:cond delay="499"/>
+                                          </p:stCondLst>
+                                        </p:cTn>
+                                        <p:tgtEl>
+                                          <p:spTgt spid="62"/>
+                                        </p:tgtEl>
+                                        <p:attrNameLst>
+                                          <p:attrName>style.visibility</p:attrName>
+                                        </p:attrNameLst>
+                                      </p:cBhvr>
+                                      <p:to>
+                                        <p:strVal val="hidden"/>
+                                      </p:to>
+                                    </p:set>
+                                  </p:childTnLst>
+                                </p:cTn>
+                              </p:par>
+                              <p:par>
+                                <p:cTn id="45" presetID="10" presetClass="exit" presetSubtype="0" fill="hold" nodeType="withEffect">
+                                  <p:stCondLst>
+                                    <p:cond delay="0"/>
+                                  </p:stCondLst>
+                                  <p:childTnLst>
+                                    <p:animEffect transition="out" filter="fade">
+                                      <p:cBhvr>
+                                        <p:cTn id="46" dur="500"/>
+                                        <p:tgtEl>
+                                          <p:spTgt spid="47"/>
+                                        </p:tgtEl>
+                                      </p:cBhvr>
+                                    </p:animEffect>
+                                    <p:set>
+                                      <p:cBhvr>
+                                        <p:cTn id="47" dur="1" fill="hold">
+                                          <p:stCondLst>
+                                            <p:cond delay="499"/>
+                                          </p:stCondLst>
+                                        </p:cTn>
+                                        <p:tgtEl>
+                                          <p:spTgt spid="47"/>
+                                        </p:tgtEl>
+                                        <p:attrNameLst>
+                                          <p:attrName>style.visibility</p:attrName>
+                                        </p:attrNameLst>
+                                      </p:cBhvr>
+                                      <p:to>
+                                        <p:strVal val="hidden"/>
+                                      </p:to>
+                                    </p:set>
+                                  </p:childTnLst>
+                                </p:cTn>
+                              </p:par>
+                              <p:par>
+                                <p:cTn id="48" presetID="10" presetClass="exit" presetSubtype="0" fill="hold" grpId="1" nodeType="withEffect">
+                                  <p:stCondLst>
+                                    <p:cond delay="0"/>
+                                  </p:stCondLst>
+                                  <p:childTnLst>
+                                    <p:animEffect transition="out" filter="fade">
+                                      <p:cBhvr>
+                                        <p:cTn id="49" dur="500"/>
+                                        <p:tgtEl>
+                                          <p:spTgt spid="17"/>
+                                        </p:tgtEl>
+                                      </p:cBhvr>
+                                    </p:animEffect>
+                                    <p:set>
+                                      <p:cBhvr>
+                                        <p:cTn id="50" dur="1" fill="hold">
+                                          <p:stCondLst>
+                                            <p:cond delay="499"/>
+                                          </p:stCondLst>
+                                        </p:cTn>
+                                        <p:tgtEl>
+                                          <p:spTgt spid="17"/>
+                                        </p:tgtEl>
+                                        <p:attrNameLst>
+                                          <p:attrName>style.visibility</p:attrName>
+                                        </p:attrNameLst>
+                                      </p:cBhvr>
+                                      <p:to>
+                                        <p:strVal val="hidden"/>
+                                      </p:to>
+                                    </p:set>
+                                  </p:childTnLst>
+                                </p:cTn>
+                              </p:par>
+                              <p:par>
+                                <p:cTn id="51" presetID="10" presetClass="exit" presetSubtype="0" fill="hold" grpId="1" nodeType="withEffect">
+                                  <p:stCondLst>
+                                    <p:cond delay="0"/>
+                                  </p:stCondLst>
+                                  <p:childTnLst>
+                                    <p:animEffect transition="out" filter="fade">
+                                      <p:cBhvr>
+                                        <p:cTn id="52" dur="500"/>
+                                        <p:tgtEl>
+                                          <p:spTgt spid="25"/>
+                                        </p:tgtEl>
+                                      </p:cBhvr>
+                                    </p:animEffect>
+                                    <p:set>
+                                      <p:cBhvr>
+                                        <p:cTn id="53" dur="1" fill="hold">
+                                          <p:stCondLst>
+                                            <p:cond delay="499"/>
+                                          </p:stCondLst>
+                                        </p:cTn>
+                                        <p:tgtEl>
+                                          <p:spTgt spid="25"/>
+                                        </p:tgtEl>
+                                        <p:attrNameLst>
+                                          <p:attrName>style.visibility</p:attrName>
+                                        </p:attrNameLst>
+                                      </p:cBhvr>
+                                      <p:to>
+                                        <p:strVal val="hidden"/>
+                                      </p:to>
+                                    </p:set>
+                                  </p:childTnLst>
+                                </p:cTn>
+                              </p:par>
+                              <p:par>
+                                <p:cTn id="54" presetID="10" presetClass="entr" presetSubtype="0" fill="hold" grpId="0" nodeType="withEffect">
+                                  <p:stCondLst>
+                                    <p:cond delay="0"/>
+                                  </p:stCondLst>
+                                  <p:childTnLst>
+                                    <p:set>
+                                      <p:cBhvr>
+                                        <p:cTn id="55" dur="1" fill="hold">
+                                          <p:stCondLst>
+                                            <p:cond delay="0"/>
+                                          </p:stCondLst>
+                                        </p:cTn>
+                                        <p:tgtEl>
+                                          <p:spTgt spid="63"/>
+                                        </p:tgtEl>
+                                        <p:attrNameLst>
+                                          <p:attrName>style.visibility</p:attrName>
+                                        </p:attrNameLst>
+                                      </p:cBhvr>
+                                      <p:to>
+                                        <p:strVal val="visible"/>
+                                      </p:to>
+                                    </p:set>
+                                    <p:animEffect transition="in" filter="fade">
+                                      <p:cBhvr>
+                                        <p:cTn id="56" dur="500"/>
+                                        <p:tgtEl>
+                                          <p:spTgt spid="63"/>
+                                        </p:tgtEl>
+                                      </p:cBhvr>
+                                    </p:animEffect>
+                                  </p:childTnLst>
+                                </p:cTn>
+                              </p:par>
+                              <p:par>
+                                <p:cTn id="57" presetID="10" presetClass="entr" presetSubtype="0" fill="hold" nodeType="withEffect">
+                                  <p:stCondLst>
+                                    <p:cond delay="0"/>
+                                  </p:stCondLst>
+                                  <p:childTnLst>
+                                    <p:set>
+                                      <p:cBhvr>
+                                        <p:cTn id="58" dur="1" fill="hold">
+                                          <p:stCondLst>
+                                            <p:cond delay="0"/>
+                                          </p:stCondLst>
+                                        </p:cTn>
+                                        <p:tgtEl>
+                                          <p:spTgt spid="44"/>
+                                        </p:tgtEl>
+                                        <p:attrNameLst>
+                                          <p:attrName>style.visibility</p:attrName>
+                                        </p:attrNameLst>
+                                      </p:cBhvr>
+                                      <p:to>
+                                        <p:strVal val="visible"/>
+                                      </p:to>
+                                    </p:set>
+                                    <p:animEffect transition="in" filter="fade">
+                                      <p:cBhvr>
+                                        <p:cTn id="59" dur="500"/>
+                                        <p:tgtEl>
+                                          <p:spTgt spid="44"/>
+                                        </p:tgtEl>
+                                      </p:cBhvr>
+                                    </p:animEffect>
+                                  </p:childTnLst>
+                                </p:cTn>
+                              </p:par>
+                              <p:par>
+                                <p:cTn id="60" presetID="10" presetClass="entr" presetSubtype="0" fill="hold" grpId="0" nodeType="withEffect">
+                                  <p:stCondLst>
+                                    <p:cond delay="0"/>
+                                  </p:stCondLst>
+                                  <p:childTnLst>
+                                    <p:set>
+                                      <p:cBhvr>
+                                        <p:cTn id="61" dur="1" fill="hold">
+                                          <p:stCondLst>
+                                            <p:cond delay="0"/>
+                                          </p:stCondLst>
+                                        </p:cTn>
+                                        <p:tgtEl>
+                                          <p:spTgt spid="18"/>
+                                        </p:tgtEl>
+                                        <p:attrNameLst>
+                                          <p:attrName>style.visibility</p:attrName>
+                                        </p:attrNameLst>
+                                      </p:cBhvr>
+                                      <p:to>
+                                        <p:strVal val="visible"/>
+                                      </p:to>
+                                    </p:set>
+                                    <p:animEffect transition="in" filter="fade">
+                                      <p:cBhvr>
+                                        <p:cTn id="62" dur="500"/>
+                                        <p:tgtEl>
+                                          <p:spTgt spid="18"/>
+                                        </p:tgtEl>
+                                      </p:cBhvr>
+                                    </p:animEffect>
+                                  </p:childTnLst>
+                                </p:cTn>
+                              </p:par>
+                              <p:par>
+                                <p:cTn id="63" presetID="10" presetClass="entr" presetSubtype="0" fill="hold" grpId="0" nodeType="withEffect">
+                                  <p:stCondLst>
+                                    <p:cond delay="0"/>
+                                  </p:stCondLst>
+                                  <p:childTnLst>
+                                    <p:set>
+                                      <p:cBhvr>
+                                        <p:cTn id="64" dur="1" fill="hold">
+                                          <p:stCondLst>
+                                            <p:cond delay="0"/>
+                                          </p:stCondLst>
+                                        </p:cTn>
+                                        <p:tgtEl>
+                                          <p:spTgt spid="26"/>
+                                        </p:tgtEl>
+                                        <p:attrNameLst>
+                                          <p:attrName>style.visibility</p:attrName>
+                                        </p:attrNameLst>
+                                      </p:cBhvr>
+                                      <p:to>
+                                        <p:strVal val="visible"/>
+                                      </p:to>
+                                    </p:set>
+                                    <p:animEffect transition="in" filter="fade">
+                                      <p:cBhvr>
+                                        <p:cTn id="65" dur="500"/>
+                                        <p:tgtEl>
+                                          <p:spTgt spid="26"/>
+                                        </p:tgtEl>
+                                      </p:cBhvr>
+                                    </p:animEffect>
+                                  </p:childTnLst>
+                                </p:cTn>
+                              </p:par>
+                            </p:childTnLst>
+                          </p:cTn>
+                        </p:par>
+                      </p:childTnLst>
+                    </p:cTn>
+                  </p:par>
+                  <p:par>
+                    <p:cTn id="66" fill="hold">
+                      <p:stCondLst>
+                        <p:cond delay="indefinite"/>
+                      </p:stCondLst>
+                      <p:childTnLst>
+                        <p:par>
+                          <p:cTn id="67" fill="hold">
+                            <p:stCondLst>
+                              <p:cond delay="0"/>
+                            </p:stCondLst>
+                            <p:childTnLst>
+                              <p:par>
+                                <p:cTn id="68" presetID="1" presetClass="exit" presetSubtype="0" fill="hold" grpId="1" nodeType="clickEffect">
+                                  <p:stCondLst>
+                                    <p:cond delay="0"/>
+                                  </p:stCondLst>
+                                  <p:childTnLst>
+                                    <p:set>
+                                      <p:cBhvr>
+                                        <p:cTn id="69" dur="1" fill="hold">
+                                          <p:stCondLst>
+                                            <p:cond delay="0"/>
+                                          </p:stCondLst>
+                                        </p:cTn>
+                                        <p:tgtEl>
+                                          <p:spTgt spid="63"/>
+                                        </p:tgtEl>
+                                        <p:attrNameLst>
+                                          <p:attrName>style.visibility</p:attrName>
+                                        </p:attrNameLst>
+                                      </p:cBhvr>
+                                      <p:to>
+                                        <p:strVal val="hidden"/>
+                                      </p:to>
+                                    </p:set>
+                                  </p:childTnLst>
+                                </p:cTn>
+                              </p:par>
+                              <p:par>
+                                <p:cTn id="70" presetID="10" presetClass="exit" presetSubtype="0" fill="hold" grpId="1" nodeType="withEffect">
+                                  <p:stCondLst>
+                                    <p:cond delay="0"/>
+                                  </p:stCondLst>
+                                  <p:childTnLst>
+                                    <p:animEffect transition="out" filter="fade">
+                                      <p:cBhvr>
+                                        <p:cTn id="71" dur="500"/>
+                                        <p:tgtEl>
+                                          <p:spTgt spid="18"/>
+                                        </p:tgtEl>
+                                      </p:cBhvr>
+                                    </p:animEffect>
+                                    <p:set>
+                                      <p:cBhvr>
+                                        <p:cTn id="72" dur="1" fill="hold">
+                                          <p:stCondLst>
+                                            <p:cond delay="499"/>
+                                          </p:stCondLst>
+                                        </p:cTn>
+                                        <p:tgtEl>
+                                          <p:spTgt spid="18"/>
+                                        </p:tgtEl>
+                                        <p:attrNameLst>
+                                          <p:attrName>style.visibility</p:attrName>
+                                        </p:attrNameLst>
+                                      </p:cBhvr>
+                                      <p:to>
+                                        <p:strVal val="hidden"/>
+                                      </p:to>
+                                    </p:set>
+                                  </p:childTnLst>
+                                </p:cTn>
+                              </p:par>
+                              <p:par>
+                                <p:cTn id="73" presetID="10" presetClass="exit" presetSubtype="0" fill="hold" grpId="1" nodeType="withEffect">
+                                  <p:stCondLst>
+                                    <p:cond delay="0"/>
+                                  </p:stCondLst>
+                                  <p:childTnLst>
+                                    <p:animEffect transition="out" filter="fade">
+                                      <p:cBhvr>
+                                        <p:cTn id="74" dur="500"/>
+                                        <p:tgtEl>
+                                          <p:spTgt spid="26"/>
+                                        </p:tgtEl>
+                                      </p:cBhvr>
+                                    </p:animEffect>
+                                    <p:set>
+                                      <p:cBhvr>
+                                        <p:cTn id="75" dur="1" fill="hold">
+                                          <p:stCondLst>
+                                            <p:cond delay="499"/>
+                                          </p:stCondLst>
+                                        </p:cTn>
+                                        <p:tgtEl>
+                                          <p:spTgt spid="26"/>
+                                        </p:tgtEl>
+                                        <p:attrNameLst>
+                                          <p:attrName>style.visibility</p:attrName>
+                                        </p:attrNameLst>
+                                      </p:cBhvr>
+                                      <p:to>
+                                        <p:strVal val="hidden"/>
+                                      </p:to>
+                                    </p:set>
+                                  </p:childTnLst>
+                                </p:cTn>
+                              </p:par>
+                              <p:par>
+                                <p:cTn id="76" presetID="1" presetClass="entr" presetSubtype="0" fill="hold" grpId="1" nodeType="withEffect">
+                                  <p:stCondLst>
+                                    <p:cond delay="0"/>
+                                  </p:stCondLst>
+                                  <p:childTnLst>
+                                    <p:set>
+                                      <p:cBhvr>
+                                        <p:cTn id="77" dur="1" fill="hold">
+                                          <p:stCondLst>
+                                            <p:cond delay="0"/>
+                                          </p:stCondLst>
+                                        </p:cTn>
+                                        <p:tgtEl>
+                                          <p:spTgt spid="5"/>
+                                        </p:tgtEl>
+                                        <p:attrNameLst>
+                                          <p:attrName>style.visibility</p:attrName>
+                                        </p:attrNameLst>
+                                      </p:cBhvr>
+                                      <p:to>
+                                        <p:strVal val="visible"/>
+                                      </p:to>
+                                    </p:set>
+                                  </p:childTnLst>
+                                </p:cTn>
+                              </p:par>
+                              <p:par>
+                                <p:cTn id="78" presetID="1" presetClass="entr" presetSubtype="0" fill="hold" nodeType="withEffect">
+                                  <p:stCondLst>
+                                    <p:cond delay="0"/>
+                                  </p:stCondLst>
+                                  <p:childTnLst>
+                                    <p:set>
+                                      <p:cBhvr>
+                                        <p:cTn id="79" dur="1" fill="hold">
+                                          <p:stCondLst>
+                                            <p:cond delay="0"/>
+                                          </p:stCondLst>
+                                        </p:cTn>
+                                        <p:tgtEl>
+                                          <p:spTgt spid="51"/>
+                                        </p:tgtEl>
+                                        <p:attrNameLst>
+                                          <p:attrName>style.visibility</p:attrName>
+                                        </p:attrNameLst>
+                                      </p:cBhvr>
+                                      <p:to>
+                                        <p:strVal val="visible"/>
+                                      </p:to>
+                                    </p:set>
+                                  </p:childTnLst>
+                                </p:cTn>
+                              </p:par>
+                              <p:par>
+                                <p:cTn id="80" presetID="1" presetClass="entr" presetSubtype="0" fill="hold" nodeType="withEffect">
+                                  <p:stCondLst>
+                                    <p:cond delay="0"/>
+                                  </p:stCondLst>
+                                  <p:childTnLst>
+                                    <p:set>
+                                      <p:cBhvr>
+                                        <p:cTn id="81" dur="1" fill="hold">
+                                          <p:stCondLst>
+                                            <p:cond delay="0"/>
+                                          </p:stCondLst>
+                                        </p:cTn>
+                                        <p:tgtEl>
+                                          <p:spTgt spid="47"/>
+                                        </p:tgtEl>
+                                        <p:attrNameLst>
+                                          <p:attrName>style.visibility</p:attrName>
+                                        </p:attrNameLst>
+                                      </p:cBhvr>
+                                      <p:to>
+                                        <p:strVal val="visible"/>
+                                      </p:to>
+                                    </p:set>
+                                  </p:childTnLst>
+                                </p:cTn>
+                              </p:par>
+                              <p:par>
+                                <p:cTn id="82" presetID="1" presetClass="entr" presetSubtype="0" fill="hold" nodeType="withEffect">
+                                  <p:stCondLst>
+                                    <p:cond delay="0"/>
+                                  </p:stCondLst>
+                                  <p:childTnLst>
+                                    <p:set>
+                                      <p:cBhvr>
+                                        <p:cTn id="83" dur="1" fill="hold">
+                                          <p:stCondLst>
+                                            <p:cond delay="0"/>
+                                          </p:stCondLst>
+                                        </p:cTn>
+                                        <p:tgtEl>
+                                          <p:spTgt spid="44"/>
+                                        </p:tgtEl>
+                                        <p:attrNameLst>
+                                          <p:attrName>style.visibility</p:attrName>
+                                        </p:attrNameLst>
+                                      </p:cBhvr>
+                                      <p:to>
+                                        <p:strVal val="visible"/>
+                                      </p:to>
+                                    </p:set>
+                                  </p:childTnLst>
+                                </p:cTn>
+                              </p:par>
+                            </p:childTnLst>
+                          </p:cTn>
+                        </p:par>
+                      </p:childTnLst>
+                    </p:cTn>
+                  </p:par>
+                </p:childTnLst>
+              </p:cTn>
+              <p:prevCondLst>
+                <p:cond evt="onPrev" delay="0">
+                  <p:tgtEl>
+                    <p:sldTgt/>
+                  </p:tgtEl>
+                </p:cond>
+              </p:prevCondLst>
+              <p:nextCondLst>
+                <p:cond evt="onNext" delay="0">
+                  <p:tgtEl>
+                    <p:sldTgt/>
+                  </p:tgtEl>
+                </p:cond>
+              </p:nextCondLst>
+            </p:seq>
+          </p:childTnLst>
+        </p:cTn>
+      </p:par>
+    </p:tnLst>
+    <p:bldLst>
+      <p:bldP spid="5" grpId="0" animBg="1"/>
+      <p:bldP spid="5" grpId="1" animBg="1"/>
+      <p:bldP spid="62" grpId="0" animBg="1"/>
+      <p:bldP spid="62" grpId="1" animBg="1"/>
+      <p:bldP spid="63" grpId="0" animBg="1"/>
+      <p:bldP spid="63" grpId="1" animBg="1"/>
+      <p:bldP spid="3" grpId="0"/>
+      <p:bldP spid="3" grpId="1"/>
+      <p:bldP spid="17" grpId="0"/>
+      <p:bldP spid="17" grpId="1"/>
+      <p:bldP spid="18" grpId="0"/>
+      <p:bldP spid="18" grpId="1"/>
+      <p:bldP spid="21" grpId="1"/>
+      <p:bldP spid="21" grpId="2"/>
+      <p:bldP spid="25" grpId="0"/>
+      <p:bldP spid="25" grpId="1"/>
+      <p:bldP spid="26" grpId="0"/>
+      <p:bldP spid="26" grpId="1"/>
+    </p:bldLst>
+  </p:timing>
+</p:sld>
+</file>
+
+<file path=ppt/slides/slide7.xml><?xml version="1.0" encoding="utf-8"?>
+<p:sld xmlns:a="http://schemas.openxmlformats.org/drawingml/2006/main" xmlns:r="http://schemas.openxmlformats.org/officeDocument/2006/relationships" xmlns:p="http://schemas.openxmlformats.org/presentationml/2006/main">
+  <p:cSld>
+    <p:spTree>
+      <p:nvGrpSpPr>
         <p:cNvPr id="1" name=""/>
         <p:cNvGrpSpPr/>
         <p:nvPr/>
@@ -33845,9 +36239,10 @@
           <a:lstStyle/>
           <a:p>
             <a:r>
-              <a:rPr kumimoji="1" lang="ja-JP" altLang="en-US" dirty="0"/>
-              <a:t>システム概要</a:t>
-            </a:r>
+              <a:rPr lang="ja-JP" altLang="en-US" dirty="0"/>
+              <a:t>太さ変形機構</a:t>
+            </a:r>
+            <a:endParaRPr kumimoji="1" lang="ja-JP" altLang="en-US" dirty="0"/>
           </a:p>
         </p:txBody>
       </p:sp>
@@ -33874,7 +36269,7 @@
           <a:p>
             <a:fld id="{5CCA2C14-EFCE-4A9A-BA37-949DC8255A36}" type="slidenum">
               <a:rPr kumimoji="1" lang="ja-JP" altLang="en-US" smtClean="0"/>
-              <a:t>6</a:t>
+              <a:t>7</a:t>
             </a:fld>
             <a:endParaRPr kumimoji="1" lang="ja-JP" altLang="en-US"/>
           </a:p>
@@ -40151,2437 +42546,6 @@
 </p:sld>
 </file>
 
-<file path=ppt/slides/slide7.xml><?xml version="1.0" encoding="utf-8"?>
-<p:sld xmlns:a="http://schemas.openxmlformats.org/drawingml/2006/main" xmlns:r="http://schemas.openxmlformats.org/officeDocument/2006/relationships" xmlns:p="http://schemas.openxmlformats.org/presentationml/2006/main">
-  <p:cSld>
-    <p:spTree>
-      <p:nvGrpSpPr>
-        <p:cNvPr id="1" name="">
-          <a:extLst>
-            <a:ext uri="{FF2B5EF4-FFF2-40B4-BE49-F238E27FC236}">
-              <a16:creationId xmlns:a16="http://schemas.microsoft.com/office/drawing/2014/main" id="{EE1D7F75-84B0-0573-CAC9-B16F1AA5DD14}"/>
-            </a:ext>
-          </a:extLst>
-        </p:cNvPr>
-        <p:cNvGrpSpPr/>
-        <p:nvPr/>
-      </p:nvGrpSpPr>
-      <p:grpSpPr>
-        <a:xfrm>
-          <a:off x="0" y="0"/>
-          <a:ext cx="0" cy="0"/>
-          <a:chOff x="0" y="0"/>
-          <a:chExt cx="0" cy="0"/>
-        </a:xfrm>
-      </p:grpSpPr>
-      <p:sp>
-        <p:nvSpPr>
-          <p:cNvPr id="23" name="テキスト ボックス 22">
-            <a:extLst>
-              <a:ext uri="{FF2B5EF4-FFF2-40B4-BE49-F238E27FC236}">
-                <a16:creationId xmlns:a16="http://schemas.microsoft.com/office/drawing/2014/main" id="{FE1FCE8D-90E8-FE86-B602-44BA9B0A64CF}"/>
-              </a:ext>
-            </a:extLst>
-          </p:cNvPr>
-          <p:cNvSpPr txBox="1"/>
-          <p:nvPr/>
-        </p:nvSpPr>
-        <p:spPr>
-          <a:xfrm>
-            <a:off x="4112918" y="3243100"/>
-            <a:ext cx="902811" cy="1095749"/>
-          </a:xfrm>
-          <a:prstGeom prst="rect">
-            <a:avLst/>
-          </a:prstGeom>
-          <a:noFill/>
-        </p:spPr>
-        <p:txBody>
-          <a:bodyPr wrap="none" rtlCol="0">
-            <a:spAutoFit/>
-          </a:bodyPr>
-          <a:lstStyle/>
-          <a:p>
-            <a:r>
-              <a:rPr kumimoji="1" lang="ja-JP" altLang="en-US" sz="2800" dirty="0"/>
-              <a:t>入力</a:t>
-            </a:r>
-            <a:endParaRPr kumimoji="1" lang="en-US" altLang="ja-JP" sz="2800" dirty="0"/>
-          </a:p>
-          <a:p>
-            <a:pPr>
-              <a:lnSpc>
-                <a:spcPct val="150000"/>
-              </a:lnSpc>
-            </a:pPr>
-            <a:r>
-              <a:rPr lang="ja-JP" altLang="en-US" sz="2800" dirty="0"/>
-              <a:t>太さ</a:t>
-            </a:r>
-            <a:endParaRPr kumimoji="1" lang="ja-JP" altLang="en-US" sz="2800" dirty="0"/>
-          </a:p>
-        </p:txBody>
-      </p:sp>
-      <p:sp>
-        <p:nvSpPr>
-          <p:cNvPr id="2" name="タイトル 1">
-            <a:extLst>
-              <a:ext uri="{FF2B5EF4-FFF2-40B4-BE49-F238E27FC236}">
-                <a16:creationId xmlns:a16="http://schemas.microsoft.com/office/drawing/2014/main" id="{4248044E-1C7F-E953-5A1D-FEF1124CAC67}"/>
-              </a:ext>
-            </a:extLst>
-          </p:cNvPr>
-          <p:cNvSpPr>
-            <a:spLocks noGrp="1"/>
-          </p:cNvSpPr>
-          <p:nvPr>
-            <p:ph type="title"/>
-          </p:nvPr>
-        </p:nvSpPr>
-        <p:spPr/>
-        <p:txBody>
-          <a:bodyPr/>
-          <a:lstStyle/>
-          <a:p>
-            <a:r>
-              <a:rPr kumimoji="1" lang="ja-JP" altLang="en-US" dirty="0"/>
-              <a:t>システム構成</a:t>
-            </a:r>
-          </a:p>
-        </p:txBody>
-      </p:sp>
-      <p:sp>
-        <p:nvSpPr>
-          <p:cNvPr id="4" name="スライド番号プレースホルダー 3">
-            <a:extLst>
-              <a:ext uri="{FF2B5EF4-FFF2-40B4-BE49-F238E27FC236}">
-                <a16:creationId xmlns:a16="http://schemas.microsoft.com/office/drawing/2014/main" id="{E0E27B75-7967-1B74-BB89-87D8C186261B}"/>
-              </a:ext>
-            </a:extLst>
-          </p:cNvPr>
-          <p:cNvSpPr>
-            <a:spLocks noGrp="1"/>
-          </p:cNvSpPr>
-          <p:nvPr>
-            <p:ph type="sldNum" sz="quarter" idx="12"/>
-          </p:nvPr>
-        </p:nvSpPr>
-        <p:spPr/>
-        <p:txBody>
-          <a:bodyPr/>
-          <a:lstStyle/>
-          <a:p>
-            <a:fld id="{5CCA2C14-EFCE-4A9A-BA37-949DC8255A36}" type="slidenum">
-              <a:rPr kumimoji="1" lang="ja-JP" altLang="en-US" smtClean="0"/>
-              <a:t>7</a:t>
-            </a:fld>
-            <a:endParaRPr kumimoji="1" lang="ja-JP" altLang="en-US"/>
-          </a:p>
-        </p:txBody>
-      </p:sp>
-      <p:sp>
-        <p:nvSpPr>
-          <p:cNvPr id="5" name="正方形/長方形 4">
-            <a:extLst>
-              <a:ext uri="{FF2B5EF4-FFF2-40B4-BE49-F238E27FC236}">
-                <a16:creationId xmlns:a16="http://schemas.microsoft.com/office/drawing/2014/main" id="{C82E724A-0179-87E7-5434-21ABA2895AFC}"/>
-              </a:ext>
-            </a:extLst>
-          </p:cNvPr>
-          <p:cNvSpPr/>
-          <p:nvPr/>
-        </p:nvSpPr>
-        <p:spPr>
-          <a:xfrm>
-            <a:off x="2858957" y="3924888"/>
-            <a:ext cx="653913" cy="1406917"/>
-          </a:xfrm>
-          <a:prstGeom prst="rect">
-            <a:avLst/>
-          </a:prstGeom>
-        </p:spPr>
-        <p:style>
-          <a:lnRef idx="2">
-            <a:schemeClr val="accent5">
-              <a:shade val="15000"/>
-            </a:schemeClr>
-          </a:lnRef>
-          <a:fillRef idx="1">
-            <a:schemeClr val="accent5"/>
-          </a:fillRef>
-          <a:effectRef idx="0">
-            <a:schemeClr val="accent5"/>
-          </a:effectRef>
-          <a:fontRef idx="minor">
-            <a:schemeClr val="lt1"/>
-          </a:fontRef>
-        </p:style>
-        <p:txBody>
-          <a:bodyPr rtlCol="0" anchor="ctr"/>
-          <a:lstStyle/>
-          <a:p>
-            <a:pPr algn="ctr"/>
-            <a:endParaRPr kumimoji="1" lang="ja-JP" altLang="en-US"/>
-          </a:p>
-        </p:txBody>
-      </p:sp>
-      <p:sp>
-        <p:nvSpPr>
-          <p:cNvPr id="6" name="正方形/長方形 5">
-            <a:extLst>
-              <a:ext uri="{FF2B5EF4-FFF2-40B4-BE49-F238E27FC236}">
-                <a16:creationId xmlns:a16="http://schemas.microsoft.com/office/drawing/2014/main" id="{97468E11-8F64-67BA-6F7F-BF4588DB6DB2}"/>
-              </a:ext>
-            </a:extLst>
-          </p:cNvPr>
-          <p:cNvSpPr/>
-          <p:nvPr/>
-        </p:nvSpPr>
-        <p:spPr>
-          <a:xfrm>
-            <a:off x="2689653" y="5331803"/>
-            <a:ext cx="989127" cy="138368"/>
-          </a:xfrm>
-          <a:prstGeom prst="rect">
-            <a:avLst/>
-          </a:prstGeom>
-        </p:spPr>
-        <p:style>
-          <a:lnRef idx="2">
-            <a:schemeClr val="accent1">
-              <a:shade val="15000"/>
-            </a:schemeClr>
-          </a:lnRef>
-          <a:fillRef idx="1">
-            <a:schemeClr val="accent1"/>
-          </a:fillRef>
-          <a:effectRef idx="0">
-            <a:schemeClr val="accent1"/>
-          </a:effectRef>
-          <a:fontRef idx="minor">
-            <a:schemeClr val="lt1"/>
-          </a:fontRef>
-        </p:style>
-        <p:txBody>
-          <a:bodyPr rtlCol="0" anchor="ctr"/>
-          <a:lstStyle/>
-          <a:p>
-            <a:pPr algn="ctr"/>
-            <a:endParaRPr kumimoji="1" lang="ja-JP" altLang="en-US"/>
-          </a:p>
-        </p:txBody>
-      </p:sp>
-      <p:sp>
-        <p:nvSpPr>
-          <p:cNvPr id="7" name="正方形/長方形 6">
-            <a:extLst>
-              <a:ext uri="{FF2B5EF4-FFF2-40B4-BE49-F238E27FC236}">
-                <a16:creationId xmlns:a16="http://schemas.microsoft.com/office/drawing/2014/main" id="{42FBE921-CFDC-FA0E-3A92-7B9B40386B3C}"/>
-              </a:ext>
-            </a:extLst>
-          </p:cNvPr>
-          <p:cNvSpPr/>
-          <p:nvPr/>
-        </p:nvSpPr>
-        <p:spPr>
-          <a:xfrm>
-            <a:off x="2689653" y="3786808"/>
-            <a:ext cx="989127" cy="138368"/>
-          </a:xfrm>
-          <a:prstGeom prst="rect">
-            <a:avLst/>
-          </a:prstGeom>
-        </p:spPr>
-        <p:style>
-          <a:lnRef idx="2">
-            <a:schemeClr val="accent1">
-              <a:shade val="15000"/>
-            </a:schemeClr>
-          </a:lnRef>
-          <a:fillRef idx="1">
-            <a:schemeClr val="accent1"/>
-          </a:fillRef>
-          <a:effectRef idx="0">
-            <a:schemeClr val="accent1"/>
-          </a:effectRef>
-          <a:fontRef idx="minor">
-            <a:schemeClr val="lt1"/>
-          </a:fontRef>
-        </p:style>
-        <p:txBody>
-          <a:bodyPr rtlCol="0" anchor="ctr"/>
-          <a:lstStyle/>
-          <a:p>
-            <a:pPr algn="ctr"/>
-            <a:endParaRPr kumimoji="1" lang="ja-JP" altLang="en-US"/>
-          </a:p>
-        </p:txBody>
-      </p:sp>
-      <p:sp>
-        <p:nvSpPr>
-          <p:cNvPr id="8" name="テキスト ボックス 7">
-            <a:extLst>
-              <a:ext uri="{FF2B5EF4-FFF2-40B4-BE49-F238E27FC236}">
-                <a16:creationId xmlns:a16="http://schemas.microsoft.com/office/drawing/2014/main" id="{E5E2E54F-CDB8-E178-975C-38CA30407DBE}"/>
-              </a:ext>
-            </a:extLst>
-          </p:cNvPr>
-          <p:cNvSpPr txBox="1"/>
-          <p:nvPr/>
-        </p:nvSpPr>
-        <p:spPr>
-          <a:xfrm>
-            <a:off x="1989465" y="5576262"/>
-            <a:ext cx="2212465" cy="584775"/>
-          </a:xfrm>
-          <a:prstGeom prst="rect">
-            <a:avLst/>
-          </a:prstGeom>
-          <a:noFill/>
-        </p:spPr>
-        <p:txBody>
-          <a:bodyPr wrap="none" rtlCol="0">
-            <a:spAutoFit/>
-          </a:bodyPr>
-          <a:lstStyle/>
-          <a:p>
-            <a:r>
-              <a:rPr kumimoji="1" lang="ja-JP" altLang="en-US" sz="3200" dirty="0"/>
-              <a:t>コントローラ</a:t>
-            </a:r>
-          </a:p>
-        </p:txBody>
-      </p:sp>
-      <p:pic>
-        <p:nvPicPr>
-          <p:cNvPr id="12" name="図 11" descr="図形&#10;&#10;AI 生成コンテンツは誤りを含む可能性があります。">
-            <a:extLst>
-              <a:ext uri="{FF2B5EF4-FFF2-40B4-BE49-F238E27FC236}">
-                <a16:creationId xmlns:a16="http://schemas.microsoft.com/office/drawing/2014/main" id="{DB304FA8-E1A7-9B34-8028-7067B24A6D7A}"/>
-              </a:ext>
-            </a:extLst>
-          </p:cNvPr>
-          <p:cNvPicPr>
-            <a:picLocks noChangeAspect="1"/>
-          </p:cNvPicPr>
-          <p:nvPr/>
-        </p:nvPicPr>
-        <p:blipFill>
-          <a:blip r:embed="rId3">
-            <a:duotone>
-              <a:schemeClr val="accent4">
-                <a:shade val="45000"/>
-                <a:satMod val="135000"/>
-              </a:schemeClr>
-              <a:prstClr val="white"/>
-            </a:duotone>
-            <a:extLst>
-              <a:ext uri="{28A0092B-C50C-407E-A947-70E740481C1C}">
-                <a14:useLocalDpi xmlns:a14="http://schemas.microsoft.com/office/drawing/2010/main" val="0"/>
-              </a:ext>
-            </a:extLst>
-          </a:blip>
-          <a:srcRect l="25521" r="25521" b="35390"/>
-          <a:stretch>
-            <a:fillRect/>
-          </a:stretch>
-        </p:blipFill>
-        <p:spPr>
-          <a:xfrm>
-            <a:off x="973243" y="2528888"/>
-            <a:ext cx="1517290" cy="2002373"/>
-          </a:xfrm>
-          <a:prstGeom prst="rect">
-            <a:avLst/>
-          </a:prstGeom>
-        </p:spPr>
-      </p:pic>
-      <p:sp>
-        <p:nvSpPr>
-          <p:cNvPr id="13" name="四角形: 角を丸くする 12">
-            <a:extLst>
-              <a:ext uri="{FF2B5EF4-FFF2-40B4-BE49-F238E27FC236}">
-                <a16:creationId xmlns:a16="http://schemas.microsoft.com/office/drawing/2014/main" id="{FE3A14F2-9DBD-E0DA-1613-90D9FB64EC15}"/>
-              </a:ext>
-            </a:extLst>
-          </p:cNvPr>
-          <p:cNvSpPr/>
-          <p:nvPr/>
-        </p:nvSpPr>
-        <p:spPr>
-          <a:xfrm>
-            <a:off x="647700" y="1358901"/>
-            <a:ext cx="3429000" cy="4838699"/>
-          </a:xfrm>
-          <a:prstGeom prst="roundRect">
-            <a:avLst>
-              <a:gd name="adj" fmla="val 8211"/>
-            </a:avLst>
-          </a:prstGeom>
-          <a:noFill/>
-          <a:ln w="38100" cap="flat" cmpd="sng" algn="ctr">
-            <a:solidFill>
-              <a:schemeClr val="accent6"/>
-            </a:solidFill>
-            <a:prstDash val="solid"/>
-            <a:round/>
-            <a:headEnd type="none" w="med" len="med"/>
-            <a:tailEnd type="none" w="med" len="med"/>
-          </a:ln>
-        </p:spPr>
-        <p:style>
-          <a:lnRef idx="0">
-            <a:scrgbClr r="0" g="0" b="0"/>
-          </a:lnRef>
-          <a:fillRef idx="0">
-            <a:scrgbClr r="0" g="0" b="0"/>
-          </a:fillRef>
-          <a:effectRef idx="0">
-            <a:scrgbClr r="0" g="0" b="0"/>
-          </a:effectRef>
-          <a:fontRef idx="minor">
-            <a:schemeClr val="accent6"/>
-          </a:fontRef>
-        </p:style>
-        <p:txBody>
-          <a:bodyPr rtlCol="0" anchor="t"/>
-          <a:lstStyle/>
-          <a:p>
-            <a:r>
-              <a:rPr kumimoji="1" lang="ja-JP" altLang="en-US" sz="3600" dirty="0">
-                <a:solidFill>
-                  <a:schemeClr val="tx1"/>
-                </a:solidFill>
-              </a:rPr>
-              <a:t>現実</a:t>
-            </a:r>
-          </a:p>
-        </p:txBody>
-      </p:sp>
-      <p:pic>
-        <p:nvPicPr>
-          <p:cNvPr id="15" name="図 14" descr="図形&#10;&#10;AI 生成コンテンツは誤りを含む可能性があります。">
-            <a:extLst>
-              <a:ext uri="{FF2B5EF4-FFF2-40B4-BE49-F238E27FC236}">
-                <a16:creationId xmlns:a16="http://schemas.microsoft.com/office/drawing/2014/main" id="{26749471-BD64-DA9A-19EC-371630B88B21}"/>
-              </a:ext>
-            </a:extLst>
-          </p:cNvPr>
-          <p:cNvPicPr>
-            <a:picLocks noChangeAspect="1"/>
-          </p:cNvPicPr>
-          <p:nvPr/>
-        </p:nvPicPr>
-        <p:blipFill>
-          <a:blip r:embed="rId4">
-            <a:extLst>
-              <a:ext uri="{28A0092B-C50C-407E-A947-70E740481C1C}">
-                <a14:useLocalDpi xmlns:a14="http://schemas.microsoft.com/office/drawing/2010/main" val="0"/>
-              </a:ext>
-            </a:extLst>
-          </a:blip>
-          <a:stretch>
-            <a:fillRect/>
-          </a:stretch>
-        </p:blipFill>
-        <p:spPr>
-          <a:xfrm>
-            <a:off x="5153226" y="3077782"/>
-            <a:ext cx="1411776" cy="1411776"/>
-          </a:xfrm>
-          <a:prstGeom prst="rect">
-            <a:avLst/>
-          </a:prstGeom>
-        </p:spPr>
-      </p:pic>
-      <p:cxnSp>
-        <p:nvCxnSpPr>
-          <p:cNvPr id="19" name="直線矢印コネクタ 18">
-            <a:extLst>
-              <a:ext uri="{FF2B5EF4-FFF2-40B4-BE49-F238E27FC236}">
-                <a16:creationId xmlns:a16="http://schemas.microsoft.com/office/drawing/2014/main" id="{92F0214F-00B8-C6C6-6436-130858A2AD8D}"/>
-              </a:ext>
-            </a:extLst>
-          </p:cNvPr>
-          <p:cNvCxnSpPr>
-            <a:cxnSpLocks/>
-            <a:stCxn id="13" idx="3"/>
-            <a:endCxn id="15" idx="1"/>
-          </p:cNvCxnSpPr>
-          <p:nvPr/>
-        </p:nvCxnSpPr>
-        <p:spPr>
-          <a:xfrm>
-            <a:off x="4076700" y="3778251"/>
-            <a:ext cx="1076526" cy="5419"/>
-          </a:xfrm>
-          <a:prstGeom prst="straightConnector1">
-            <a:avLst/>
-          </a:prstGeom>
-          <a:ln w="57150" cap="flat" cmpd="sng" algn="ctr">
-            <a:solidFill>
-              <a:schemeClr val="dk1"/>
-            </a:solidFill>
-            <a:prstDash val="solid"/>
-            <a:round/>
-            <a:headEnd type="none" w="med" len="med"/>
-            <a:tailEnd type="arrow" w="med" len="med"/>
-          </a:ln>
-        </p:spPr>
-        <p:style>
-          <a:lnRef idx="0">
-            <a:scrgbClr r="0" g="0" b="0"/>
-          </a:lnRef>
-          <a:fillRef idx="0">
-            <a:scrgbClr r="0" g="0" b="0"/>
-          </a:fillRef>
-          <a:effectRef idx="0">
-            <a:scrgbClr r="0" g="0" b="0"/>
-          </a:effectRef>
-          <a:fontRef idx="minor">
-            <a:schemeClr val="tx1"/>
-          </a:fontRef>
-        </p:style>
-      </p:cxnSp>
-      <p:pic>
-        <p:nvPicPr>
-          <p:cNvPr id="27" name="図 26" descr="図形&#10;&#10;AI 生成コンテンツは誤りを含む可能性があります。">
-            <a:extLst>
-              <a:ext uri="{FF2B5EF4-FFF2-40B4-BE49-F238E27FC236}">
-                <a16:creationId xmlns:a16="http://schemas.microsoft.com/office/drawing/2014/main" id="{65D2AD12-7350-27FF-37E4-2A3380AACF22}"/>
-              </a:ext>
-            </a:extLst>
-          </p:cNvPr>
-          <p:cNvPicPr>
-            <a:picLocks noChangeAspect="1"/>
-          </p:cNvPicPr>
-          <p:nvPr/>
-        </p:nvPicPr>
-        <p:blipFill>
-          <a:blip r:embed="rId3">
-            <a:duotone>
-              <a:schemeClr val="accent4">
-                <a:shade val="45000"/>
-                <a:satMod val="135000"/>
-              </a:schemeClr>
-              <a:prstClr val="white"/>
-            </a:duotone>
-            <a:extLst>
-              <a:ext uri="{28A0092B-C50C-407E-A947-70E740481C1C}">
-                <a14:useLocalDpi xmlns:a14="http://schemas.microsoft.com/office/drawing/2010/main" val="0"/>
-              </a:ext>
-            </a:extLst>
-          </a:blip>
-          <a:srcRect l="25521" r="25521" b="35390"/>
-          <a:stretch>
-            <a:fillRect/>
-          </a:stretch>
-        </p:blipFill>
-        <p:spPr>
-          <a:xfrm>
-            <a:off x="7815247" y="2671238"/>
-            <a:ext cx="1517290" cy="2002373"/>
-          </a:xfrm>
-          <a:prstGeom prst="rect">
-            <a:avLst/>
-          </a:prstGeom>
-        </p:spPr>
-      </p:pic>
-      <p:pic>
-        <p:nvPicPr>
-          <p:cNvPr id="29" name="図 28">
-            <a:extLst>
-              <a:ext uri="{FF2B5EF4-FFF2-40B4-BE49-F238E27FC236}">
-                <a16:creationId xmlns:a16="http://schemas.microsoft.com/office/drawing/2014/main" id="{DE5D9349-6932-5A63-0367-D199FC909FD9}"/>
-              </a:ext>
-            </a:extLst>
-          </p:cNvPr>
-          <p:cNvPicPr>
-            <a:picLocks noChangeAspect="1"/>
-          </p:cNvPicPr>
-          <p:nvPr/>
-        </p:nvPicPr>
-        <p:blipFill>
-          <a:blip r:embed="rId5">
-            <a:extLst>
-              <a:ext uri="{28A0092B-C50C-407E-A947-70E740481C1C}">
-                <a14:useLocalDpi xmlns:a14="http://schemas.microsoft.com/office/drawing/2010/main" val="0"/>
-              </a:ext>
-            </a:extLst>
-          </a:blip>
-          <a:srcRect/>
-          <a:stretch/>
-        </p:blipFill>
-        <p:spPr>
-          <a:xfrm flipH="1">
-            <a:off x="10325025" y="1516338"/>
-            <a:ext cx="1539137" cy="1539137"/>
-          </a:xfrm>
-          <a:prstGeom prst="rect">
-            <a:avLst/>
-          </a:prstGeom>
-        </p:spPr>
-      </p:pic>
-      <p:pic>
-        <p:nvPicPr>
-          <p:cNvPr id="31" name="図 30" descr="図形&#10;&#10;AI 生成コンテンツは誤りを含む可能性があります。">
-            <a:extLst>
-              <a:ext uri="{FF2B5EF4-FFF2-40B4-BE49-F238E27FC236}">
-                <a16:creationId xmlns:a16="http://schemas.microsoft.com/office/drawing/2014/main" id="{5BA9495E-CC11-A0C2-6341-93CFBC615E05}"/>
-              </a:ext>
-            </a:extLst>
-          </p:cNvPr>
-          <p:cNvPicPr>
-            <a:picLocks noChangeAspect="1"/>
-          </p:cNvPicPr>
-          <p:nvPr/>
-        </p:nvPicPr>
-        <p:blipFill>
-          <a:blip r:embed="rId6">
-            <a:extLst>
-              <a:ext uri="{28A0092B-C50C-407E-A947-70E740481C1C}">
-                <a14:useLocalDpi xmlns:a14="http://schemas.microsoft.com/office/drawing/2010/main" val="0"/>
-              </a:ext>
-            </a:extLst>
-          </a:blip>
-          <a:stretch>
-            <a:fillRect/>
-          </a:stretch>
-        </p:blipFill>
-        <p:spPr>
-          <a:xfrm>
-            <a:off x="10263567" y="2938660"/>
-            <a:ext cx="1460657" cy="1460657"/>
-          </a:xfrm>
-          <a:prstGeom prst="rect">
-            <a:avLst/>
-          </a:prstGeom>
-        </p:spPr>
-      </p:pic>
-      <p:pic>
-        <p:nvPicPr>
-          <p:cNvPr id="33" name="図 32" descr="図形&#10;&#10;AI 生成コンテンツは誤りを含む可能性があります。">
-            <a:extLst>
-              <a:ext uri="{FF2B5EF4-FFF2-40B4-BE49-F238E27FC236}">
-                <a16:creationId xmlns:a16="http://schemas.microsoft.com/office/drawing/2014/main" id="{D9B97EDE-ADAD-A0BB-653C-B2D2642CAC0E}"/>
-              </a:ext>
-            </a:extLst>
-          </p:cNvPr>
-          <p:cNvPicPr>
-            <a:picLocks noChangeAspect="1"/>
-          </p:cNvPicPr>
-          <p:nvPr/>
-        </p:nvPicPr>
-        <p:blipFill>
-          <a:blip r:embed="rId7">
-            <a:extLst>
-              <a:ext uri="{28A0092B-C50C-407E-A947-70E740481C1C}">
-                <a14:useLocalDpi xmlns:a14="http://schemas.microsoft.com/office/drawing/2010/main" val="0"/>
-              </a:ext>
-            </a:extLst>
-          </a:blip>
-          <a:stretch>
-            <a:fillRect/>
-          </a:stretch>
-        </p:blipFill>
-        <p:spPr>
-          <a:xfrm flipH="1">
-            <a:off x="10325025" y="4580517"/>
-            <a:ext cx="1318825" cy="1434812"/>
-          </a:xfrm>
-          <a:prstGeom prst="rect">
-            <a:avLst/>
-          </a:prstGeom>
-        </p:spPr>
-      </p:pic>
-      <p:sp>
-        <p:nvSpPr>
-          <p:cNvPr id="34" name="四角形: 角を丸くする 33">
-            <a:extLst>
-              <a:ext uri="{FF2B5EF4-FFF2-40B4-BE49-F238E27FC236}">
-                <a16:creationId xmlns:a16="http://schemas.microsoft.com/office/drawing/2014/main" id="{19D9DC92-02C2-B648-2682-70F66FDA42FB}"/>
-              </a:ext>
-            </a:extLst>
-          </p:cNvPr>
-          <p:cNvSpPr/>
-          <p:nvPr/>
-        </p:nvSpPr>
-        <p:spPr>
-          <a:xfrm>
-            <a:off x="7747000" y="1358901"/>
-            <a:ext cx="4178300" cy="4838700"/>
-          </a:xfrm>
-          <a:prstGeom prst="roundRect">
-            <a:avLst>
-              <a:gd name="adj" fmla="val 6333"/>
-            </a:avLst>
-          </a:prstGeom>
-          <a:noFill/>
-          <a:ln w="38100" cap="flat" cmpd="sng" algn="ctr">
-            <a:solidFill>
-              <a:schemeClr val="accent4"/>
-            </a:solidFill>
-            <a:prstDash val="solid"/>
-            <a:round/>
-            <a:headEnd type="none" w="med" len="med"/>
-            <a:tailEnd type="none" w="med" len="med"/>
-          </a:ln>
-        </p:spPr>
-        <p:style>
-          <a:lnRef idx="0">
-            <a:scrgbClr r="0" g="0" b="0"/>
-          </a:lnRef>
-          <a:fillRef idx="0">
-            <a:scrgbClr r="0" g="0" b="0"/>
-          </a:fillRef>
-          <a:effectRef idx="0">
-            <a:scrgbClr r="0" g="0" b="0"/>
-          </a:effectRef>
-          <a:fontRef idx="minor">
-            <a:schemeClr val="accent4"/>
-          </a:fontRef>
-        </p:style>
-        <p:txBody>
-          <a:bodyPr rtlCol="0" anchor="t"/>
-          <a:lstStyle/>
-          <a:p>
-            <a:r>
-              <a:rPr kumimoji="1" lang="en-US" altLang="ja-JP" sz="3600" dirty="0">
-                <a:solidFill>
-                  <a:schemeClr val="tx1"/>
-                </a:solidFill>
-              </a:rPr>
-              <a:t>VR</a:t>
-            </a:r>
-            <a:endParaRPr kumimoji="1" lang="ja-JP" altLang="en-US" sz="3600" dirty="0">
-              <a:solidFill>
-                <a:schemeClr val="tx1"/>
-              </a:solidFill>
-            </a:endParaRPr>
-          </a:p>
-        </p:txBody>
-      </p:sp>
-      <p:sp>
-        <p:nvSpPr>
-          <p:cNvPr id="42" name="テキスト ボックス 41">
-            <a:extLst>
-              <a:ext uri="{FF2B5EF4-FFF2-40B4-BE49-F238E27FC236}">
-                <a16:creationId xmlns:a16="http://schemas.microsoft.com/office/drawing/2014/main" id="{0BF80B4A-8F6C-8B62-5E53-956E0F6B264D}"/>
-              </a:ext>
-            </a:extLst>
-          </p:cNvPr>
-          <p:cNvSpPr txBox="1"/>
-          <p:nvPr/>
-        </p:nvSpPr>
-        <p:spPr>
-          <a:xfrm>
-            <a:off x="6603595" y="3846715"/>
-            <a:ext cx="902811" cy="954107"/>
-          </a:xfrm>
-          <a:prstGeom prst="rect">
-            <a:avLst/>
-          </a:prstGeom>
-          <a:noFill/>
-        </p:spPr>
-        <p:txBody>
-          <a:bodyPr wrap="none" rtlCol="0">
-            <a:spAutoFit/>
-          </a:bodyPr>
-          <a:lstStyle/>
-          <a:p>
-            <a:r>
-              <a:rPr lang="ja-JP" altLang="en-US" sz="2800" dirty="0"/>
-              <a:t>武器</a:t>
-            </a:r>
-            <a:br>
-              <a:rPr lang="en-US" altLang="ja-JP" sz="2800" dirty="0"/>
-            </a:br>
-            <a:r>
-              <a:rPr lang="ja-JP" altLang="en-US" sz="2800" dirty="0"/>
-              <a:t>選択</a:t>
-            </a:r>
-            <a:endParaRPr kumimoji="1" lang="ja-JP" altLang="en-US" sz="2800" dirty="0"/>
-          </a:p>
-        </p:txBody>
-      </p:sp>
-      <p:cxnSp>
-        <p:nvCxnSpPr>
-          <p:cNvPr id="44" name="コネクタ: カギ線 43">
-            <a:extLst>
-              <a:ext uri="{FF2B5EF4-FFF2-40B4-BE49-F238E27FC236}">
-                <a16:creationId xmlns:a16="http://schemas.microsoft.com/office/drawing/2014/main" id="{2109F307-0189-61AF-322E-6BBFACC227E7}"/>
-              </a:ext>
-            </a:extLst>
-          </p:cNvPr>
-          <p:cNvCxnSpPr>
-            <a:cxnSpLocks/>
-            <a:stCxn id="27" idx="3"/>
-            <a:endCxn id="33" idx="3"/>
-          </p:cNvCxnSpPr>
-          <p:nvPr/>
-        </p:nvCxnSpPr>
-        <p:spPr>
-          <a:xfrm>
-            <a:off x="9332537" y="3672425"/>
-            <a:ext cx="992488" cy="1625498"/>
-          </a:xfrm>
-          <a:prstGeom prst="bentConnector3">
-            <a:avLst>
-              <a:gd name="adj1" fmla="val 50000"/>
-            </a:avLst>
-          </a:prstGeom>
-          <a:ln w="76200"/>
-        </p:spPr>
-        <p:style>
-          <a:lnRef idx="2">
-            <a:schemeClr val="dk1"/>
-          </a:lnRef>
-          <a:fillRef idx="0">
-            <a:schemeClr val="dk1"/>
-          </a:fillRef>
-          <a:effectRef idx="1">
-            <a:schemeClr val="dk1"/>
-          </a:effectRef>
-          <a:fontRef idx="minor">
-            <a:schemeClr val="tx1"/>
-          </a:fontRef>
-        </p:style>
-      </p:cxnSp>
-      <p:cxnSp>
-        <p:nvCxnSpPr>
-          <p:cNvPr id="47" name="直線コネクタ 46">
-            <a:extLst>
-              <a:ext uri="{FF2B5EF4-FFF2-40B4-BE49-F238E27FC236}">
-                <a16:creationId xmlns:a16="http://schemas.microsoft.com/office/drawing/2014/main" id="{6A40479A-49CF-81AB-296C-72FA47E33E99}"/>
-              </a:ext>
-            </a:extLst>
-          </p:cNvPr>
-          <p:cNvCxnSpPr>
-            <a:stCxn id="27" idx="3"/>
-            <a:endCxn id="31" idx="1"/>
-          </p:cNvCxnSpPr>
-          <p:nvPr/>
-        </p:nvCxnSpPr>
-        <p:spPr>
-          <a:xfrm flipV="1">
-            <a:off x="9332537" y="3668989"/>
-            <a:ext cx="931030" cy="3436"/>
-          </a:xfrm>
-          <a:prstGeom prst="line">
-            <a:avLst/>
-          </a:prstGeom>
-          <a:ln w="76200"/>
-        </p:spPr>
-        <p:style>
-          <a:lnRef idx="2">
-            <a:schemeClr val="dk1"/>
-          </a:lnRef>
-          <a:fillRef idx="0">
-            <a:schemeClr val="dk1"/>
-          </a:fillRef>
-          <a:effectRef idx="1">
-            <a:schemeClr val="dk1"/>
-          </a:effectRef>
-          <a:fontRef idx="minor">
-            <a:schemeClr val="tx1"/>
-          </a:fontRef>
-        </p:style>
-      </p:cxnSp>
-      <p:cxnSp>
-        <p:nvCxnSpPr>
-          <p:cNvPr id="51" name="コネクタ: カギ線 50">
-            <a:extLst>
-              <a:ext uri="{FF2B5EF4-FFF2-40B4-BE49-F238E27FC236}">
-                <a16:creationId xmlns:a16="http://schemas.microsoft.com/office/drawing/2014/main" id="{B2606ACD-EBA4-96C1-952D-E138617C59DE}"/>
-              </a:ext>
-            </a:extLst>
-          </p:cNvPr>
-          <p:cNvCxnSpPr>
-            <a:cxnSpLocks/>
-            <a:stCxn id="27" idx="3"/>
-            <a:endCxn id="29" idx="3"/>
-          </p:cNvCxnSpPr>
-          <p:nvPr/>
-        </p:nvCxnSpPr>
-        <p:spPr>
-          <a:xfrm flipV="1">
-            <a:off x="9332537" y="2285907"/>
-            <a:ext cx="992488" cy="1386518"/>
-          </a:xfrm>
-          <a:prstGeom prst="bentConnector3">
-            <a:avLst>
-              <a:gd name="adj1" fmla="val 50000"/>
-            </a:avLst>
-          </a:prstGeom>
-          <a:ln w="76200"/>
-        </p:spPr>
-        <p:style>
-          <a:lnRef idx="2">
-            <a:schemeClr val="dk1"/>
-          </a:lnRef>
-          <a:fillRef idx="0">
-            <a:schemeClr val="dk1"/>
-          </a:fillRef>
-          <a:effectRef idx="1">
-            <a:schemeClr val="dk1"/>
-          </a:effectRef>
-          <a:fontRef idx="minor">
-            <a:schemeClr val="tx1"/>
-          </a:fontRef>
-        </p:style>
-      </p:cxnSp>
-      <p:sp>
-        <p:nvSpPr>
-          <p:cNvPr id="62" name="正方形/長方形 61">
-            <a:extLst>
-              <a:ext uri="{FF2B5EF4-FFF2-40B4-BE49-F238E27FC236}">
-                <a16:creationId xmlns:a16="http://schemas.microsoft.com/office/drawing/2014/main" id="{09BC1F05-4EC8-65ED-3F59-EF0D04B6A246}"/>
-              </a:ext>
-            </a:extLst>
-          </p:cNvPr>
-          <p:cNvSpPr/>
-          <p:nvPr/>
-        </p:nvSpPr>
-        <p:spPr>
-          <a:xfrm>
-            <a:off x="2946002" y="3935991"/>
-            <a:ext cx="451755" cy="1384996"/>
-          </a:xfrm>
-          <a:prstGeom prst="rect">
-            <a:avLst/>
-          </a:prstGeom>
-        </p:spPr>
-        <p:style>
-          <a:lnRef idx="2">
-            <a:schemeClr val="accent5">
-              <a:shade val="15000"/>
-            </a:schemeClr>
-          </a:lnRef>
-          <a:fillRef idx="1">
-            <a:schemeClr val="accent5"/>
-          </a:fillRef>
-          <a:effectRef idx="0">
-            <a:schemeClr val="accent5"/>
-          </a:effectRef>
-          <a:fontRef idx="minor">
-            <a:schemeClr val="lt1"/>
-          </a:fontRef>
-        </p:style>
-        <p:txBody>
-          <a:bodyPr rtlCol="0" anchor="ctr"/>
-          <a:lstStyle/>
-          <a:p>
-            <a:pPr algn="ctr"/>
-            <a:endParaRPr kumimoji="1" lang="ja-JP" altLang="en-US"/>
-          </a:p>
-        </p:txBody>
-      </p:sp>
-      <p:sp>
-        <p:nvSpPr>
-          <p:cNvPr id="63" name="正方形/長方形 62">
-            <a:extLst>
-              <a:ext uri="{FF2B5EF4-FFF2-40B4-BE49-F238E27FC236}">
-                <a16:creationId xmlns:a16="http://schemas.microsoft.com/office/drawing/2014/main" id="{D8D6957B-2035-9BE1-56E7-FCD0CBDF9F85}"/>
-              </a:ext>
-            </a:extLst>
-          </p:cNvPr>
-          <p:cNvSpPr/>
-          <p:nvPr/>
-        </p:nvSpPr>
-        <p:spPr>
-          <a:xfrm>
-            <a:off x="3010313" y="3924888"/>
-            <a:ext cx="324392" cy="1384996"/>
-          </a:xfrm>
-          <a:prstGeom prst="rect">
-            <a:avLst/>
-          </a:prstGeom>
-        </p:spPr>
-        <p:style>
-          <a:lnRef idx="2">
-            <a:schemeClr val="accent5">
-              <a:shade val="15000"/>
-            </a:schemeClr>
-          </a:lnRef>
-          <a:fillRef idx="1">
-            <a:schemeClr val="accent5"/>
-          </a:fillRef>
-          <a:effectRef idx="0">
-            <a:schemeClr val="accent5"/>
-          </a:effectRef>
-          <a:fontRef idx="minor">
-            <a:schemeClr val="lt1"/>
-          </a:fontRef>
-        </p:style>
-        <p:txBody>
-          <a:bodyPr rtlCol="0" anchor="ctr"/>
-          <a:lstStyle/>
-          <a:p>
-            <a:pPr algn="ctr"/>
-            <a:endParaRPr kumimoji="1" lang="ja-JP" altLang="en-US"/>
-          </a:p>
-        </p:txBody>
-      </p:sp>
-      <p:sp>
-        <p:nvSpPr>
-          <p:cNvPr id="64" name="テキスト ボックス 63">
-            <a:extLst>
-              <a:ext uri="{FF2B5EF4-FFF2-40B4-BE49-F238E27FC236}">
-                <a16:creationId xmlns:a16="http://schemas.microsoft.com/office/drawing/2014/main" id="{3F61255E-8271-45DC-1450-A6DFB81E5042}"/>
-              </a:ext>
-            </a:extLst>
-          </p:cNvPr>
-          <p:cNvSpPr txBox="1"/>
-          <p:nvPr/>
-        </p:nvSpPr>
-        <p:spPr>
-          <a:xfrm>
-            <a:off x="6603595" y="3260450"/>
-            <a:ext cx="902811" cy="523220"/>
-          </a:xfrm>
-          <a:prstGeom prst="rect">
-            <a:avLst/>
-          </a:prstGeom>
-          <a:noFill/>
-        </p:spPr>
-        <p:txBody>
-          <a:bodyPr wrap="none" rtlCol="0">
-            <a:spAutoFit/>
-          </a:bodyPr>
-          <a:lstStyle/>
-          <a:p>
-            <a:r>
-              <a:rPr kumimoji="1" lang="ja-JP" altLang="en-US" sz="2800" dirty="0"/>
-              <a:t>出力</a:t>
-            </a:r>
-          </a:p>
-        </p:txBody>
-      </p:sp>
-      <p:sp>
-        <p:nvSpPr>
-          <p:cNvPr id="65" name="テキスト ボックス 64">
-            <a:extLst>
-              <a:ext uri="{FF2B5EF4-FFF2-40B4-BE49-F238E27FC236}">
-                <a16:creationId xmlns:a16="http://schemas.microsoft.com/office/drawing/2014/main" id="{E5326563-0228-E64F-FF49-2B7BE3F7B852}"/>
-              </a:ext>
-            </a:extLst>
-          </p:cNvPr>
-          <p:cNvSpPr txBox="1"/>
-          <p:nvPr/>
-        </p:nvSpPr>
-        <p:spPr>
-          <a:xfrm>
-            <a:off x="5572575" y="4277602"/>
-            <a:ext cx="561372" cy="523220"/>
-          </a:xfrm>
-          <a:prstGeom prst="rect">
-            <a:avLst/>
-          </a:prstGeom>
-          <a:noFill/>
-        </p:spPr>
-        <p:txBody>
-          <a:bodyPr wrap="none" rtlCol="0">
-            <a:spAutoFit/>
-          </a:bodyPr>
-          <a:lstStyle/>
-          <a:p>
-            <a:r>
-              <a:rPr lang="en-US" altLang="ja-JP" sz="2800" dirty="0"/>
-              <a:t>PC</a:t>
-            </a:r>
-            <a:endParaRPr kumimoji="1" lang="ja-JP" altLang="en-US" sz="2800" dirty="0"/>
-          </a:p>
-        </p:txBody>
-      </p:sp>
-      <p:pic>
-        <p:nvPicPr>
-          <p:cNvPr id="67" name="図 66" descr="図形&#10;&#10;AI 生成コンテンツは誤りを含む可能性があります。">
-            <a:extLst>
-              <a:ext uri="{FF2B5EF4-FFF2-40B4-BE49-F238E27FC236}">
-                <a16:creationId xmlns:a16="http://schemas.microsoft.com/office/drawing/2014/main" id="{5C19FC4E-431D-300D-C38E-507405FFDB26}"/>
-              </a:ext>
-            </a:extLst>
-          </p:cNvPr>
-          <p:cNvPicPr>
-            <a:picLocks noChangeAspect="1"/>
-          </p:cNvPicPr>
-          <p:nvPr/>
-        </p:nvPicPr>
-        <p:blipFill>
-          <a:blip r:embed="rId8">
-            <a:extLst>
-              <a:ext uri="{28A0092B-C50C-407E-A947-70E740481C1C}">
-                <a14:useLocalDpi xmlns:a14="http://schemas.microsoft.com/office/drawing/2010/main" val="0"/>
-              </a:ext>
-            </a:extLst>
-          </a:blip>
-          <a:stretch>
-            <a:fillRect/>
-          </a:stretch>
-        </p:blipFill>
-        <p:spPr>
-          <a:xfrm>
-            <a:off x="1341079" y="2406858"/>
-            <a:ext cx="781618" cy="520985"/>
-          </a:xfrm>
-          <a:prstGeom prst="rect">
-            <a:avLst/>
-          </a:prstGeom>
-        </p:spPr>
-      </p:pic>
-      <p:sp>
-        <p:nvSpPr>
-          <p:cNvPr id="68" name="正方形/長方形 67">
-            <a:extLst>
-              <a:ext uri="{FF2B5EF4-FFF2-40B4-BE49-F238E27FC236}">
-                <a16:creationId xmlns:a16="http://schemas.microsoft.com/office/drawing/2014/main" id="{DA69413A-99D3-717D-BAD7-CAD35E2D01ED}"/>
-              </a:ext>
-            </a:extLst>
-          </p:cNvPr>
-          <p:cNvSpPr/>
-          <p:nvPr/>
-        </p:nvSpPr>
-        <p:spPr>
-          <a:xfrm>
-            <a:off x="2330206" y="1988162"/>
-            <a:ext cx="1149454" cy="442436"/>
-          </a:xfrm>
-          <a:prstGeom prst="rect">
-            <a:avLst/>
-          </a:prstGeom>
-          <a:ln w="38100"/>
-        </p:spPr>
-        <p:style>
-          <a:lnRef idx="2">
-            <a:schemeClr val="dk1"/>
-          </a:lnRef>
-          <a:fillRef idx="1">
-            <a:schemeClr val="lt1"/>
-          </a:fillRef>
-          <a:effectRef idx="0">
-            <a:schemeClr val="dk1"/>
-          </a:effectRef>
-          <a:fontRef idx="minor">
-            <a:schemeClr val="dk1"/>
-          </a:fontRef>
-        </p:style>
-        <p:txBody>
-          <a:bodyPr rtlCol="0" anchor="ctr"/>
-          <a:lstStyle/>
-          <a:p>
-            <a:pPr algn="ctr"/>
-            <a:r>
-              <a:rPr kumimoji="1" lang="en-US" altLang="ja-JP" sz="3200" dirty="0"/>
-              <a:t>HMD</a:t>
-            </a:r>
-            <a:endParaRPr kumimoji="1" lang="ja-JP" altLang="en-US" sz="3200" dirty="0"/>
-          </a:p>
-        </p:txBody>
-      </p:sp>
-      <p:cxnSp>
-        <p:nvCxnSpPr>
-          <p:cNvPr id="70" name="直線コネクタ 69">
-            <a:extLst>
-              <a:ext uri="{FF2B5EF4-FFF2-40B4-BE49-F238E27FC236}">
-                <a16:creationId xmlns:a16="http://schemas.microsoft.com/office/drawing/2014/main" id="{F486AC18-80A9-8DEF-A3AF-4D269887636E}"/>
-              </a:ext>
-            </a:extLst>
-          </p:cNvPr>
-          <p:cNvCxnSpPr>
-            <a:stCxn id="68" idx="1"/>
-            <a:endCxn id="67" idx="0"/>
-          </p:cNvCxnSpPr>
-          <p:nvPr/>
-        </p:nvCxnSpPr>
-        <p:spPr>
-          <a:xfrm flipH="1">
-            <a:off x="1731888" y="2209380"/>
-            <a:ext cx="598318" cy="197478"/>
-          </a:xfrm>
-          <a:prstGeom prst="line">
-            <a:avLst/>
-          </a:prstGeom>
-          <a:ln w="28575"/>
-        </p:spPr>
-        <p:style>
-          <a:lnRef idx="2">
-            <a:schemeClr val="dk1"/>
-          </a:lnRef>
-          <a:fillRef idx="0">
-            <a:schemeClr val="dk1"/>
-          </a:fillRef>
-          <a:effectRef idx="1">
-            <a:schemeClr val="dk1"/>
-          </a:effectRef>
-          <a:fontRef idx="minor">
-            <a:schemeClr val="tx1"/>
-          </a:fontRef>
-        </p:style>
-      </p:cxnSp>
-      <p:sp>
-        <p:nvSpPr>
-          <p:cNvPr id="3" name="テキスト ボックス 2">
-            <a:extLst>
-              <a:ext uri="{FF2B5EF4-FFF2-40B4-BE49-F238E27FC236}">
-                <a16:creationId xmlns:a16="http://schemas.microsoft.com/office/drawing/2014/main" id="{CFC64977-F696-5833-B047-C78BCE225FA9}"/>
-              </a:ext>
-            </a:extLst>
-          </p:cNvPr>
-          <p:cNvSpPr txBox="1"/>
-          <p:nvPr/>
-        </p:nvSpPr>
-        <p:spPr>
-          <a:xfrm>
-            <a:off x="9291243" y="1939734"/>
-            <a:ext cx="437321" cy="523220"/>
-          </a:xfrm>
-          <a:prstGeom prst="rect">
-            <a:avLst/>
-          </a:prstGeom>
-          <a:noFill/>
-        </p:spPr>
-        <p:txBody>
-          <a:bodyPr wrap="square" rtlCol="0">
-            <a:spAutoFit/>
-          </a:bodyPr>
-          <a:lstStyle/>
-          <a:p>
-            <a:r>
-              <a:rPr kumimoji="1" lang="ja-JP" altLang="en-US" sz="2800" dirty="0"/>
-              <a:t>①</a:t>
-            </a:r>
-          </a:p>
-        </p:txBody>
-      </p:sp>
-      <p:sp>
-        <p:nvSpPr>
-          <p:cNvPr id="17" name="テキスト ボックス 16">
-            <a:extLst>
-              <a:ext uri="{FF2B5EF4-FFF2-40B4-BE49-F238E27FC236}">
-                <a16:creationId xmlns:a16="http://schemas.microsoft.com/office/drawing/2014/main" id="{D9E932E0-1052-3C21-843A-491F3FA5AB7C}"/>
-              </a:ext>
-            </a:extLst>
-          </p:cNvPr>
-          <p:cNvSpPr txBox="1"/>
-          <p:nvPr/>
-        </p:nvSpPr>
-        <p:spPr>
-          <a:xfrm>
-            <a:off x="9304210" y="3179332"/>
-            <a:ext cx="437321" cy="523220"/>
-          </a:xfrm>
-          <a:prstGeom prst="rect">
-            <a:avLst/>
-          </a:prstGeom>
-          <a:noFill/>
-        </p:spPr>
-        <p:txBody>
-          <a:bodyPr wrap="square" rtlCol="0">
-            <a:spAutoFit/>
-          </a:bodyPr>
-          <a:lstStyle/>
-          <a:p>
-            <a:r>
-              <a:rPr lang="ja-JP" altLang="en-US" sz="2800" dirty="0"/>
-              <a:t>②</a:t>
-            </a:r>
-            <a:endParaRPr kumimoji="1" lang="ja-JP" altLang="en-US" sz="2800" dirty="0"/>
-          </a:p>
-        </p:txBody>
-      </p:sp>
-      <p:sp>
-        <p:nvSpPr>
-          <p:cNvPr id="18" name="テキスト ボックス 17">
-            <a:extLst>
-              <a:ext uri="{FF2B5EF4-FFF2-40B4-BE49-F238E27FC236}">
-                <a16:creationId xmlns:a16="http://schemas.microsoft.com/office/drawing/2014/main" id="{D0EAD1F6-079B-C670-110B-1A125DFF850C}"/>
-              </a:ext>
-            </a:extLst>
-          </p:cNvPr>
-          <p:cNvSpPr txBox="1"/>
-          <p:nvPr/>
-        </p:nvSpPr>
-        <p:spPr>
-          <a:xfrm>
-            <a:off x="9291243" y="4868209"/>
-            <a:ext cx="437321" cy="523220"/>
-          </a:xfrm>
-          <a:prstGeom prst="rect">
-            <a:avLst/>
-          </a:prstGeom>
-          <a:noFill/>
-        </p:spPr>
-        <p:txBody>
-          <a:bodyPr wrap="square" rtlCol="0">
-            <a:spAutoFit/>
-          </a:bodyPr>
-          <a:lstStyle/>
-          <a:p>
-            <a:r>
-              <a:rPr kumimoji="1" lang="ja-JP" altLang="en-US" sz="2800" dirty="0"/>
-              <a:t>③</a:t>
-            </a:r>
-          </a:p>
-        </p:txBody>
-      </p:sp>
-      <p:sp>
-        <p:nvSpPr>
-          <p:cNvPr id="21" name="テキスト ボックス 20">
-            <a:extLst>
-              <a:ext uri="{FF2B5EF4-FFF2-40B4-BE49-F238E27FC236}">
-                <a16:creationId xmlns:a16="http://schemas.microsoft.com/office/drawing/2014/main" id="{8FF585E0-8ECF-601B-9518-4307CE1FEC2D}"/>
-              </a:ext>
-            </a:extLst>
-          </p:cNvPr>
-          <p:cNvSpPr txBox="1"/>
-          <p:nvPr/>
-        </p:nvSpPr>
-        <p:spPr>
-          <a:xfrm>
-            <a:off x="2933444" y="3263302"/>
-            <a:ext cx="437321" cy="523220"/>
-          </a:xfrm>
-          <a:prstGeom prst="rect">
-            <a:avLst/>
-          </a:prstGeom>
-          <a:noFill/>
-        </p:spPr>
-        <p:txBody>
-          <a:bodyPr wrap="square" rtlCol="0">
-            <a:spAutoFit/>
-          </a:bodyPr>
-          <a:lstStyle/>
-          <a:p>
-            <a:r>
-              <a:rPr kumimoji="1" lang="ja-JP" altLang="en-US" sz="2800" dirty="0"/>
-              <a:t>①</a:t>
-            </a:r>
-          </a:p>
-        </p:txBody>
-      </p:sp>
-      <p:sp>
-        <p:nvSpPr>
-          <p:cNvPr id="25" name="テキスト ボックス 24">
-            <a:extLst>
-              <a:ext uri="{FF2B5EF4-FFF2-40B4-BE49-F238E27FC236}">
-                <a16:creationId xmlns:a16="http://schemas.microsoft.com/office/drawing/2014/main" id="{87297CF9-6265-56E6-B593-71392375155A}"/>
-              </a:ext>
-            </a:extLst>
-          </p:cNvPr>
-          <p:cNvSpPr txBox="1"/>
-          <p:nvPr/>
-        </p:nvSpPr>
-        <p:spPr>
-          <a:xfrm>
-            <a:off x="2936191" y="3249635"/>
-            <a:ext cx="437321" cy="523220"/>
-          </a:xfrm>
-          <a:prstGeom prst="rect">
-            <a:avLst/>
-          </a:prstGeom>
-          <a:noFill/>
-        </p:spPr>
-        <p:txBody>
-          <a:bodyPr wrap="square" rtlCol="0">
-            <a:spAutoFit/>
-          </a:bodyPr>
-          <a:lstStyle/>
-          <a:p>
-            <a:r>
-              <a:rPr lang="ja-JP" altLang="en-US" sz="2800" dirty="0"/>
-              <a:t>②</a:t>
-            </a:r>
-            <a:endParaRPr kumimoji="1" lang="ja-JP" altLang="en-US" sz="2800" dirty="0"/>
-          </a:p>
-        </p:txBody>
-      </p:sp>
-      <p:sp>
-        <p:nvSpPr>
-          <p:cNvPr id="26" name="テキスト ボックス 25">
-            <a:extLst>
-              <a:ext uri="{FF2B5EF4-FFF2-40B4-BE49-F238E27FC236}">
-                <a16:creationId xmlns:a16="http://schemas.microsoft.com/office/drawing/2014/main" id="{0C21B538-FFCB-7A01-D309-E07629524B25}"/>
-              </a:ext>
-            </a:extLst>
-          </p:cNvPr>
-          <p:cNvSpPr txBox="1"/>
-          <p:nvPr/>
-        </p:nvSpPr>
-        <p:spPr>
-          <a:xfrm>
-            <a:off x="2924459" y="3260450"/>
-            <a:ext cx="437321" cy="523220"/>
-          </a:xfrm>
-          <a:prstGeom prst="rect">
-            <a:avLst/>
-          </a:prstGeom>
-          <a:noFill/>
-        </p:spPr>
-        <p:txBody>
-          <a:bodyPr wrap="square" rtlCol="0">
-            <a:spAutoFit/>
-          </a:bodyPr>
-          <a:lstStyle/>
-          <a:p>
-            <a:r>
-              <a:rPr kumimoji="1" lang="ja-JP" altLang="en-US" sz="2800" dirty="0"/>
-              <a:t>③</a:t>
-            </a:r>
-          </a:p>
-        </p:txBody>
-      </p:sp>
-      <p:cxnSp>
-        <p:nvCxnSpPr>
-          <p:cNvPr id="32" name="直線矢印コネクタ 31">
-            <a:extLst>
-              <a:ext uri="{FF2B5EF4-FFF2-40B4-BE49-F238E27FC236}">
-                <a16:creationId xmlns:a16="http://schemas.microsoft.com/office/drawing/2014/main" id="{C2CCE458-236E-D20B-02D6-5EC8CB460EAE}"/>
-              </a:ext>
-            </a:extLst>
-          </p:cNvPr>
-          <p:cNvCxnSpPr>
-            <a:endCxn id="34" idx="1"/>
-          </p:cNvCxnSpPr>
-          <p:nvPr/>
-        </p:nvCxnSpPr>
-        <p:spPr>
-          <a:xfrm flipV="1">
-            <a:off x="6280030" y="3778251"/>
-            <a:ext cx="1466970" cy="12723"/>
-          </a:xfrm>
-          <a:prstGeom prst="straightConnector1">
-            <a:avLst/>
-          </a:prstGeom>
-          <a:ln w="57150" cap="flat" cmpd="sng" algn="ctr">
-            <a:solidFill>
-              <a:schemeClr val="dk1"/>
-            </a:solidFill>
-            <a:prstDash val="solid"/>
-            <a:round/>
-            <a:headEnd type="none" w="med" len="med"/>
-            <a:tailEnd type="arrow" w="med" len="med"/>
-          </a:ln>
-        </p:spPr>
-        <p:style>
-          <a:lnRef idx="0">
-            <a:scrgbClr r="0" g="0" b="0"/>
-          </a:lnRef>
-          <a:fillRef idx="0">
-            <a:scrgbClr r="0" g="0" b="0"/>
-          </a:fillRef>
-          <a:effectRef idx="0">
-            <a:scrgbClr r="0" g="0" b="0"/>
-          </a:effectRef>
-          <a:fontRef idx="minor">
-            <a:schemeClr val="tx1"/>
-          </a:fontRef>
-        </p:style>
-      </p:cxnSp>
-    </p:spTree>
-    <p:extLst>
-      <p:ext uri="{BB962C8B-B14F-4D97-AF65-F5344CB8AC3E}">
-        <p14:creationId xmlns:p14="http://schemas.microsoft.com/office/powerpoint/2010/main" val="441778733"/>
-      </p:ext>
-    </p:extLst>
-  </p:cSld>
-  <p:clrMapOvr>
-    <a:masterClrMapping/>
-  </p:clrMapOvr>
-  <p:timing>
-    <p:tnLst>
-      <p:par>
-        <p:cTn id="1" dur="indefinite" restart="never" nodeType="tmRoot">
-          <p:childTnLst>
-            <p:seq concurrent="1" nextAc="seek">
-              <p:cTn id="2" dur="indefinite" nodeType="mainSeq">
-                <p:childTnLst>
-                  <p:par>
-                    <p:cTn id="3" fill="hold">
-                      <p:stCondLst>
-                        <p:cond delay="indefinite"/>
-                      </p:stCondLst>
-                      <p:childTnLst>
-                        <p:par>
-                          <p:cTn id="4" fill="hold">
-                            <p:stCondLst>
-                              <p:cond delay="0"/>
-                            </p:stCondLst>
-                            <p:childTnLst>
-                              <p:par>
-                                <p:cTn id="5" presetID="10" presetClass="entr" presetSubtype="0" fill="hold" nodeType="clickEffect">
-                                  <p:stCondLst>
-                                    <p:cond delay="0"/>
-                                  </p:stCondLst>
-                                  <p:childTnLst>
-                                    <p:set>
-                                      <p:cBhvr>
-                                        <p:cTn id="6" dur="1" fill="hold">
-                                          <p:stCondLst>
-                                            <p:cond delay="0"/>
-                                          </p:stCondLst>
-                                        </p:cTn>
-                                        <p:tgtEl>
-                                          <p:spTgt spid="51"/>
-                                        </p:tgtEl>
-                                        <p:attrNameLst>
-                                          <p:attrName>style.visibility</p:attrName>
-                                        </p:attrNameLst>
-                                      </p:cBhvr>
-                                      <p:to>
-                                        <p:strVal val="visible"/>
-                                      </p:to>
-                                    </p:set>
-                                    <p:animEffect transition="in" filter="fade">
-                                      <p:cBhvr>
-                                        <p:cTn id="7" dur="500"/>
-                                        <p:tgtEl>
-                                          <p:spTgt spid="51"/>
-                                        </p:tgtEl>
-                                      </p:cBhvr>
-                                    </p:animEffect>
-                                  </p:childTnLst>
-                                </p:cTn>
-                              </p:par>
-                              <p:par>
-                                <p:cTn id="8" presetID="10" presetClass="entr" presetSubtype="0" fill="hold" grpId="0" nodeType="withEffect">
-                                  <p:stCondLst>
-                                    <p:cond delay="0"/>
-                                  </p:stCondLst>
-                                  <p:childTnLst>
-                                    <p:set>
-                                      <p:cBhvr>
-                                        <p:cTn id="9" dur="1" fill="hold">
-                                          <p:stCondLst>
-                                            <p:cond delay="0"/>
-                                          </p:stCondLst>
-                                        </p:cTn>
-                                        <p:tgtEl>
-                                          <p:spTgt spid="3"/>
-                                        </p:tgtEl>
-                                        <p:attrNameLst>
-                                          <p:attrName>style.visibility</p:attrName>
-                                        </p:attrNameLst>
-                                      </p:cBhvr>
-                                      <p:to>
-                                        <p:strVal val="visible"/>
-                                      </p:to>
-                                    </p:set>
-                                    <p:animEffect transition="in" filter="fade">
-                                      <p:cBhvr>
-                                        <p:cTn id="10" dur="500"/>
-                                        <p:tgtEl>
-                                          <p:spTgt spid="3"/>
-                                        </p:tgtEl>
-                                      </p:cBhvr>
-                                    </p:animEffect>
-                                  </p:childTnLst>
-                                </p:cTn>
-                              </p:par>
-                              <p:par>
-                                <p:cTn id="11" presetID="10" presetClass="entr" presetSubtype="0" fill="hold" grpId="2" nodeType="withEffect">
-                                  <p:stCondLst>
-                                    <p:cond delay="0"/>
-                                  </p:stCondLst>
-                                  <p:childTnLst>
-                                    <p:set>
-                                      <p:cBhvr>
-                                        <p:cTn id="12" dur="1" fill="hold">
-                                          <p:stCondLst>
-                                            <p:cond delay="0"/>
-                                          </p:stCondLst>
-                                        </p:cTn>
-                                        <p:tgtEl>
-                                          <p:spTgt spid="21"/>
-                                        </p:tgtEl>
-                                        <p:attrNameLst>
-                                          <p:attrName>style.visibility</p:attrName>
-                                        </p:attrNameLst>
-                                      </p:cBhvr>
-                                      <p:to>
-                                        <p:strVal val="visible"/>
-                                      </p:to>
-                                    </p:set>
-                                    <p:animEffect transition="in" filter="fade">
-                                      <p:cBhvr>
-                                        <p:cTn id="13" dur="500"/>
-                                        <p:tgtEl>
-                                          <p:spTgt spid="21"/>
-                                        </p:tgtEl>
-                                      </p:cBhvr>
-                                    </p:animEffect>
-                                  </p:childTnLst>
-                                </p:cTn>
-                              </p:par>
-                            </p:childTnLst>
-                          </p:cTn>
-                        </p:par>
-                      </p:childTnLst>
-                    </p:cTn>
-                  </p:par>
-                  <p:par>
-                    <p:cTn id="14" fill="hold">
-                      <p:stCondLst>
-                        <p:cond delay="indefinite"/>
-                      </p:stCondLst>
-                      <p:childTnLst>
-                        <p:par>
-                          <p:cTn id="15" fill="hold">
-                            <p:stCondLst>
-                              <p:cond delay="0"/>
-                            </p:stCondLst>
-                            <p:childTnLst>
-                              <p:par>
-                                <p:cTn id="16" presetID="10" presetClass="exit" presetSubtype="0" fill="hold" grpId="0" nodeType="clickEffect">
-                                  <p:stCondLst>
-                                    <p:cond delay="0"/>
-                                  </p:stCondLst>
-                                  <p:childTnLst>
-                                    <p:animEffect transition="out" filter="fade">
-                                      <p:cBhvr>
-                                        <p:cTn id="17" dur="500"/>
-                                        <p:tgtEl>
-                                          <p:spTgt spid="5"/>
-                                        </p:tgtEl>
-                                      </p:cBhvr>
-                                    </p:animEffect>
-                                    <p:set>
-                                      <p:cBhvr>
-                                        <p:cTn id="18" dur="1" fill="hold">
-                                          <p:stCondLst>
-                                            <p:cond delay="499"/>
-                                          </p:stCondLst>
-                                        </p:cTn>
-                                        <p:tgtEl>
-                                          <p:spTgt spid="5"/>
-                                        </p:tgtEl>
-                                        <p:attrNameLst>
-                                          <p:attrName>style.visibility</p:attrName>
-                                        </p:attrNameLst>
-                                      </p:cBhvr>
-                                      <p:to>
-                                        <p:strVal val="hidden"/>
-                                      </p:to>
-                                    </p:set>
-                                  </p:childTnLst>
-                                </p:cTn>
-                              </p:par>
-                              <p:par>
-                                <p:cTn id="19" presetID="10" presetClass="exit" presetSubtype="0" fill="hold" nodeType="withEffect">
-                                  <p:stCondLst>
-                                    <p:cond delay="0"/>
-                                  </p:stCondLst>
-                                  <p:childTnLst>
-                                    <p:animEffect transition="out" filter="fade">
-                                      <p:cBhvr>
-                                        <p:cTn id="20" dur="500"/>
-                                        <p:tgtEl>
-                                          <p:spTgt spid="51"/>
-                                        </p:tgtEl>
-                                      </p:cBhvr>
-                                    </p:animEffect>
-                                    <p:set>
-                                      <p:cBhvr>
-                                        <p:cTn id="21" dur="1" fill="hold">
-                                          <p:stCondLst>
-                                            <p:cond delay="499"/>
-                                          </p:stCondLst>
-                                        </p:cTn>
-                                        <p:tgtEl>
-                                          <p:spTgt spid="51"/>
-                                        </p:tgtEl>
-                                        <p:attrNameLst>
-                                          <p:attrName>style.visibility</p:attrName>
-                                        </p:attrNameLst>
-                                      </p:cBhvr>
-                                      <p:to>
-                                        <p:strVal val="hidden"/>
-                                      </p:to>
-                                    </p:set>
-                                  </p:childTnLst>
-                                </p:cTn>
-                              </p:par>
-                              <p:par>
-                                <p:cTn id="22" presetID="10" presetClass="exit" presetSubtype="0" fill="hold" grpId="1" nodeType="withEffect">
-                                  <p:stCondLst>
-                                    <p:cond delay="0"/>
-                                  </p:stCondLst>
-                                  <p:childTnLst>
-                                    <p:animEffect transition="out" filter="fade">
-                                      <p:cBhvr>
-                                        <p:cTn id="23" dur="500"/>
-                                        <p:tgtEl>
-                                          <p:spTgt spid="21"/>
-                                        </p:tgtEl>
-                                      </p:cBhvr>
-                                    </p:animEffect>
-                                    <p:set>
-                                      <p:cBhvr>
-                                        <p:cTn id="24" dur="1" fill="hold">
-                                          <p:stCondLst>
-                                            <p:cond delay="499"/>
-                                          </p:stCondLst>
-                                        </p:cTn>
-                                        <p:tgtEl>
-                                          <p:spTgt spid="21"/>
-                                        </p:tgtEl>
-                                        <p:attrNameLst>
-                                          <p:attrName>style.visibility</p:attrName>
-                                        </p:attrNameLst>
-                                      </p:cBhvr>
-                                      <p:to>
-                                        <p:strVal val="hidden"/>
-                                      </p:to>
-                                    </p:set>
-                                  </p:childTnLst>
-                                </p:cTn>
-                              </p:par>
-                              <p:par>
-                                <p:cTn id="25" presetID="10" presetClass="exit" presetSubtype="0" fill="hold" grpId="1" nodeType="withEffect">
-                                  <p:stCondLst>
-                                    <p:cond delay="0"/>
-                                  </p:stCondLst>
-                                  <p:childTnLst>
-                                    <p:animEffect transition="out" filter="fade">
-                                      <p:cBhvr>
-                                        <p:cTn id="26" dur="500"/>
-                                        <p:tgtEl>
-                                          <p:spTgt spid="3"/>
-                                        </p:tgtEl>
-                                      </p:cBhvr>
-                                    </p:animEffect>
-                                    <p:set>
-                                      <p:cBhvr>
-                                        <p:cTn id="27" dur="1" fill="hold">
-                                          <p:stCondLst>
-                                            <p:cond delay="499"/>
-                                          </p:stCondLst>
-                                        </p:cTn>
-                                        <p:tgtEl>
-                                          <p:spTgt spid="3"/>
-                                        </p:tgtEl>
-                                        <p:attrNameLst>
-                                          <p:attrName>style.visibility</p:attrName>
-                                        </p:attrNameLst>
-                                      </p:cBhvr>
-                                      <p:to>
-                                        <p:strVal val="hidden"/>
-                                      </p:to>
-                                    </p:set>
-                                  </p:childTnLst>
-                                </p:cTn>
-                              </p:par>
-                              <p:par>
-                                <p:cTn id="28" presetID="10" presetClass="entr" presetSubtype="0" fill="hold" grpId="0" nodeType="withEffect">
-                                  <p:stCondLst>
-                                    <p:cond delay="0"/>
-                                  </p:stCondLst>
-                                  <p:childTnLst>
-                                    <p:set>
-                                      <p:cBhvr>
-                                        <p:cTn id="29" dur="1" fill="hold">
-                                          <p:stCondLst>
-                                            <p:cond delay="0"/>
-                                          </p:stCondLst>
-                                        </p:cTn>
-                                        <p:tgtEl>
-                                          <p:spTgt spid="62"/>
-                                        </p:tgtEl>
-                                        <p:attrNameLst>
-                                          <p:attrName>style.visibility</p:attrName>
-                                        </p:attrNameLst>
-                                      </p:cBhvr>
-                                      <p:to>
-                                        <p:strVal val="visible"/>
-                                      </p:to>
-                                    </p:set>
-                                    <p:animEffect transition="in" filter="fade">
-                                      <p:cBhvr>
-                                        <p:cTn id="30" dur="500"/>
-                                        <p:tgtEl>
-                                          <p:spTgt spid="62"/>
-                                        </p:tgtEl>
-                                      </p:cBhvr>
-                                    </p:animEffect>
-                                  </p:childTnLst>
-                                </p:cTn>
-                              </p:par>
-                              <p:par>
-                                <p:cTn id="31" presetID="10" presetClass="entr" presetSubtype="0" fill="hold" nodeType="withEffect">
-                                  <p:stCondLst>
-                                    <p:cond delay="0"/>
-                                  </p:stCondLst>
-                                  <p:childTnLst>
-                                    <p:set>
-                                      <p:cBhvr>
-                                        <p:cTn id="32" dur="1" fill="hold">
-                                          <p:stCondLst>
-                                            <p:cond delay="0"/>
-                                          </p:stCondLst>
-                                        </p:cTn>
-                                        <p:tgtEl>
-                                          <p:spTgt spid="47"/>
-                                        </p:tgtEl>
-                                        <p:attrNameLst>
-                                          <p:attrName>style.visibility</p:attrName>
-                                        </p:attrNameLst>
-                                      </p:cBhvr>
-                                      <p:to>
-                                        <p:strVal val="visible"/>
-                                      </p:to>
-                                    </p:set>
-                                    <p:animEffect transition="in" filter="fade">
-                                      <p:cBhvr>
-                                        <p:cTn id="33" dur="500"/>
-                                        <p:tgtEl>
-                                          <p:spTgt spid="47"/>
-                                        </p:tgtEl>
-                                      </p:cBhvr>
-                                    </p:animEffect>
-                                  </p:childTnLst>
-                                </p:cTn>
-                              </p:par>
-                              <p:par>
-                                <p:cTn id="34" presetID="10" presetClass="entr" presetSubtype="0" fill="hold" grpId="0" nodeType="withEffect">
-                                  <p:stCondLst>
-                                    <p:cond delay="0"/>
-                                  </p:stCondLst>
-                                  <p:childTnLst>
-                                    <p:set>
-                                      <p:cBhvr>
-                                        <p:cTn id="35" dur="1" fill="hold">
-                                          <p:stCondLst>
-                                            <p:cond delay="0"/>
-                                          </p:stCondLst>
-                                        </p:cTn>
-                                        <p:tgtEl>
-                                          <p:spTgt spid="17"/>
-                                        </p:tgtEl>
-                                        <p:attrNameLst>
-                                          <p:attrName>style.visibility</p:attrName>
-                                        </p:attrNameLst>
-                                      </p:cBhvr>
-                                      <p:to>
-                                        <p:strVal val="visible"/>
-                                      </p:to>
-                                    </p:set>
-                                    <p:animEffect transition="in" filter="fade">
-                                      <p:cBhvr>
-                                        <p:cTn id="36" dur="500"/>
-                                        <p:tgtEl>
-                                          <p:spTgt spid="17"/>
-                                        </p:tgtEl>
-                                      </p:cBhvr>
-                                    </p:animEffect>
-                                  </p:childTnLst>
-                                </p:cTn>
-                              </p:par>
-                              <p:par>
-                                <p:cTn id="37" presetID="10" presetClass="entr" presetSubtype="0" fill="hold" grpId="0" nodeType="withEffect">
-                                  <p:stCondLst>
-                                    <p:cond delay="0"/>
-                                  </p:stCondLst>
-                                  <p:childTnLst>
-                                    <p:set>
-                                      <p:cBhvr>
-                                        <p:cTn id="38" dur="1" fill="hold">
-                                          <p:stCondLst>
-                                            <p:cond delay="0"/>
-                                          </p:stCondLst>
-                                        </p:cTn>
-                                        <p:tgtEl>
-                                          <p:spTgt spid="25"/>
-                                        </p:tgtEl>
-                                        <p:attrNameLst>
-                                          <p:attrName>style.visibility</p:attrName>
-                                        </p:attrNameLst>
-                                      </p:cBhvr>
-                                      <p:to>
-                                        <p:strVal val="visible"/>
-                                      </p:to>
-                                    </p:set>
-                                    <p:animEffect transition="in" filter="fade">
-                                      <p:cBhvr>
-                                        <p:cTn id="39" dur="500"/>
-                                        <p:tgtEl>
-                                          <p:spTgt spid="25"/>
-                                        </p:tgtEl>
-                                      </p:cBhvr>
-                                    </p:animEffect>
-                                  </p:childTnLst>
-                                </p:cTn>
-                              </p:par>
-                            </p:childTnLst>
-                          </p:cTn>
-                        </p:par>
-                      </p:childTnLst>
-                    </p:cTn>
-                  </p:par>
-                  <p:par>
-                    <p:cTn id="40" fill="hold">
-                      <p:stCondLst>
-                        <p:cond delay="indefinite"/>
-                      </p:stCondLst>
-                      <p:childTnLst>
-                        <p:par>
-                          <p:cTn id="41" fill="hold">
-                            <p:stCondLst>
-                              <p:cond delay="0"/>
-                            </p:stCondLst>
-                            <p:childTnLst>
-                              <p:par>
-                                <p:cTn id="42" presetID="10" presetClass="exit" presetSubtype="0" fill="hold" grpId="1" nodeType="clickEffect">
-                                  <p:stCondLst>
-                                    <p:cond delay="0"/>
-                                  </p:stCondLst>
-                                  <p:childTnLst>
-                                    <p:animEffect transition="out" filter="fade">
-                                      <p:cBhvr>
-                                        <p:cTn id="43" dur="500"/>
-                                        <p:tgtEl>
-                                          <p:spTgt spid="62"/>
-                                        </p:tgtEl>
-                                      </p:cBhvr>
-                                    </p:animEffect>
-                                    <p:set>
-                                      <p:cBhvr>
-                                        <p:cTn id="44" dur="1" fill="hold">
-                                          <p:stCondLst>
-                                            <p:cond delay="499"/>
-                                          </p:stCondLst>
-                                        </p:cTn>
-                                        <p:tgtEl>
-                                          <p:spTgt spid="62"/>
-                                        </p:tgtEl>
-                                        <p:attrNameLst>
-                                          <p:attrName>style.visibility</p:attrName>
-                                        </p:attrNameLst>
-                                      </p:cBhvr>
-                                      <p:to>
-                                        <p:strVal val="hidden"/>
-                                      </p:to>
-                                    </p:set>
-                                  </p:childTnLst>
-                                </p:cTn>
-                              </p:par>
-                              <p:par>
-                                <p:cTn id="45" presetID="10" presetClass="exit" presetSubtype="0" fill="hold" nodeType="withEffect">
-                                  <p:stCondLst>
-                                    <p:cond delay="0"/>
-                                  </p:stCondLst>
-                                  <p:childTnLst>
-                                    <p:animEffect transition="out" filter="fade">
-                                      <p:cBhvr>
-                                        <p:cTn id="46" dur="500"/>
-                                        <p:tgtEl>
-                                          <p:spTgt spid="47"/>
-                                        </p:tgtEl>
-                                      </p:cBhvr>
-                                    </p:animEffect>
-                                    <p:set>
-                                      <p:cBhvr>
-                                        <p:cTn id="47" dur="1" fill="hold">
-                                          <p:stCondLst>
-                                            <p:cond delay="499"/>
-                                          </p:stCondLst>
-                                        </p:cTn>
-                                        <p:tgtEl>
-                                          <p:spTgt spid="47"/>
-                                        </p:tgtEl>
-                                        <p:attrNameLst>
-                                          <p:attrName>style.visibility</p:attrName>
-                                        </p:attrNameLst>
-                                      </p:cBhvr>
-                                      <p:to>
-                                        <p:strVal val="hidden"/>
-                                      </p:to>
-                                    </p:set>
-                                  </p:childTnLst>
-                                </p:cTn>
-                              </p:par>
-                              <p:par>
-                                <p:cTn id="48" presetID="10" presetClass="exit" presetSubtype="0" fill="hold" grpId="1" nodeType="withEffect">
-                                  <p:stCondLst>
-                                    <p:cond delay="0"/>
-                                  </p:stCondLst>
-                                  <p:childTnLst>
-                                    <p:animEffect transition="out" filter="fade">
-                                      <p:cBhvr>
-                                        <p:cTn id="49" dur="500"/>
-                                        <p:tgtEl>
-                                          <p:spTgt spid="17"/>
-                                        </p:tgtEl>
-                                      </p:cBhvr>
-                                    </p:animEffect>
-                                    <p:set>
-                                      <p:cBhvr>
-                                        <p:cTn id="50" dur="1" fill="hold">
-                                          <p:stCondLst>
-                                            <p:cond delay="499"/>
-                                          </p:stCondLst>
-                                        </p:cTn>
-                                        <p:tgtEl>
-                                          <p:spTgt spid="17"/>
-                                        </p:tgtEl>
-                                        <p:attrNameLst>
-                                          <p:attrName>style.visibility</p:attrName>
-                                        </p:attrNameLst>
-                                      </p:cBhvr>
-                                      <p:to>
-                                        <p:strVal val="hidden"/>
-                                      </p:to>
-                                    </p:set>
-                                  </p:childTnLst>
-                                </p:cTn>
-                              </p:par>
-                              <p:par>
-                                <p:cTn id="51" presetID="10" presetClass="exit" presetSubtype="0" fill="hold" grpId="1" nodeType="withEffect">
-                                  <p:stCondLst>
-                                    <p:cond delay="0"/>
-                                  </p:stCondLst>
-                                  <p:childTnLst>
-                                    <p:animEffect transition="out" filter="fade">
-                                      <p:cBhvr>
-                                        <p:cTn id="52" dur="500"/>
-                                        <p:tgtEl>
-                                          <p:spTgt spid="25"/>
-                                        </p:tgtEl>
-                                      </p:cBhvr>
-                                    </p:animEffect>
-                                    <p:set>
-                                      <p:cBhvr>
-                                        <p:cTn id="53" dur="1" fill="hold">
-                                          <p:stCondLst>
-                                            <p:cond delay="499"/>
-                                          </p:stCondLst>
-                                        </p:cTn>
-                                        <p:tgtEl>
-                                          <p:spTgt spid="25"/>
-                                        </p:tgtEl>
-                                        <p:attrNameLst>
-                                          <p:attrName>style.visibility</p:attrName>
-                                        </p:attrNameLst>
-                                      </p:cBhvr>
-                                      <p:to>
-                                        <p:strVal val="hidden"/>
-                                      </p:to>
-                                    </p:set>
-                                  </p:childTnLst>
-                                </p:cTn>
-                              </p:par>
-                              <p:par>
-                                <p:cTn id="54" presetID="10" presetClass="entr" presetSubtype="0" fill="hold" grpId="0" nodeType="withEffect">
-                                  <p:stCondLst>
-                                    <p:cond delay="0"/>
-                                  </p:stCondLst>
-                                  <p:childTnLst>
-                                    <p:set>
-                                      <p:cBhvr>
-                                        <p:cTn id="55" dur="1" fill="hold">
-                                          <p:stCondLst>
-                                            <p:cond delay="0"/>
-                                          </p:stCondLst>
-                                        </p:cTn>
-                                        <p:tgtEl>
-                                          <p:spTgt spid="63"/>
-                                        </p:tgtEl>
-                                        <p:attrNameLst>
-                                          <p:attrName>style.visibility</p:attrName>
-                                        </p:attrNameLst>
-                                      </p:cBhvr>
-                                      <p:to>
-                                        <p:strVal val="visible"/>
-                                      </p:to>
-                                    </p:set>
-                                    <p:animEffect transition="in" filter="fade">
-                                      <p:cBhvr>
-                                        <p:cTn id="56" dur="500"/>
-                                        <p:tgtEl>
-                                          <p:spTgt spid="63"/>
-                                        </p:tgtEl>
-                                      </p:cBhvr>
-                                    </p:animEffect>
-                                  </p:childTnLst>
-                                </p:cTn>
-                              </p:par>
-                              <p:par>
-                                <p:cTn id="57" presetID="10" presetClass="entr" presetSubtype="0" fill="hold" nodeType="withEffect">
-                                  <p:stCondLst>
-                                    <p:cond delay="0"/>
-                                  </p:stCondLst>
-                                  <p:childTnLst>
-                                    <p:set>
-                                      <p:cBhvr>
-                                        <p:cTn id="58" dur="1" fill="hold">
-                                          <p:stCondLst>
-                                            <p:cond delay="0"/>
-                                          </p:stCondLst>
-                                        </p:cTn>
-                                        <p:tgtEl>
-                                          <p:spTgt spid="44"/>
-                                        </p:tgtEl>
-                                        <p:attrNameLst>
-                                          <p:attrName>style.visibility</p:attrName>
-                                        </p:attrNameLst>
-                                      </p:cBhvr>
-                                      <p:to>
-                                        <p:strVal val="visible"/>
-                                      </p:to>
-                                    </p:set>
-                                    <p:animEffect transition="in" filter="fade">
-                                      <p:cBhvr>
-                                        <p:cTn id="59" dur="500"/>
-                                        <p:tgtEl>
-                                          <p:spTgt spid="44"/>
-                                        </p:tgtEl>
-                                      </p:cBhvr>
-                                    </p:animEffect>
-                                  </p:childTnLst>
-                                </p:cTn>
-                              </p:par>
-                              <p:par>
-                                <p:cTn id="60" presetID="10" presetClass="entr" presetSubtype="0" fill="hold" grpId="0" nodeType="withEffect">
-                                  <p:stCondLst>
-                                    <p:cond delay="0"/>
-                                  </p:stCondLst>
-                                  <p:childTnLst>
-                                    <p:set>
-                                      <p:cBhvr>
-                                        <p:cTn id="61" dur="1" fill="hold">
-                                          <p:stCondLst>
-                                            <p:cond delay="0"/>
-                                          </p:stCondLst>
-                                        </p:cTn>
-                                        <p:tgtEl>
-                                          <p:spTgt spid="18"/>
-                                        </p:tgtEl>
-                                        <p:attrNameLst>
-                                          <p:attrName>style.visibility</p:attrName>
-                                        </p:attrNameLst>
-                                      </p:cBhvr>
-                                      <p:to>
-                                        <p:strVal val="visible"/>
-                                      </p:to>
-                                    </p:set>
-                                    <p:animEffect transition="in" filter="fade">
-                                      <p:cBhvr>
-                                        <p:cTn id="62" dur="500"/>
-                                        <p:tgtEl>
-                                          <p:spTgt spid="18"/>
-                                        </p:tgtEl>
-                                      </p:cBhvr>
-                                    </p:animEffect>
-                                  </p:childTnLst>
-                                </p:cTn>
-                              </p:par>
-                              <p:par>
-                                <p:cTn id="63" presetID="10" presetClass="entr" presetSubtype="0" fill="hold" grpId="0" nodeType="withEffect">
-                                  <p:stCondLst>
-                                    <p:cond delay="0"/>
-                                  </p:stCondLst>
-                                  <p:childTnLst>
-                                    <p:set>
-                                      <p:cBhvr>
-                                        <p:cTn id="64" dur="1" fill="hold">
-                                          <p:stCondLst>
-                                            <p:cond delay="0"/>
-                                          </p:stCondLst>
-                                        </p:cTn>
-                                        <p:tgtEl>
-                                          <p:spTgt spid="26"/>
-                                        </p:tgtEl>
-                                        <p:attrNameLst>
-                                          <p:attrName>style.visibility</p:attrName>
-                                        </p:attrNameLst>
-                                      </p:cBhvr>
-                                      <p:to>
-                                        <p:strVal val="visible"/>
-                                      </p:to>
-                                    </p:set>
-                                    <p:animEffect transition="in" filter="fade">
-                                      <p:cBhvr>
-                                        <p:cTn id="65" dur="500"/>
-                                        <p:tgtEl>
-                                          <p:spTgt spid="26"/>
-                                        </p:tgtEl>
-                                      </p:cBhvr>
-                                    </p:animEffect>
-                                  </p:childTnLst>
-                                </p:cTn>
-                              </p:par>
-                            </p:childTnLst>
-                          </p:cTn>
-                        </p:par>
-                      </p:childTnLst>
-                    </p:cTn>
-                  </p:par>
-                  <p:par>
-                    <p:cTn id="66" fill="hold">
-                      <p:stCondLst>
-                        <p:cond delay="indefinite"/>
-                      </p:stCondLst>
-                      <p:childTnLst>
-                        <p:par>
-                          <p:cTn id="67" fill="hold">
-                            <p:stCondLst>
-                              <p:cond delay="0"/>
-                            </p:stCondLst>
-                            <p:childTnLst>
-                              <p:par>
-                                <p:cTn id="68" presetID="1" presetClass="exit" presetSubtype="0" fill="hold" grpId="1" nodeType="clickEffect">
-                                  <p:stCondLst>
-                                    <p:cond delay="0"/>
-                                  </p:stCondLst>
-                                  <p:childTnLst>
-                                    <p:set>
-                                      <p:cBhvr>
-                                        <p:cTn id="69" dur="1" fill="hold">
-                                          <p:stCondLst>
-                                            <p:cond delay="0"/>
-                                          </p:stCondLst>
-                                        </p:cTn>
-                                        <p:tgtEl>
-                                          <p:spTgt spid="63"/>
-                                        </p:tgtEl>
-                                        <p:attrNameLst>
-                                          <p:attrName>style.visibility</p:attrName>
-                                        </p:attrNameLst>
-                                      </p:cBhvr>
-                                      <p:to>
-                                        <p:strVal val="hidden"/>
-                                      </p:to>
-                                    </p:set>
-                                  </p:childTnLst>
-                                </p:cTn>
-                              </p:par>
-                              <p:par>
-                                <p:cTn id="70" presetID="10" presetClass="exit" presetSubtype="0" fill="hold" grpId="1" nodeType="withEffect">
-                                  <p:stCondLst>
-                                    <p:cond delay="0"/>
-                                  </p:stCondLst>
-                                  <p:childTnLst>
-                                    <p:animEffect transition="out" filter="fade">
-                                      <p:cBhvr>
-                                        <p:cTn id="71" dur="500"/>
-                                        <p:tgtEl>
-                                          <p:spTgt spid="18"/>
-                                        </p:tgtEl>
-                                      </p:cBhvr>
-                                    </p:animEffect>
-                                    <p:set>
-                                      <p:cBhvr>
-                                        <p:cTn id="72" dur="1" fill="hold">
-                                          <p:stCondLst>
-                                            <p:cond delay="499"/>
-                                          </p:stCondLst>
-                                        </p:cTn>
-                                        <p:tgtEl>
-                                          <p:spTgt spid="18"/>
-                                        </p:tgtEl>
-                                        <p:attrNameLst>
-                                          <p:attrName>style.visibility</p:attrName>
-                                        </p:attrNameLst>
-                                      </p:cBhvr>
-                                      <p:to>
-                                        <p:strVal val="hidden"/>
-                                      </p:to>
-                                    </p:set>
-                                  </p:childTnLst>
-                                </p:cTn>
-                              </p:par>
-                              <p:par>
-                                <p:cTn id="73" presetID="10" presetClass="exit" presetSubtype="0" fill="hold" grpId="1" nodeType="withEffect">
-                                  <p:stCondLst>
-                                    <p:cond delay="0"/>
-                                  </p:stCondLst>
-                                  <p:childTnLst>
-                                    <p:animEffect transition="out" filter="fade">
-                                      <p:cBhvr>
-                                        <p:cTn id="74" dur="500"/>
-                                        <p:tgtEl>
-                                          <p:spTgt spid="26"/>
-                                        </p:tgtEl>
-                                      </p:cBhvr>
-                                    </p:animEffect>
-                                    <p:set>
-                                      <p:cBhvr>
-                                        <p:cTn id="75" dur="1" fill="hold">
-                                          <p:stCondLst>
-                                            <p:cond delay="499"/>
-                                          </p:stCondLst>
-                                        </p:cTn>
-                                        <p:tgtEl>
-                                          <p:spTgt spid="26"/>
-                                        </p:tgtEl>
-                                        <p:attrNameLst>
-                                          <p:attrName>style.visibility</p:attrName>
-                                        </p:attrNameLst>
-                                      </p:cBhvr>
-                                      <p:to>
-                                        <p:strVal val="hidden"/>
-                                      </p:to>
-                                    </p:set>
-                                  </p:childTnLst>
-                                </p:cTn>
-                              </p:par>
-                              <p:par>
-                                <p:cTn id="76" presetID="1" presetClass="entr" presetSubtype="0" fill="hold" grpId="1" nodeType="withEffect">
-                                  <p:stCondLst>
-                                    <p:cond delay="0"/>
-                                  </p:stCondLst>
-                                  <p:childTnLst>
-                                    <p:set>
-                                      <p:cBhvr>
-                                        <p:cTn id="77" dur="1" fill="hold">
-                                          <p:stCondLst>
-                                            <p:cond delay="0"/>
-                                          </p:stCondLst>
-                                        </p:cTn>
-                                        <p:tgtEl>
-                                          <p:spTgt spid="5"/>
-                                        </p:tgtEl>
-                                        <p:attrNameLst>
-                                          <p:attrName>style.visibility</p:attrName>
-                                        </p:attrNameLst>
-                                      </p:cBhvr>
-                                      <p:to>
-                                        <p:strVal val="visible"/>
-                                      </p:to>
-                                    </p:set>
-                                  </p:childTnLst>
-                                </p:cTn>
-                              </p:par>
-                              <p:par>
-                                <p:cTn id="78" presetID="1" presetClass="entr" presetSubtype="0" fill="hold" nodeType="withEffect">
-                                  <p:stCondLst>
-                                    <p:cond delay="0"/>
-                                  </p:stCondLst>
-                                  <p:childTnLst>
-                                    <p:set>
-                                      <p:cBhvr>
-                                        <p:cTn id="79" dur="1" fill="hold">
-                                          <p:stCondLst>
-                                            <p:cond delay="0"/>
-                                          </p:stCondLst>
-                                        </p:cTn>
-                                        <p:tgtEl>
-                                          <p:spTgt spid="51"/>
-                                        </p:tgtEl>
-                                        <p:attrNameLst>
-                                          <p:attrName>style.visibility</p:attrName>
-                                        </p:attrNameLst>
-                                      </p:cBhvr>
-                                      <p:to>
-                                        <p:strVal val="visible"/>
-                                      </p:to>
-                                    </p:set>
-                                  </p:childTnLst>
-                                </p:cTn>
-                              </p:par>
-                              <p:par>
-                                <p:cTn id="80" presetID="1" presetClass="entr" presetSubtype="0" fill="hold" nodeType="withEffect">
-                                  <p:stCondLst>
-                                    <p:cond delay="0"/>
-                                  </p:stCondLst>
-                                  <p:childTnLst>
-                                    <p:set>
-                                      <p:cBhvr>
-                                        <p:cTn id="81" dur="1" fill="hold">
-                                          <p:stCondLst>
-                                            <p:cond delay="0"/>
-                                          </p:stCondLst>
-                                        </p:cTn>
-                                        <p:tgtEl>
-                                          <p:spTgt spid="47"/>
-                                        </p:tgtEl>
-                                        <p:attrNameLst>
-                                          <p:attrName>style.visibility</p:attrName>
-                                        </p:attrNameLst>
-                                      </p:cBhvr>
-                                      <p:to>
-                                        <p:strVal val="visible"/>
-                                      </p:to>
-                                    </p:set>
-                                  </p:childTnLst>
-                                </p:cTn>
-                              </p:par>
-                              <p:par>
-                                <p:cTn id="82" presetID="1" presetClass="entr" presetSubtype="0" fill="hold" nodeType="withEffect">
-                                  <p:stCondLst>
-                                    <p:cond delay="0"/>
-                                  </p:stCondLst>
-                                  <p:childTnLst>
-                                    <p:set>
-                                      <p:cBhvr>
-                                        <p:cTn id="83" dur="1" fill="hold">
-                                          <p:stCondLst>
-                                            <p:cond delay="0"/>
-                                          </p:stCondLst>
-                                        </p:cTn>
-                                        <p:tgtEl>
-                                          <p:spTgt spid="44"/>
-                                        </p:tgtEl>
-                                        <p:attrNameLst>
-                                          <p:attrName>style.visibility</p:attrName>
-                                        </p:attrNameLst>
-                                      </p:cBhvr>
-                                      <p:to>
-                                        <p:strVal val="visible"/>
-                                      </p:to>
-                                    </p:set>
-                                  </p:childTnLst>
-                                </p:cTn>
-                              </p:par>
-                            </p:childTnLst>
-                          </p:cTn>
-                        </p:par>
-                      </p:childTnLst>
-                    </p:cTn>
-                  </p:par>
-                </p:childTnLst>
-              </p:cTn>
-              <p:prevCondLst>
-                <p:cond evt="onPrev" delay="0">
-                  <p:tgtEl>
-                    <p:sldTgt/>
-                  </p:tgtEl>
-                </p:cond>
-              </p:prevCondLst>
-              <p:nextCondLst>
-                <p:cond evt="onNext" delay="0">
-                  <p:tgtEl>
-                    <p:sldTgt/>
-                  </p:tgtEl>
-                </p:cond>
-              </p:nextCondLst>
-            </p:seq>
-          </p:childTnLst>
-        </p:cTn>
-      </p:par>
-    </p:tnLst>
-    <p:bldLst>
-      <p:bldP spid="5" grpId="0" animBg="1"/>
-      <p:bldP spid="5" grpId="1" animBg="1"/>
-      <p:bldP spid="62" grpId="0" animBg="1"/>
-      <p:bldP spid="62" grpId="1" animBg="1"/>
-      <p:bldP spid="63" grpId="0" animBg="1"/>
-      <p:bldP spid="63" grpId="1" animBg="1"/>
-      <p:bldP spid="3" grpId="0"/>
-      <p:bldP spid="3" grpId="1"/>
-      <p:bldP spid="17" grpId="0"/>
-      <p:bldP spid="17" grpId="1"/>
-      <p:bldP spid="18" grpId="0"/>
-      <p:bldP spid="18" grpId="1"/>
-      <p:bldP spid="21" grpId="1"/>
-      <p:bldP spid="21" grpId="2"/>
-      <p:bldP spid="25" grpId="0"/>
-      <p:bldP spid="25" grpId="1"/>
-      <p:bldP spid="26" grpId="0"/>
-      <p:bldP spid="26" grpId="1"/>
-    </p:bldLst>
-  </p:timing>
-</p:sld>
-</file>
-
 <file path=ppt/slides/slide8.xml><?xml version="1.0" encoding="utf-8"?>
 <p:sld xmlns:a="http://schemas.openxmlformats.org/drawingml/2006/main" xmlns:r="http://schemas.openxmlformats.org/officeDocument/2006/relationships" xmlns:p="http://schemas.openxmlformats.org/presentationml/2006/main">
   <p:cSld>
